--- a/Lecture_29.pptx
+++ b/Lecture_29.pptx
@@ -5,7 +5,7 @@
     <p:sldMasterId id="2147483648" r:id="rId1"/>
   </p:sldMasterIdLst>
   <p:notesMasterIdLst>
-    <p:notesMasterId r:id="rId20"/>
+    <p:notesMasterId r:id="rId21"/>
   </p:notesMasterIdLst>
   <p:sldIdLst>
     <p:sldId id="256" r:id="rId2"/>
@@ -15,17 +15,18 @@
     <p:sldId id="260" r:id="rId6"/>
     <p:sldId id="261" r:id="rId7"/>
     <p:sldId id="262" r:id="rId8"/>
-    <p:sldId id="263" r:id="rId9"/>
-    <p:sldId id="264" r:id="rId10"/>
-    <p:sldId id="265" r:id="rId11"/>
-    <p:sldId id="266" r:id="rId12"/>
-    <p:sldId id="267" r:id="rId13"/>
-    <p:sldId id="268" r:id="rId14"/>
-    <p:sldId id="269" r:id="rId15"/>
-    <p:sldId id="270" r:id="rId16"/>
-    <p:sldId id="271" r:id="rId17"/>
-    <p:sldId id="272" r:id="rId18"/>
-    <p:sldId id="273" r:id="rId19"/>
+    <p:sldId id="274" r:id="rId9"/>
+    <p:sldId id="263" r:id="rId10"/>
+    <p:sldId id="264" r:id="rId11"/>
+    <p:sldId id="265" r:id="rId12"/>
+    <p:sldId id="266" r:id="rId13"/>
+    <p:sldId id="267" r:id="rId14"/>
+    <p:sldId id="268" r:id="rId15"/>
+    <p:sldId id="269" r:id="rId16"/>
+    <p:sldId id="270" r:id="rId17"/>
+    <p:sldId id="271" r:id="rId18"/>
+    <p:sldId id="272" r:id="rId19"/>
+    <p:sldId id="273" r:id="rId20"/>
   </p:sldIdLst>
   <p:sldSz cx="12192000" cy="6858000"/>
   <p:notesSz cx="6858000" cy="9144000"/>
@@ -214,7 +215,7 @@
           <a:p>
             <a:fld id="{FFDA2C5A-A102-4A4E-8976-74477EDDB6D7}" type="datetimeFigureOut">
               <a:rPr lang="en-US" smtClean="0"/>
-              <a:t>11/16/2019</a:t>
+              <a:t>11/17/2019</a:t>
             </a:fld>
             <a:endParaRPr lang="en-US"/>
           </a:p>
@@ -628,7 +629,7 @@
           <a:p>
             <a:fld id="{8359A3A8-3D40-45AF-99F8-ADD9B36EBDE6}" type="datetimeFigureOut">
               <a:rPr lang="en-US" smtClean="0"/>
-              <a:t>11/16/2019</a:t>
+              <a:t>11/17/2019</a:t>
             </a:fld>
             <a:endParaRPr lang="en-US"/>
           </a:p>
@@ -826,7 +827,7 @@
           <a:p>
             <a:fld id="{8359A3A8-3D40-45AF-99F8-ADD9B36EBDE6}" type="datetimeFigureOut">
               <a:rPr lang="en-US" smtClean="0"/>
-              <a:t>11/16/2019</a:t>
+              <a:t>11/17/2019</a:t>
             </a:fld>
             <a:endParaRPr lang="en-US"/>
           </a:p>
@@ -1034,7 +1035,7 @@
           <a:p>
             <a:fld id="{8359A3A8-3D40-45AF-99F8-ADD9B36EBDE6}" type="datetimeFigureOut">
               <a:rPr lang="en-US" smtClean="0"/>
-              <a:t>11/16/2019</a:t>
+              <a:t>11/17/2019</a:t>
             </a:fld>
             <a:endParaRPr lang="en-US"/>
           </a:p>
@@ -1232,7 +1233,7 @@
           <a:p>
             <a:fld id="{8359A3A8-3D40-45AF-99F8-ADD9B36EBDE6}" type="datetimeFigureOut">
               <a:rPr lang="en-US" smtClean="0"/>
-              <a:t>11/16/2019</a:t>
+              <a:t>11/17/2019</a:t>
             </a:fld>
             <a:endParaRPr lang="en-US"/>
           </a:p>
@@ -1507,7 +1508,7 @@
           <a:p>
             <a:fld id="{8359A3A8-3D40-45AF-99F8-ADD9B36EBDE6}" type="datetimeFigureOut">
               <a:rPr lang="en-US" smtClean="0"/>
-              <a:t>11/16/2019</a:t>
+              <a:t>11/17/2019</a:t>
             </a:fld>
             <a:endParaRPr lang="en-US"/>
           </a:p>
@@ -1772,7 +1773,7 @@
           <a:p>
             <a:fld id="{8359A3A8-3D40-45AF-99F8-ADD9B36EBDE6}" type="datetimeFigureOut">
               <a:rPr lang="en-US" smtClean="0"/>
-              <a:t>11/16/2019</a:t>
+              <a:t>11/17/2019</a:t>
             </a:fld>
             <a:endParaRPr lang="en-US"/>
           </a:p>
@@ -2184,7 +2185,7 @@
           <a:p>
             <a:fld id="{8359A3A8-3D40-45AF-99F8-ADD9B36EBDE6}" type="datetimeFigureOut">
               <a:rPr lang="en-US" smtClean="0"/>
-              <a:t>11/16/2019</a:t>
+              <a:t>11/17/2019</a:t>
             </a:fld>
             <a:endParaRPr lang="en-US"/>
           </a:p>
@@ -2325,7 +2326,7 @@
           <a:p>
             <a:fld id="{8359A3A8-3D40-45AF-99F8-ADD9B36EBDE6}" type="datetimeFigureOut">
               <a:rPr lang="en-US" smtClean="0"/>
-              <a:t>11/16/2019</a:t>
+              <a:t>11/17/2019</a:t>
             </a:fld>
             <a:endParaRPr lang="en-US"/>
           </a:p>
@@ -2438,7 +2439,7 @@
           <a:p>
             <a:fld id="{8359A3A8-3D40-45AF-99F8-ADD9B36EBDE6}" type="datetimeFigureOut">
               <a:rPr lang="en-US" smtClean="0"/>
-              <a:t>11/16/2019</a:t>
+              <a:t>11/17/2019</a:t>
             </a:fld>
             <a:endParaRPr lang="en-US"/>
           </a:p>
@@ -2749,7 +2750,7 @@
           <a:p>
             <a:fld id="{8359A3A8-3D40-45AF-99F8-ADD9B36EBDE6}" type="datetimeFigureOut">
               <a:rPr lang="en-US" smtClean="0"/>
-              <a:t>11/16/2019</a:t>
+              <a:t>11/17/2019</a:t>
             </a:fld>
             <a:endParaRPr lang="en-US"/>
           </a:p>
@@ -3037,7 +3038,7 @@
           <a:p>
             <a:fld id="{8359A3A8-3D40-45AF-99F8-ADD9B36EBDE6}" type="datetimeFigureOut">
               <a:rPr lang="en-US" smtClean="0"/>
-              <a:t>11/16/2019</a:t>
+              <a:t>11/17/2019</a:t>
             </a:fld>
             <a:endParaRPr lang="en-US"/>
           </a:p>
@@ -3278,7 +3279,7 @@
           <a:p>
             <a:fld id="{8359A3A8-3D40-45AF-99F8-ADD9B36EBDE6}" type="datetimeFigureOut">
               <a:rPr lang="en-US" smtClean="0"/>
-              <a:t>11/16/2019</a:t>
+              <a:t>11/17/2019</a:t>
             </a:fld>
             <a:endParaRPr lang="en-US"/>
           </a:p>
@@ -3815,6 +3816,459 @@
           <a:lstStyle/>
           <a:p>
             <a:r>
+              <a:rPr lang="en-US" dirty="0" err="1"/>
+              <a:t>Sklearn’s</a:t>
+            </a:r>
+            <a:r>
+              <a:rPr lang="en-US" dirty="0"/>
+              <a:t> density estimation module</a:t>
+            </a:r>
+          </a:p>
+        </p:txBody>
+      </p:sp>
+      <p:sp>
+        <p:nvSpPr>
+          <p:cNvPr id="3" name="Content Placeholder 2">
+            <a:extLst>
+              <a:ext uri="{FF2B5EF4-FFF2-40B4-BE49-F238E27FC236}">
+                <a16:creationId xmlns:a16="http://schemas.microsoft.com/office/drawing/2014/main" id="{B0A39F28-4F26-4D74-86B8-189AD7996564}"/>
+              </a:ext>
+            </a:extLst>
+          </p:cNvPr>
+          <p:cNvSpPr>
+            <a:spLocks noGrp="1"/>
+          </p:cNvSpPr>
+          <p:nvPr>
+            <p:ph idx="1"/>
+          </p:nvPr>
+        </p:nvSpPr>
+        <p:spPr>
+          <a:xfrm>
+            <a:off x="0" y="934947"/>
+            <a:ext cx="12192000" cy="534257"/>
+          </a:xfrm>
+        </p:spPr>
+        <p:txBody>
+          <a:bodyPr/>
+          <a:lstStyle/>
+          <a:p>
+            <a:r>
+              <a:rPr lang="en-US" dirty="0">
+                <a:hlinkClick r:id="rId2"/>
+              </a:rPr>
+              <a:t>https://scikit-learn.org/stable/modules/density.html</a:t>
+            </a:r>
+            <a:endParaRPr lang="en-US" dirty="0"/>
+          </a:p>
+        </p:txBody>
+      </p:sp>
+      <p:pic>
+        <p:nvPicPr>
+          <p:cNvPr id="1026" name="Picture 2" descr="digits_kde">
+            <a:extLst>
+              <a:ext uri="{FF2B5EF4-FFF2-40B4-BE49-F238E27FC236}">
+                <a16:creationId xmlns:a16="http://schemas.microsoft.com/office/drawing/2014/main" id="{08BBCC8C-82B8-4926-A6DB-B773A70E1513}"/>
+              </a:ext>
+            </a:extLst>
+          </p:cNvPr>
+          <p:cNvPicPr>
+            <a:picLocks noChangeAspect="1" noChangeArrowheads="1"/>
+          </p:cNvPicPr>
+          <p:nvPr/>
+        </p:nvPicPr>
+        <p:blipFill>
+          <a:blip r:embed="rId3">
+            <a:extLst>
+              <a:ext uri="{28A0092B-C50C-407E-A947-70E740481C1C}">
+                <a14:useLocalDpi xmlns:a14="http://schemas.microsoft.com/office/drawing/2010/main" val="0"/>
+              </a:ext>
+            </a:extLst>
+          </a:blip>
+          <a:srcRect/>
+          <a:stretch>
+            <a:fillRect/>
+          </a:stretch>
+        </p:blipFill>
+        <p:spPr bwMode="auto">
+          <a:xfrm>
+            <a:off x="6472719" y="2474512"/>
+            <a:ext cx="5544620" cy="4158465"/>
+          </a:xfrm>
+          <a:prstGeom prst="rect">
+            <a:avLst/>
+          </a:prstGeom>
+          <a:noFill/>
+          <a:extLst>
+            <a:ext uri="{909E8E84-426E-40DD-AFC4-6F175D3DCCD1}">
+              <a14:hiddenFill xmlns:a14="http://schemas.microsoft.com/office/drawing/2010/main">
+                <a:solidFill>
+                  <a:srgbClr val="FFFFFF"/>
+                </a:solidFill>
+              </a14:hiddenFill>
+            </a:ext>
+          </a:extLst>
+        </p:spPr>
+      </p:pic>
+      <p:pic>
+        <p:nvPicPr>
+          <p:cNvPr id="1028" name="Picture 4" descr="species_kde">
+            <a:extLst>
+              <a:ext uri="{FF2B5EF4-FFF2-40B4-BE49-F238E27FC236}">
+                <a16:creationId xmlns:a16="http://schemas.microsoft.com/office/drawing/2014/main" id="{E103D7DF-30B9-4568-8484-4CD28D4222E4}"/>
+              </a:ext>
+            </a:extLst>
+          </p:cNvPr>
+          <p:cNvPicPr>
+            <a:picLocks noChangeAspect="1" noChangeArrowheads="1"/>
+          </p:cNvPicPr>
+          <p:nvPr/>
+        </p:nvPicPr>
+        <p:blipFill>
+          <a:blip r:embed="rId4">
+            <a:extLst>
+              <a:ext uri="{28A0092B-C50C-407E-A947-70E740481C1C}">
+                <a14:useLocalDpi xmlns:a14="http://schemas.microsoft.com/office/drawing/2010/main" val="0"/>
+              </a:ext>
+            </a:extLst>
+          </a:blip>
+          <a:srcRect/>
+          <a:stretch>
+            <a:fillRect/>
+          </a:stretch>
+        </p:blipFill>
+        <p:spPr bwMode="auto">
+          <a:xfrm>
+            <a:off x="263703" y="2267745"/>
+            <a:ext cx="6096000" cy="4572000"/>
+          </a:xfrm>
+          <a:prstGeom prst="rect">
+            <a:avLst/>
+          </a:prstGeom>
+          <a:noFill/>
+          <a:extLst>
+            <a:ext uri="{909E8E84-426E-40DD-AFC4-6F175D3DCCD1}">
+              <a14:hiddenFill xmlns:a14="http://schemas.microsoft.com/office/drawing/2010/main">
+                <a:solidFill>
+                  <a:srgbClr val="FFFFFF"/>
+                </a:solidFill>
+              </a14:hiddenFill>
+            </a:ext>
+          </a:extLst>
+        </p:spPr>
+      </p:pic>
+      <p:sp>
+        <p:nvSpPr>
+          <p:cNvPr id="4" name="TextBox 3">
+            <a:extLst>
+              <a:ext uri="{FF2B5EF4-FFF2-40B4-BE49-F238E27FC236}">
+                <a16:creationId xmlns:a16="http://schemas.microsoft.com/office/drawing/2014/main" id="{57AA2F7E-454D-4347-977A-A37BB5A0424F}"/>
+              </a:ext>
+            </a:extLst>
+          </p:cNvPr>
+          <p:cNvSpPr txBox="1"/>
+          <p:nvPr/>
+        </p:nvSpPr>
+        <p:spPr>
+          <a:xfrm>
+            <a:off x="263703" y="1839074"/>
+            <a:ext cx="5832297" cy="369332"/>
+          </a:xfrm>
+          <a:prstGeom prst="rect">
+            <a:avLst/>
+          </a:prstGeom>
+          <a:noFill/>
+        </p:spPr>
+        <p:txBody>
+          <a:bodyPr wrap="square" rtlCol="0">
+            <a:spAutoFit/>
+          </a:bodyPr>
+          <a:lstStyle/>
+          <a:p>
+            <a:r>
+              <a:rPr lang="en-US" dirty="0"/>
+              <a:t>Kernel density estimation for visualization of geospatial data</a:t>
+            </a:r>
+          </a:p>
+        </p:txBody>
+      </p:sp>
+      <p:sp>
+        <p:nvSpPr>
+          <p:cNvPr id="7" name="TextBox 6">
+            <a:extLst>
+              <a:ext uri="{FF2B5EF4-FFF2-40B4-BE49-F238E27FC236}">
+                <a16:creationId xmlns:a16="http://schemas.microsoft.com/office/drawing/2014/main" id="{4AF122E6-2834-47D7-BC0D-2EB21971E6BB}"/>
+              </a:ext>
+            </a:extLst>
+          </p:cNvPr>
+          <p:cNvSpPr txBox="1"/>
+          <p:nvPr/>
+        </p:nvSpPr>
+        <p:spPr>
+          <a:xfrm>
+            <a:off x="6647380" y="1664413"/>
+            <a:ext cx="5832297" cy="923330"/>
+          </a:xfrm>
+          <a:prstGeom prst="rect">
+            <a:avLst/>
+          </a:prstGeom>
+          <a:noFill/>
+        </p:spPr>
+        <p:txBody>
+          <a:bodyPr wrap="square" rtlCol="0">
+            <a:spAutoFit/>
+          </a:bodyPr>
+          <a:lstStyle/>
+          <a:p>
+            <a:r>
+              <a:rPr lang="en-US" dirty="0"/>
+              <a:t>Kernel density estimation for non-parametric generative models, here, a new set of handwritten digits has been </a:t>
+            </a:r>
+            <a:r>
+              <a:rPr lang="en-US" i="1" dirty="0"/>
+              <a:t>generated </a:t>
+            </a:r>
+            <a:r>
+              <a:rPr lang="en-US" dirty="0"/>
+              <a:t>using a gaussian kernel </a:t>
+            </a:r>
+          </a:p>
+        </p:txBody>
+      </p:sp>
+    </p:spTree>
+    <p:extLst>
+      <p:ext uri="{BB962C8B-B14F-4D97-AF65-F5344CB8AC3E}">
+        <p14:creationId xmlns:p14="http://schemas.microsoft.com/office/powerpoint/2010/main" val="1103981743"/>
+      </p:ext>
+    </p:extLst>
+  </p:cSld>
+  <p:clrMapOvr>
+    <a:masterClrMapping/>
+  </p:clrMapOvr>
+  <p:timing>
+    <p:tnLst>
+      <p:par>
+        <p:cTn id="1" dur="indefinite" restart="never" nodeType="tmRoot">
+          <p:childTnLst>
+            <p:seq concurrent="1" nextAc="seek">
+              <p:cTn id="2" dur="indefinite" nodeType="mainSeq">
+                <p:childTnLst>
+                  <p:par>
+                    <p:cTn id="3" fill="hold">
+                      <p:stCondLst>
+                        <p:cond delay="indefinite"/>
+                      </p:stCondLst>
+                      <p:childTnLst>
+                        <p:par>
+                          <p:cTn id="4" fill="hold">
+                            <p:stCondLst>
+                              <p:cond delay="0"/>
+                            </p:stCondLst>
+                            <p:childTnLst>
+                              <p:par>
+                                <p:cTn id="5" presetID="1" presetClass="entr" presetSubtype="0" fill="hold" grpId="0" nodeType="clickEffect">
+                                  <p:stCondLst>
+                                    <p:cond delay="0"/>
+                                  </p:stCondLst>
+                                  <p:childTnLst>
+                                    <p:set>
+                                      <p:cBhvr>
+                                        <p:cTn id="6" dur="1" fill="hold">
+                                          <p:stCondLst>
+                                            <p:cond delay="0"/>
+                                          </p:stCondLst>
+                                        </p:cTn>
+                                        <p:tgtEl>
+                                          <p:spTgt spid="4"/>
+                                        </p:tgtEl>
+                                        <p:attrNameLst>
+                                          <p:attrName>style.visibility</p:attrName>
+                                        </p:attrNameLst>
+                                      </p:cBhvr>
+                                      <p:to>
+                                        <p:strVal val="visible"/>
+                                      </p:to>
+                                    </p:set>
+                                  </p:childTnLst>
+                                </p:cTn>
+                              </p:par>
+                              <p:par>
+                                <p:cTn id="7" presetID="1" presetClass="entr" presetSubtype="0" fill="hold" nodeType="withEffect">
+                                  <p:stCondLst>
+                                    <p:cond delay="0"/>
+                                  </p:stCondLst>
+                                  <p:childTnLst>
+                                    <p:set>
+                                      <p:cBhvr>
+                                        <p:cTn id="8" dur="1" fill="hold">
+                                          <p:stCondLst>
+                                            <p:cond delay="0"/>
+                                          </p:stCondLst>
+                                        </p:cTn>
+                                        <p:tgtEl>
+                                          <p:spTgt spid="1028"/>
+                                        </p:tgtEl>
+                                        <p:attrNameLst>
+                                          <p:attrName>style.visibility</p:attrName>
+                                        </p:attrNameLst>
+                                      </p:cBhvr>
+                                      <p:to>
+                                        <p:strVal val="visible"/>
+                                      </p:to>
+                                    </p:set>
+                                  </p:childTnLst>
+                                </p:cTn>
+                              </p:par>
+                            </p:childTnLst>
+                          </p:cTn>
+                        </p:par>
+                      </p:childTnLst>
+                    </p:cTn>
+                  </p:par>
+                  <p:par>
+                    <p:cTn id="9" fill="hold">
+                      <p:stCondLst>
+                        <p:cond delay="indefinite"/>
+                      </p:stCondLst>
+                      <p:childTnLst>
+                        <p:par>
+                          <p:cTn id="10" fill="hold">
+                            <p:stCondLst>
+                              <p:cond delay="0"/>
+                            </p:stCondLst>
+                            <p:childTnLst>
+                              <p:par>
+                                <p:cTn id="11" presetID="1" presetClass="entr" presetSubtype="0" fill="hold" grpId="0" nodeType="clickEffect">
+                                  <p:stCondLst>
+                                    <p:cond delay="0"/>
+                                  </p:stCondLst>
+                                  <p:childTnLst>
+                                    <p:set>
+                                      <p:cBhvr>
+                                        <p:cTn id="12" dur="1" fill="hold">
+                                          <p:stCondLst>
+                                            <p:cond delay="0"/>
+                                          </p:stCondLst>
+                                        </p:cTn>
+                                        <p:tgtEl>
+                                          <p:spTgt spid="7"/>
+                                        </p:tgtEl>
+                                        <p:attrNameLst>
+                                          <p:attrName>style.visibility</p:attrName>
+                                        </p:attrNameLst>
+                                      </p:cBhvr>
+                                      <p:to>
+                                        <p:strVal val="visible"/>
+                                      </p:to>
+                                    </p:set>
+                                  </p:childTnLst>
+                                </p:cTn>
+                              </p:par>
+                              <p:par>
+                                <p:cTn id="13" presetID="1" presetClass="entr" presetSubtype="0" fill="hold" nodeType="withEffect">
+                                  <p:stCondLst>
+                                    <p:cond delay="0"/>
+                                  </p:stCondLst>
+                                  <p:childTnLst>
+                                    <p:set>
+                                      <p:cBhvr>
+                                        <p:cTn id="14" dur="1" fill="hold">
+                                          <p:stCondLst>
+                                            <p:cond delay="0"/>
+                                          </p:stCondLst>
+                                        </p:cTn>
+                                        <p:tgtEl>
+                                          <p:spTgt spid="1026"/>
+                                        </p:tgtEl>
+                                        <p:attrNameLst>
+                                          <p:attrName>style.visibility</p:attrName>
+                                        </p:attrNameLst>
+                                      </p:cBhvr>
+                                      <p:to>
+                                        <p:strVal val="visible"/>
+                                      </p:to>
+                                    </p:set>
+                                  </p:childTnLst>
+                                </p:cTn>
+                              </p:par>
+                            </p:childTnLst>
+                          </p:cTn>
+                        </p:par>
+                      </p:childTnLst>
+                    </p:cTn>
+                  </p:par>
+                </p:childTnLst>
+              </p:cTn>
+              <p:prevCondLst>
+                <p:cond evt="onPrev" delay="0">
+                  <p:tgtEl>
+                    <p:sldTgt/>
+                  </p:tgtEl>
+                </p:cond>
+              </p:prevCondLst>
+              <p:nextCondLst>
+                <p:cond evt="onNext" delay="0">
+                  <p:tgtEl>
+                    <p:sldTgt/>
+                  </p:tgtEl>
+                </p:cond>
+              </p:nextCondLst>
+            </p:seq>
+          </p:childTnLst>
+        </p:cTn>
+      </p:par>
+    </p:tnLst>
+    <p:bldLst>
+      <p:bldP spid="4" grpId="0"/>
+      <p:bldP spid="7" grpId="0"/>
+    </p:bldLst>
+  </p:timing>
+</p:sld>
+</file>
+
+<file path=ppt/slides/slide11.xml><?xml version="1.0" encoding="utf-8"?>
+<p:sld xmlns:a="http://schemas.openxmlformats.org/drawingml/2006/main" xmlns:r="http://schemas.openxmlformats.org/officeDocument/2006/relationships" xmlns:p="http://schemas.openxmlformats.org/presentationml/2006/main">
+  <p:cSld>
+    <p:spTree>
+      <p:nvGrpSpPr>
+        <p:cNvPr id="1" name=""/>
+        <p:cNvGrpSpPr/>
+        <p:nvPr/>
+      </p:nvGrpSpPr>
+      <p:grpSpPr>
+        <a:xfrm>
+          <a:off x="0" y="0"/>
+          <a:ext cx="0" cy="0"/>
+          <a:chOff x="0" y="0"/>
+          <a:chExt cx="0" cy="0"/>
+        </a:xfrm>
+      </p:grpSpPr>
+      <p:sp>
+        <p:nvSpPr>
+          <p:cNvPr id="2" name="Title 1">
+            <a:extLst>
+              <a:ext uri="{FF2B5EF4-FFF2-40B4-BE49-F238E27FC236}">
+                <a16:creationId xmlns:a16="http://schemas.microsoft.com/office/drawing/2014/main" id="{C58FDB14-83CD-4400-8BFB-C6686055B5EB}"/>
+              </a:ext>
+            </a:extLst>
+          </p:cNvPr>
+          <p:cNvSpPr>
+            <a:spLocks noGrp="1"/>
+          </p:cNvSpPr>
+          <p:nvPr>
+            <p:ph type="title"/>
+          </p:nvPr>
+        </p:nvSpPr>
+        <p:spPr>
+          <a:xfrm>
+            <a:off x="0" y="18255"/>
+            <a:ext cx="12192000" cy="916693"/>
+          </a:xfrm>
+        </p:spPr>
+        <p:txBody>
+          <a:bodyPr/>
+          <a:lstStyle/>
+          <a:p>
+            <a:r>
               <a:rPr lang="en-US" dirty="0"/>
               <a:t>Hidden Variable models</a:t>
             </a:r>
@@ -3847,7 +4301,7 @@
             </p:spPr>
             <p:txBody>
               <a:bodyPr>
-                <a:normAutofit fontScale="92500" lnSpcReduction="10000"/>
+                <a:normAutofit lnSpcReduction="10000"/>
               </a:bodyPr>
               <a:lstStyle/>
               <a:p>
@@ -3881,20 +4335,6 @@
               <a:p>
                 <a:r>
                   <a:rPr lang="en-US" dirty="0"/>
-                  <a:t>In section 9.3 we obtained the </a:t>
-                </a:r>
-                <a:r>
-                  <a:rPr lang="en-US" i="1" dirty="0"/>
-                  <a:t>marginal likelihood </a:t>
-                </a:r>
-                <a:r>
-                  <a:rPr lang="en-US" dirty="0"/>
-                  <a:t>by summing hidden variables out of the model</a:t>
-                </a:r>
-              </a:p>
-              <a:p>
-                <a:r>
-                  <a:rPr lang="en-US" dirty="0"/>
                   <a:t>Notation: </a:t>
                 </a:r>
               </a:p>
@@ -4170,6 +4610,8 @@
                   <a:rPr lang="en-US" dirty="0"/>
                   <a:t> represents hidden discrete random variable, </a:t>
                 </a:r>
+              </a:p>
+              <a:p>
                 <a14:m>
                   <m:oMath xmlns:m="http://schemas.openxmlformats.org/officeDocument/2006/math">
                     <m:sSub>
@@ -4201,7 +4643,7 @@
                 </a14:m>
                 <a:r>
                   <a:rPr lang="en-US" dirty="0"/>
-                  <a:t> for hidden continuous</a:t>
+                  <a:t> represents hidden continuous random variable</a:t>
                 </a:r>
               </a:p>
               <a:p>
@@ -4947,7 +5389,7 @@
               <a:blipFill>
                 <a:blip r:embed="rId2"/>
                 <a:stretch>
-                  <a:fillRect l="-750" t="-2064"/>
+                  <a:fillRect l="-900" t="-2270"/>
                 </a:stretch>
               </a:blipFill>
             </p:spPr>
@@ -4970,2057 +5412,6 @@
     <p:extLst>
       <p:ext uri="{BB962C8B-B14F-4D97-AF65-F5344CB8AC3E}">
         <p14:creationId xmlns:p14="http://schemas.microsoft.com/office/powerpoint/2010/main" val="3104276946"/>
-      </p:ext>
-    </p:extLst>
-  </p:cSld>
-  <p:clrMapOvr>
-    <a:masterClrMapping/>
-  </p:clrMapOvr>
-  <p:timing>
-    <p:tnLst>
-      <p:par>
-        <p:cTn id="1" dur="indefinite" restart="never" nodeType="tmRoot">
-          <p:childTnLst>
-            <p:seq concurrent="1" nextAc="seek">
-              <p:cTn id="2" dur="indefinite" nodeType="mainSeq">
-                <p:childTnLst>
-                  <p:par>
-                    <p:cTn id="3" fill="hold">
-                      <p:stCondLst>
-                        <p:cond delay="indefinite"/>
-                      </p:stCondLst>
-                      <p:childTnLst>
-                        <p:par>
-                          <p:cTn id="4" fill="hold">
-                            <p:stCondLst>
-                              <p:cond delay="0"/>
-                            </p:stCondLst>
-                            <p:childTnLst>
-                              <p:par>
-                                <p:cTn id="5" presetID="1" presetClass="entr" presetSubtype="0" fill="hold" grpId="0" nodeType="clickEffect">
-                                  <p:stCondLst>
-                                    <p:cond delay="0"/>
-                                  </p:stCondLst>
-                                  <p:childTnLst>
-                                    <p:set>
-                                      <p:cBhvr>
-                                        <p:cTn id="6" dur="1" fill="hold">
-                                          <p:stCondLst>
-                                            <p:cond delay="0"/>
-                                          </p:stCondLst>
-                                        </p:cTn>
-                                        <p:tgtEl>
-                                          <p:spTgt spid="3">
-                                            <p:txEl>
-                                              <p:pRg st="0" end="0"/>
-                                            </p:txEl>
-                                          </p:spTgt>
-                                        </p:tgtEl>
-                                        <p:attrNameLst>
-                                          <p:attrName>style.visibility</p:attrName>
-                                        </p:attrNameLst>
-                                      </p:cBhvr>
-                                      <p:to>
-                                        <p:strVal val="visible"/>
-                                      </p:to>
-                                    </p:set>
-                                  </p:childTnLst>
-                                </p:cTn>
-                              </p:par>
-                            </p:childTnLst>
-                          </p:cTn>
-                        </p:par>
-                      </p:childTnLst>
-                    </p:cTn>
-                  </p:par>
-                  <p:par>
-                    <p:cTn id="7" fill="hold">
-                      <p:stCondLst>
-                        <p:cond delay="indefinite"/>
-                      </p:stCondLst>
-                      <p:childTnLst>
-                        <p:par>
-                          <p:cTn id="8" fill="hold">
-                            <p:stCondLst>
-                              <p:cond delay="0"/>
-                            </p:stCondLst>
-                            <p:childTnLst>
-                              <p:par>
-                                <p:cTn id="9" presetID="1" presetClass="entr" presetSubtype="0" fill="hold" grpId="0" nodeType="clickEffect">
-                                  <p:stCondLst>
-                                    <p:cond delay="0"/>
-                                  </p:stCondLst>
-                                  <p:childTnLst>
-                                    <p:set>
-                                      <p:cBhvr>
-                                        <p:cTn id="10" dur="1" fill="hold">
-                                          <p:stCondLst>
-                                            <p:cond delay="0"/>
-                                          </p:stCondLst>
-                                        </p:cTn>
-                                        <p:tgtEl>
-                                          <p:spTgt spid="3">
-                                            <p:txEl>
-                                              <p:pRg st="1" end="1"/>
-                                            </p:txEl>
-                                          </p:spTgt>
-                                        </p:tgtEl>
-                                        <p:attrNameLst>
-                                          <p:attrName>style.visibility</p:attrName>
-                                        </p:attrNameLst>
-                                      </p:cBhvr>
-                                      <p:to>
-                                        <p:strVal val="visible"/>
-                                      </p:to>
-                                    </p:set>
-                                  </p:childTnLst>
-                                </p:cTn>
-                              </p:par>
-                            </p:childTnLst>
-                          </p:cTn>
-                        </p:par>
-                      </p:childTnLst>
-                    </p:cTn>
-                  </p:par>
-                  <p:par>
-                    <p:cTn id="11" fill="hold">
-                      <p:stCondLst>
-                        <p:cond delay="indefinite"/>
-                      </p:stCondLst>
-                      <p:childTnLst>
-                        <p:par>
-                          <p:cTn id="12" fill="hold">
-                            <p:stCondLst>
-                              <p:cond delay="0"/>
-                            </p:stCondLst>
-                            <p:childTnLst>
-                              <p:par>
-                                <p:cTn id="13" presetID="1" presetClass="entr" presetSubtype="0" fill="hold" grpId="0" nodeType="clickEffect">
-                                  <p:stCondLst>
-                                    <p:cond delay="0"/>
-                                  </p:stCondLst>
-                                  <p:childTnLst>
-                                    <p:set>
-                                      <p:cBhvr>
-                                        <p:cTn id="14" dur="1" fill="hold">
-                                          <p:stCondLst>
-                                            <p:cond delay="0"/>
-                                          </p:stCondLst>
-                                        </p:cTn>
-                                        <p:tgtEl>
-                                          <p:spTgt spid="3">
-                                            <p:txEl>
-                                              <p:pRg st="2" end="2"/>
-                                            </p:txEl>
-                                          </p:spTgt>
-                                        </p:tgtEl>
-                                        <p:attrNameLst>
-                                          <p:attrName>style.visibility</p:attrName>
-                                        </p:attrNameLst>
-                                      </p:cBhvr>
-                                      <p:to>
-                                        <p:strVal val="visible"/>
-                                      </p:to>
-                                    </p:set>
-                                  </p:childTnLst>
-                                </p:cTn>
-                              </p:par>
-                            </p:childTnLst>
-                          </p:cTn>
-                        </p:par>
-                      </p:childTnLst>
-                    </p:cTn>
-                  </p:par>
-                  <p:par>
-                    <p:cTn id="15" fill="hold">
-                      <p:stCondLst>
-                        <p:cond delay="indefinite"/>
-                      </p:stCondLst>
-                      <p:childTnLst>
-                        <p:par>
-                          <p:cTn id="16" fill="hold">
-                            <p:stCondLst>
-                              <p:cond delay="0"/>
-                            </p:stCondLst>
-                            <p:childTnLst>
-                              <p:par>
-                                <p:cTn id="17" presetID="1" presetClass="entr" presetSubtype="0" fill="hold" grpId="0" nodeType="clickEffect">
-                                  <p:stCondLst>
-                                    <p:cond delay="0"/>
-                                  </p:stCondLst>
-                                  <p:childTnLst>
-                                    <p:set>
-                                      <p:cBhvr>
-                                        <p:cTn id="18" dur="1" fill="hold">
-                                          <p:stCondLst>
-                                            <p:cond delay="0"/>
-                                          </p:stCondLst>
-                                        </p:cTn>
-                                        <p:tgtEl>
-                                          <p:spTgt spid="3">
-                                            <p:txEl>
-                                              <p:pRg st="3" end="3"/>
-                                            </p:txEl>
-                                          </p:spTgt>
-                                        </p:tgtEl>
-                                        <p:attrNameLst>
-                                          <p:attrName>style.visibility</p:attrName>
-                                        </p:attrNameLst>
-                                      </p:cBhvr>
-                                      <p:to>
-                                        <p:strVal val="visible"/>
-                                      </p:to>
-                                    </p:set>
-                                  </p:childTnLst>
-                                </p:cTn>
-                              </p:par>
-                            </p:childTnLst>
-                          </p:cTn>
-                        </p:par>
-                      </p:childTnLst>
-                    </p:cTn>
-                  </p:par>
-                  <p:par>
-                    <p:cTn id="19" fill="hold">
-                      <p:stCondLst>
-                        <p:cond delay="indefinite"/>
-                      </p:stCondLst>
-                      <p:childTnLst>
-                        <p:par>
-                          <p:cTn id="20" fill="hold">
-                            <p:stCondLst>
-                              <p:cond delay="0"/>
-                            </p:stCondLst>
-                            <p:childTnLst>
-                              <p:par>
-                                <p:cTn id="21" presetID="1" presetClass="entr" presetSubtype="0" fill="hold" grpId="0" nodeType="clickEffect">
-                                  <p:stCondLst>
-                                    <p:cond delay="0"/>
-                                  </p:stCondLst>
-                                  <p:childTnLst>
-                                    <p:set>
-                                      <p:cBhvr>
-                                        <p:cTn id="22" dur="1" fill="hold">
-                                          <p:stCondLst>
-                                            <p:cond delay="0"/>
-                                          </p:stCondLst>
-                                        </p:cTn>
-                                        <p:tgtEl>
-                                          <p:spTgt spid="3">
-                                            <p:txEl>
-                                              <p:pRg st="4" end="4"/>
-                                            </p:txEl>
-                                          </p:spTgt>
-                                        </p:tgtEl>
-                                        <p:attrNameLst>
-                                          <p:attrName>style.visibility</p:attrName>
-                                        </p:attrNameLst>
-                                      </p:cBhvr>
-                                      <p:to>
-                                        <p:strVal val="visible"/>
-                                      </p:to>
-                                    </p:set>
-                                  </p:childTnLst>
-                                </p:cTn>
-                              </p:par>
-                            </p:childTnLst>
-                          </p:cTn>
-                        </p:par>
-                      </p:childTnLst>
-                    </p:cTn>
-                  </p:par>
-                  <p:par>
-                    <p:cTn id="23" fill="hold">
-                      <p:stCondLst>
-                        <p:cond delay="indefinite"/>
-                      </p:stCondLst>
-                      <p:childTnLst>
-                        <p:par>
-                          <p:cTn id="24" fill="hold">
-                            <p:stCondLst>
-                              <p:cond delay="0"/>
-                            </p:stCondLst>
-                            <p:childTnLst>
-                              <p:par>
-                                <p:cTn id="25" presetID="1" presetClass="entr" presetSubtype="0" fill="hold" grpId="0" nodeType="clickEffect">
-                                  <p:stCondLst>
-                                    <p:cond delay="0"/>
-                                  </p:stCondLst>
-                                  <p:childTnLst>
-                                    <p:set>
-                                      <p:cBhvr>
-                                        <p:cTn id="26" dur="1" fill="hold">
-                                          <p:stCondLst>
-                                            <p:cond delay="0"/>
-                                          </p:stCondLst>
-                                        </p:cTn>
-                                        <p:tgtEl>
-                                          <p:spTgt spid="3">
-                                            <p:txEl>
-                                              <p:pRg st="5" end="5"/>
-                                            </p:txEl>
-                                          </p:spTgt>
-                                        </p:tgtEl>
-                                        <p:attrNameLst>
-                                          <p:attrName>style.visibility</p:attrName>
-                                        </p:attrNameLst>
-                                      </p:cBhvr>
-                                      <p:to>
-                                        <p:strVal val="visible"/>
-                                      </p:to>
-                                    </p:set>
-                                  </p:childTnLst>
-                                </p:cTn>
-                              </p:par>
-                            </p:childTnLst>
-                          </p:cTn>
-                        </p:par>
-                      </p:childTnLst>
-                    </p:cTn>
-                  </p:par>
-                  <p:par>
-                    <p:cTn id="27" fill="hold">
-                      <p:stCondLst>
-                        <p:cond delay="indefinite"/>
-                      </p:stCondLst>
-                      <p:childTnLst>
-                        <p:par>
-                          <p:cTn id="28" fill="hold">
-                            <p:stCondLst>
-                              <p:cond delay="0"/>
-                            </p:stCondLst>
-                            <p:childTnLst>
-                              <p:par>
-                                <p:cTn id="29" presetID="1" presetClass="entr" presetSubtype="0" fill="hold" grpId="0" nodeType="clickEffect">
-                                  <p:stCondLst>
-                                    <p:cond delay="0"/>
-                                  </p:stCondLst>
-                                  <p:childTnLst>
-                                    <p:set>
-                                      <p:cBhvr>
-                                        <p:cTn id="30" dur="1" fill="hold">
-                                          <p:stCondLst>
-                                            <p:cond delay="0"/>
-                                          </p:stCondLst>
-                                        </p:cTn>
-                                        <p:tgtEl>
-                                          <p:spTgt spid="3">
-                                            <p:txEl>
-                                              <p:pRg st="6" end="6"/>
-                                            </p:txEl>
-                                          </p:spTgt>
-                                        </p:tgtEl>
-                                        <p:attrNameLst>
-                                          <p:attrName>style.visibility</p:attrName>
-                                        </p:attrNameLst>
-                                      </p:cBhvr>
-                                      <p:to>
-                                        <p:strVal val="visible"/>
-                                      </p:to>
-                                    </p:set>
-                                  </p:childTnLst>
-                                </p:cTn>
-                              </p:par>
-                            </p:childTnLst>
-                          </p:cTn>
-                        </p:par>
-                      </p:childTnLst>
-                    </p:cTn>
-                  </p:par>
-                  <p:par>
-                    <p:cTn id="31" fill="hold">
-                      <p:stCondLst>
-                        <p:cond delay="indefinite"/>
-                      </p:stCondLst>
-                      <p:childTnLst>
-                        <p:par>
-                          <p:cTn id="32" fill="hold">
-                            <p:stCondLst>
-                              <p:cond delay="0"/>
-                            </p:stCondLst>
-                            <p:childTnLst>
-                              <p:par>
-                                <p:cTn id="33" presetID="1" presetClass="entr" presetSubtype="0" fill="hold" grpId="0" nodeType="clickEffect">
-                                  <p:stCondLst>
-                                    <p:cond delay="0"/>
-                                  </p:stCondLst>
-                                  <p:childTnLst>
-                                    <p:set>
-                                      <p:cBhvr>
-                                        <p:cTn id="34" dur="1" fill="hold">
-                                          <p:stCondLst>
-                                            <p:cond delay="0"/>
-                                          </p:stCondLst>
-                                        </p:cTn>
-                                        <p:tgtEl>
-                                          <p:spTgt spid="3">
-                                            <p:txEl>
-                                              <p:pRg st="7" end="7"/>
-                                            </p:txEl>
-                                          </p:spTgt>
-                                        </p:tgtEl>
-                                        <p:attrNameLst>
-                                          <p:attrName>style.visibility</p:attrName>
-                                        </p:attrNameLst>
-                                      </p:cBhvr>
-                                      <p:to>
-                                        <p:strVal val="visible"/>
-                                      </p:to>
-                                    </p:set>
-                                  </p:childTnLst>
-                                </p:cTn>
-                              </p:par>
-                            </p:childTnLst>
-                          </p:cTn>
-                        </p:par>
-                      </p:childTnLst>
-                    </p:cTn>
-                  </p:par>
-                  <p:par>
-                    <p:cTn id="35" fill="hold">
-                      <p:stCondLst>
-                        <p:cond delay="indefinite"/>
-                      </p:stCondLst>
-                      <p:childTnLst>
-                        <p:par>
-                          <p:cTn id="36" fill="hold">
-                            <p:stCondLst>
-                              <p:cond delay="0"/>
-                            </p:stCondLst>
-                            <p:childTnLst>
-                              <p:par>
-                                <p:cTn id="37" presetID="1" presetClass="entr" presetSubtype="0" fill="hold" grpId="0" nodeType="clickEffect">
-                                  <p:stCondLst>
-                                    <p:cond delay="0"/>
-                                  </p:stCondLst>
-                                  <p:childTnLst>
-                                    <p:set>
-                                      <p:cBhvr>
-                                        <p:cTn id="38" dur="1" fill="hold">
-                                          <p:stCondLst>
-                                            <p:cond delay="0"/>
-                                          </p:stCondLst>
-                                        </p:cTn>
-                                        <p:tgtEl>
-                                          <p:spTgt spid="3">
-                                            <p:txEl>
-                                              <p:pRg st="8" end="8"/>
-                                            </p:txEl>
-                                          </p:spTgt>
-                                        </p:tgtEl>
-                                        <p:attrNameLst>
-                                          <p:attrName>style.visibility</p:attrName>
-                                        </p:attrNameLst>
-                                      </p:cBhvr>
-                                      <p:to>
-                                        <p:strVal val="visible"/>
-                                      </p:to>
-                                    </p:set>
-                                  </p:childTnLst>
-                                </p:cTn>
-                              </p:par>
-                            </p:childTnLst>
-                          </p:cTn>
-                        </p:par>
-                      </p:childTnLst>
-                    </p:cTn>
-                  </p:par>
-                  <p:par>
-                    <p:cTn id="39" fill="hold">
-                      <p:stCondLst>
-                        <p:cond delay="indefinite"/>
-                      </p:stCondLst>
-                      <p:childTnLst>
-                        <p:par>
-                          <p:cTn id="40" fill="hold">
-                            <p:stCondLst>
-                              <p:cond delay="0"/>
-                            </p:stCondLst>
-                            <p:childTnLst>
-                              <p:par>
-                                <p:cTn id="41" presetID="1" presetClass="entr" presetSubtype="0" fill="hold" grpId="0" nodeType="clickEffect">
-                                  <p:stCondLst>
-                                    <p:cond delay="0"/>
-                                  </p:stCondLst>
-                                  <p:childTnLst>
-                                    <p:set>
-                                      <p:cBhvr>
-                                        <p:cTn id="42" dur="1" fill="hold">
-                                          <p:stCondLst>
-                                            <p:cond delay="0"/>
-                                          </p:stCondLst>
-                                        </p:cTn>
-                                        <p:tgtEl>
-                                          <p:spTgt spid="3">
-                                            <p:txEl>
-                                              <p:pRg st="9" end="9"/>
-                                            </p:txEl>
-                                          </p:spTgt>
-                                        </p:tgtEl>
-                                        <p:attrNameLst>
-                                          <p:attrName>style.visibility</p:attrName>
-                                        </p:attrNameLst>
-                                      </p:cBhvr>
-                                      <p:to>
-                                        <p:strVal val="visible"/>
-                                      </p:to>
-                                    </p:set>
-                                  </p:childTnLst>
-                                </p:cTn>
-                              </p:par>
-                            </p:childTnLst>
-                          </p:cTn>
-                        </p:par>
-                      </p:childTnLst>
-                    </p:cTn>
-                  </p:par>
-                </p:childTnLst>
-              </p:cTn>
-              <p:prevCondLst>
-                <p:cond evt="onPrev" delay="0">
-                  <p:tgtEl>
-                    <p:sldTgt/>
-                  </p:tgtEl>
-                </p:cond>
-              </p:prevCondLst>
-              <p:nextCondLst>
-                <p:cond evt="onNext" delay="0">
-                  <p:tgtEl>
-                    <p:sldTgt/>
-                  </p:tgtEl>
-                </p:cond>
-              </p:nextCondLst>
-            </p:seq>
-          </p:childTnLst>
-        </p:cTn>
-      </p:par>
-    </p:tnLst>
-    <p:bldLst>
-      <p:bldP spid="3" grpId="0" build="p"/>
-    </p:bldLst>
-  </p:timing>
-</p:sld>
-</file>
-
-<file path=ppt/slides/slide11.xml><?xml version="1.0" encoding="utf-8"?>
-<p:sld xmlns:a="http://schemas.openxmlformats.org/drawingml/2006/main" xmlns:r="http://schemas.openxmlformats.org/officeDocument/2006/relationships" xmlns:p="http://schemas.openxmlformats.org/presentationml/2006/main">
-  <p:cSld>
-    <p:spTree>
-      <p:nvGrpSpPr>
-        <p:cNvPr id="1" name=""/>
-        <p:cNvGrpSpPr/>
-        <p:nvPr/>
-      </p:nvGrpSpPr>
-      <p:grpSpPr>
-        <a:xfrm>
-          <a:off x="0" y="0"/>
-          <a:ext cx="0" cy="0"/>
-          <a:chOff x="0" y="0"/>
-          <a:chExt cx="0" cy="0"/>
-        </a:xfrm>
-      </p:grpSpPr>
-      <p:sp>
-        <p:nvSpPr>
-          <p:cNvPr id="2" name="Title 1">
-            <a:extLst>
-              <a:ext uri="{FF2B5EF4-FFF2-40B4-BE49-F238E27FC236}">
-                <a16:creationId xmlns:a16="http://schemas.microsoft.com/office/drawing/2014/main" id="{C58FDB14-83CD-4400-8BFB-C6686055B5EB}"/>
-              </a:ext>
-            </a:extLst>
-          </p:cNvPr>
-          <p:cNvSpPr>
-            <a:spLocks noGrp="1"/>
-          </p:cNvSpPr>
-          <p:nvPr>
-            <p:ph type="title"/>
-          </p:nvPr>
-        </p:nvSpPr>
-        <p:spPr>
-          <a:xfrm>
-            <a:off x="0" y="18255"/>
-            <a:ext cx="12192000" cy="916693"/>
-          </a:xfrm>
-        </p:spPr>
-        <p:txBody>
-          <a:bodyPr/>
-          <a:lstStyle/>
-          <a:p>
-            <a:r>
-              <a:rPr lang="en-US" dirty="0"/>
-              <a:t>Expected log-likelihoods and expected gradients</a:t>
-            </a:r>
-          </a:p>
-        </p:txBody>
-      </p:sp>
-      <mc:AlternateContent xmlns:mc="http://schemas.openxmlformats.org/markup-compatibility/2006">
-        <mc:Choice xmlns:a14="http://schemas.microsoft.com/office/drawing/2010/main" Requires="a14">
-          <p:sp>
-            <p:nvSpPr>
-              <p:cNvPr id="3" name="Content Placeholder 2">
-                <a:extLst>
-                  <a:ext uri="{FF2B5EF4-FFF2-40B4-BE49-F238E27FC236}">
-                    <a16:creationId xmlns:a16="http://schemas.microsoft.com/office/drawing/2014/main" id="{B0A39F28-4F26-4D74-86B8-189AD7996564}"/>
-                  </a:ext>
-                </a:extLst>
-              </p:cNvPr>
-              <p:cNvSpPr>
-                <a:spLocks noGrp="1"/>
-              </p:cNvSpPr>
-              <p:nvPr>
-                <p:ph idx="1"/>
-              </p:nvPr>
-            </p:nvSpPr>
-            <p:spPr>
-              <a:xfrm>
-                <a:off x="0" y="934947"/>
-                <a:ext cx="12192000" cy="5904797"/>
-              </a:xfrm>
-            </p:spPr>
-            <p:txBody>
-              <a:bodyPr/>
-              <a:lstStyle/>
-              <a:p>
-                <a:r>
-                  <a:rPr lang="en-US" dirty="0"/>
-                  <a:t>Not always possible to obtain easily-optimized form for marginal likelihood</a:t>
-                </a:r>
-              </a:p>
-              <a:p>
-                <a:r>
-                  <a:rPr lang="en-US" dirty="0"/>
-                  <a:t>Instead, work with </a:t>
-                </a:r>
-                <a:r>
-                  <a:rPr lang="en-US" i="1" dirty="0"/>
-                  <a:t>expected log-likelihood:</a:t>
-                </a:r>
-              </a:p>
-              <a:p>
-                <a:r>
-                  <a:rPr lang="en-US" dirty="0"/>
-                  <a:t>Notation:</a:t>
-                </a:r>
-              </a:p>
-              <a:p>
-                <a:r>
-                  <a:rPr lang="en-US" dirty="0"/>
-                  <a:t>Set of all observed data: </a:t>
-                </a:r>
-                <a14:m>
-                  <m:oMath xmlns:m="http://schemas.openxmlformats.org/officeDocument/2006/math">
-                    <m:acc>
-                      <m:accPr>
-                        <m:chr m:val="̃"/>
-                        <m:ctrlPr>
-                          <a:rPr lang="en-US" i="1" smtClean="0">
-                            <a:latin typeface="Cambria Math" panose="02040503050406030204" pitchFamily="18" charset="0"/>
-                          </a:rPr>
-                        </m:ctrlPr>
-                      </m:accPr>
-                      <m:e>
-                        <m:r>
-                          <a:rPr lang="en-US" b="0" i="1" smtClean="0">
-                            <a:latin typeface="Cambria Math" panose="02040503050406030204" pitchFamily="18" charset="0"/>
-                          </a:rPr>
-                          <m:t>𝑋</m:t>
-                        </m:r>
-                      </m:e>
-                    </m:acc>
-                  </m:oMath>
-                </a14:m>
-                <a:endParaRPr lang="en-US" dirty="0"/>
-              </a:p>
-              <a:p>
-                <a:r>
-                  <a:rPr lang="en-US" dirty="0"/>
-                  <a:t>Set of all discrete hidden variables: </a:t>
-                </a:r>
-                <a14:m>
-                  <m:oMath xmlns:m="http://schemas.openxmlformats.org/officeDocument/2006/math">
-                    <m:r>
-                      <a:rPr lang="en-US" b="0" i="1" smtClean="0">
-                        <a:latin typeface="Cambria Math" panose="02040503050406030204" pitchFamily="18" charset="0"/>
-                      </a:rPr>
-                      <m:t>𝐻</m:t>
-                    </m:r>
-                  </m:oMath>
-                </a14:m>
-                <a:endParaRPr lang="en-US" dirty="0"/>
-              </a:p>
-              <a:p>
-                <a:r>
-                  <a:rPr lang="en-US" dirty="0"/>
-                  <a:t>Set of all continuous hidden variables: </a:t>
-                </a:r>
-                <a14:m>
-                  <m:oMath xmlns:m="http://schemas.openxmlformats.org/officeDocument/2006/math">
-                    <m:r>
-                      <a:rPr lang="en-US" b="0" i="1" smtClean="0">
-                        <a:latin typeface="Cambria Math" panose="02040503050406030204" pitchFamily="18" charset="0"/>
-                      </a:rPr>
-                      <m:t>𝑍</m:t>
-                    </m:r>
-                  </m:oMath>
-                </a14:m>
-                <a:endParaRPr lang="en-US" dirty="0"/>
-              </a:p>
-              <a:p>
-                <a:r>
-                  <a:rPr lang="en-US" dirty="0"/>
-                  <a:t>Expected log likelihood expressed as:</a:t>
-                </a:r>
-              </a:p>
-              <a:p>
-                <a14:m>
-                  <m:oMath xmlns:m="http://schemas.openxmlformats.org/officeDocument/2006/math">
-                    <m:r>
-                      <a:rPr lang="en-US" b="0" i="1" smtClean="0">
-                        <a:latin typeface="Cambria Math" panose="02040503050406030204" pitchFamily="18" charset="0"/>
-                      </a:rPr>
-                      <m:t>𝐸</m:t>
-                    </m:r>
-                    <m:sSub>
-                      <m:sSubPr>
-                        <m:ctrlPr>
-                          <a:rPr lang="en-US" b="0" i="1" smtClean="0">
-                            <a:latin typeface="Cambria Math" panose="02040503050406030204" pitchFamily="18" charset="0"/>
-                          </a:rPr>
-                        </m:ctrlPr>
-                      </m:sSubPr>
-                      <m:e>
-                        <m:r>
-                          <a:rPr lang="en-US" b="0" i="1" smtClean="0">
-                            <a:latin typeface="Cambria Math" panose="02040503050406030204" pitchFamily="18" charset="0"/>
-                          </a:rPr>
-                          <m:t>[</m:t>
-                        </m:r>
-                        <m:r>
-                          <a:rPr lang="en-US" b="0" i="1" smtClean="0">
-                            <a:latin typeface="Cambria Math" panose="02040503050406030204" pitchFamily="18" charset="0"/>
-                          </a:rPr>
-                          <m:t>𝑙𝑜𝑔𝐿</m:t>
-                        </m:r>
-                        <m:r>
-                          <a:rPr lang="en-US" b="0" i="1" smtClean="0">
-                            <a:latin typeface="Cambria Math" panose="02040503050406030204" pitchFamily="18" charset="0"/>
-                          </a:rPr>
-                          <m:t>(</m:t>
-                        </m:r>
-                        <m:r>
-                          <a:rPr lang="en-US" b="0" i="1" smtClean="0">
-                            <a:latin typeface="Cambria Math" panose="02040503050406030204" pitchFamily="18" charset="0"/>
-                            <a:ea typeface="Cambria Math" panose="02040503050406030204" pitchFamily="18" charset="0"/>
-                          </a:rPr>
-                          <m:t>𝜃</m:t>
-                        </m:r>
-                        <m:r>
-                          <a:rPr lang="en-US" b="0" i="1" smtClean="0">
-                            <a:latin typeface="Cambria Math" panose="02040503050406030204" pitchFamily="18" charset="0"/>
-                            <a:ea typeface="Cambria Math" panose="02040503050406030204" pitchFamily="18" charset="0"/>
-                          </a:rPr>
-                          <m:t>;</m:t>
-                        </m:r>
-                        <m:acc>
-                          <m:accPr>
-                            <m:chr m:val="̃"/>
-                            <m:ctrlPr>
-                              <a:rPr lang="en-US" b="0" i="1" smtClean="0">
-                                <a:latin typeface="Cambria Math" panose="02040503050406030204" pitchFamily="18" charset="0"/>
-                                <a:ea typeface="Cambria Math" panose="02040503050406030204" pitchFamily="18" charset="0"/>
-                              </a:rPr>
-                            </m:ctrlPr>
-                          </m:accPr>
-                          <m:e>
-                            <m:r>
-                              <a:rPr lang="en-US" b="0" i="1" smtClean="0">
-                                <a:latin typeface="Cambria Math" panose="02040503050406030204" pitchFamily="18" charset="0"/>
-                                <a:ea typeface="Cambria Math" panose="02040503050406030204" pitchFamily="18" charset="0"/>
-                              </a:rPr>
-                              <m:t>𝑋</m:t>
-                            </m:r>
-                          </m:e>
-                        </m:acc>
-                        <m:r>
-                          <a:rPr lang="en-US" b="0" i="1" smtClean="0">
-                            <a:latin typeface="Cambria Math" panose="02040503050406030204" pitchFamily="18" charset="0"/>
-                          </a:rPr>
-                          <m:t>,</m:t>
-                        </m:r>
-                        <m:r>
-                          <a:rPr lang="en-US" b="0" i="1" smtClean="0">
-                            <a:latin typeface="Cambria Math" panose="02040503050406030204" pitchFamily="18" charset="0"/>
-                          </a:rPr>
-                          <m:t>𝑍</m:t>
-                        </m:r>
-                        <m:r>
-                          <a:rPr lang="en-US" b="0" i="1" smtClean="0">
-                            <a:latin typeface="Cambria Math" panose="02040503050406030204" pitchFamily="18" charset="0"/>
-                          </a:rPr>
-                          <m:t>,</m:t>
-                        </m:r>
-                        <m:r>
-                          <a:rPr lang="en-US" b="0" i="1" smtClean="0">
-                            <a:latin typeface="Cambria Math" panose="02040503050406030204" pitchFamily="18" charset="0"/>
-                          </a:rPr>
-                          <m:t>𝐻</m:t>
-                        </m:r>
-                        <m:r>
-                          <a:rPr lang="en-US" b="0" i="1" smtClean="0">
-                            <a:latin typeface="Cambria Math" panose="02040503050406030204" pitchFamily="18" charset="0"/>
-                          </a:rPr>
-                          <m:t>)]</m:t>
-                        </m:r>
-                      </m:e>
-                      <m:sub>
-                        <m:r>
-                          <a:rPr lang="en-US" b="0" i="1" smtClean="0">
-                            <a:latin typeface="Cambria Math" panose="02040503050406030204" pitchFamily="18" charset="0"/>
-                          </a:rPr>
-                          <m:t>𝑃</m:t>
-                        </m:r>
-                        <m:r>
-                          <a:rPr lang="en-US" b="0" i="1" smtClean="0">
-                            <a:latin typeface="Cambria Math" panose="02040503050406030204" pitchFamily="18" charset="0"/>
-                          </a:rPr>
-                          <m:t>(</m:t>
-                        </m:r>
-                        <m:r>
-                          <a:rPr lang="en-US" b="0" i="1" smtClean="0">
-                            <a:latin typeface="Cambria Math" panose="02040503050406030204" pitchFamily="18" charset="0"/>
-                          </a:rPr>
-                          <m:t>𝐻</m:t>
-                        </m:r>
-                        <m:r>
-                          <a:rPr lang="en-US" b="0" i="1" smtClean="0">
-                            <a:latin typeface="Cambria Math" panose="02040503050406030204" pitchFamily="18" charset="0"/>
-                          </a:rPr>
-                          <m:t>,</m:t>
-                        </m:r>
-                        <m:r>
-                          <a:rPr lang="en-US" b="0" i="1" smtClean="0">
-                            <a:latin typeface="Cambria Math" panose="02040503050406030204" pitchFamily="18" charset="0"/>
-                          </a:rPr>
-                          <m:t>𝑍</m:t>
-                        </m:r>
-                        <m:r>
-                          <a:rPr lang="en-US" b="0" i="1" smtClean="0">
-                            <a:latin typeface="Cambria Math" panose="02040503050406030204" pitchFamily="18" charset="0"/>
-                          </a:rPr>
-                          <m:t>|</m:t>
-                        </m:r>
-                        <m:acc>
-                          <m:accPr>
-                            <m:chr m:val="̃"/>
-                            <m:ctrlPr>
-                              <a:rPr lang="en-US" b="0" i="1" smtClean="0">
-                                <a:latin typeface="Cambria Math" panose="02040503050406030204" pitchFamily="18" charset="0"/>
-                              </a:rPr>
-                            </m:ctrlPr>
-                          </m:accPr>
-                          <m:e>
-                            <m:r>
-                              <a:rPr lang="en-US" b="0" i="1" smtClean="0">
-                                <a:latin typeface="Cambria Math" panose="02040503050406030204" pitchFamily="18" charset="0"/>
-                              </a:rPr>
-                              <m:t>𝑋</m:t>
-                            </m:r>
-                          </m:e>
-                        </m:acc>
-                        <m:r>
-                          <a:rPr lang="en-US" b="0" i="1" smtClean="0">
-                            <a:latin typeface="Cambria Math" panose="02040503050406030204" pitchFamily="18" charset="0"/>
-                          </a:rPr>
-                          <m:t>,</m:t>
-                        </m:r>
-                        <m:r>
-                          <a:rPr lang="en-US" b="0" i="1" smtClean="0">
-                            <a:latin typeface="Cambria Math" panose="02040503050406030204" pitchFamily="18" charset="0"/>
-                            <a:ea typeface="Cambria Math" panose="02040503050406030204" pitchFamily="18" charset="0"/>
-                          </a:rPr>
-                          <m:t>𝜃</m:t>
-                        </m:r>
-                        <m:r>
-                          <a:rPr lang="en-US" b="0" i="1" smtClean="0">
-                            <a:latin typeface="Cambria Math" panose="02040503050406030204" pitchFamily="18" charset="0"/>
-                            <a:ea typeface="Cambria Math" panose="02040503050406030204" pitchFamily="18" charset="0"/>
-                          </a:rPr>
-                          <m:t>)</m:t>
-                        </m:r>
-                      </m:sub>
-                    </m:sSub>
-                    <m:r>
-                      <a:rPr lang="en-US" b="0" i="1" smtClean="0">
-                        <a:latin typeface="Cambria Math" panose="02040503050406030204" pitchFamily="18" charset="0"/>
-                      </a:rPr>
-                      <m:t>=</m:t>
-                    </m:r>
-                    <m:nary>
-                      <m:naryPr>
-                        <m:chr m:val="∑"/>
-                        <m:ctrlPr>
-                          <a:rPr lang="en-US" b="0" i="1" smtClean="0">
-                            <a:latin typeface="Cambria Math" panose="02040503050406030204" pitchFamily="18" charset="0"/>
-                          </a:rPr>
-                        </m:ctrlPr>
-                      </m:naryPr>
-                      <m:sub>
-                        <m:r>
-                          <m:rPr>
-                            <m:brk m:alnAt="23"/>
-                          </m:rPr>
-                          <a:rPr lang="en-US" b="0" i="1" smtClean="0">
-                            <a:latin typeface="Cambria Math" panose="02040503050406030204" pitchFamily="18" charset="0"/>
-                          </a:rPr>
-                          <m:t>𝑖</m:t>
-                        </m:r>
-                        <m:r>
-                          <a:rPr lang="en-US" b="0" i="1" smtClean="0">
-                            <a:latin typeface="Cambria Math" panose="02040503050406030204" pitchFamily="18" charset="0"/>
-                          </a:rPr>
-                          <m:t>=1</m:t>
-                        </m:r>
-                      </m:sub>
-                      <m:sup>
-                        <m:r>
-                          <a:rPr lang="en-US" b="0" i="1" smtClean="0">
-                            <a:latin typeface="Cambria Math" panose="02040503050406030204" pitchFamily="18" charset="0"/>
-                          </a:rPr>
-                          <m:t>𝑛</m:t>
-                        </m:r>
-                      </m:sup>
-                      <m:e>
-                        <m:r>
-                          <a:rPr lang="en-US" b="0" i="1" smtClean="0">
-                            <a:latin typeface="Cambria Math" panose="02040503050406030204" pitchFamily="18" charset="0"/>
-                          </a:rPr>
-                          <m:t>(</m:t>
-                        </m:r>
-                        <m:nary>
-                          <m:naryPr>
-                            <m:ctrlPr>
-                              <a:rPr lang="en-US" b="0" i="1" smtClean="0">
-                                <a:latin typeface="Cambria Math" panose="02040503050406030204" pitchFamily="18" charset="0"/>
-                              </a:rPr>
-                            </m:ctrlPr>
-                          </m:naryPr>
-                          <m:sub>
-                            <m:sSub>
-                              <m:sSubPr>
-                                <m:ctrlPr>
-                                  <a:rPr lang="en-US" b="0" i="1" smtClean="0">
-                                    <a:latin typeface="Cambria Math" panose="02040503050406030204" pitchFamily="18" charset="0"/>
-                                  </a:rPr>
-                                </m:ctrlPr>
-                              </m:sSubPr>
-                              <m:e>
-                                <m:r>
-                                  <a:rPr lang="en-US" b="0" i="1" smtClean="0">
-                                    <a:latin typeface="Cambria Math" panose="02040503050406030204" pitchFamily="18" charset="0"/>
-                                  </a:rPr>
-                                  <m:t>𝑧</m:t>
-                                </m:r>
-                              </m:e>
-                              <m:sub>
-                                <m:r>
-                                  <a:rPr lang="en-US" b="0" i="1" smtClean="0">
-                                    <a:latin typeface="Cambria Math" panose="02040503050406030204" pitchFamily="18" charset="0"/>
-                                  </a:rPr>
-                                  <m:t>𝑖</m:t>
-                                </m:r>
-                              </m:sub>
-                            </m:sSub>
-                          </m:sub>
-                          <m:sup>
-                            <m:r>
-                              <a:rPr lang="en-US" b="0" i="1" smtClean="0">
-                                <a:latin typeface="Cambria Math" panose="02040503050406030204" pitchFamily="18" charset="0"/>
-                              </a:rPr>
-                              <m:t> </m:t>
-                            </m:r>
-                          </m:sup>
-                          <m:e>
-                            <m:nary>
-                              <m:naryPr>
-                                <m:chr m:val="∑"/>
-                                <m:ctrlPr>
-                                  <a:rPr lang="en-US" b="0" i="1" smtClean="0">
-                                    <a:latin typeface="Cambria Math" panose="02040503050406030204" pitchFamily="18" charset="0"/>
-                                  </a:rPr>
-                                </m:ctrlPr>
-                              </m:naryPr>
-                              <m:sub>
-                                <m:sSub>
-                                  <m:sSubPr>
-                                    <m:ctrlPr>
-                                      <a:rPr lang="en-US" b="0" i="1" smtClean="0">
-                                        <a:latin typeface="Cambria Math" panose="02040503050406030204" pitchFamily="18" charset="0"/>
-                                      </a:rPr>
-                                    </m:ctrlPr>
-                                  </m:sSubPr>
-                                  <m:e>
-                                    <m:r>
-                                      <a:rPr lang="en-US" b="0" i="1" smtClean="0">
-                                        <a:latin typeface="Cambria Math" panose="02040503050406030204" pitchFamily="18" charset="0"/>
-                                      </a:rPr>
-                                      <m:t>h</m:t>
-                                    </m:r>
-                                  </m:e>
-                                  <m:sub>
-                                    <m:r>
-                                      <a:rPr lang="en-US" b="0" i="1" smtClean="0">
-                                        <a:latin typeface="Cambria Math" panose="02040503050406030204" pitchFamily="18" charset="0"/>
-                                      </a:rPr>
-                                      <m:t>𝑖</m:t>
-                                    </m:r>
-                                  </m:sub>
-                                </m:sSub>
-                              </m:sub>
-                              <m:sup>
-                                <m:r>
-                                  <a:rPr lang="en-US" b="0" i="1" smtClean="0">
-                                    <a:latin typeface="Cambria Math" panose="02040503050406030204" pitchFamily="18" charset="0"/>
-                                  </a:rPr>
-                                  <m:t> </m:t>
-                                </m:r>
-                              </m:sup>
-                              <m:e>
-                                <m:r>
-                                  <a:rPr lang="en-US" b="0" i="1" smtClean="0">
-                                    <a:latin typeface="Cambria Math" panose="02040503050406030204" pitchFamily="18" charset="0"/>
-                                  </a:rPr>
-                                  <m:t>𝑝</m:t>
-                                </m:r>
-                                <m:r>
-                                  <a:rPr lang="en-US" b="0" i="1" smtClean="0">
-                                    <a:latin typeface="Cambria Math" panose="02040503050406030204" pitchFamily="18" charset="0"/>
-                                  </a:rPr>
-                                  <m:t>(</m:t>
-                                </m:r>
-                                <m:sSub>
-                                  <m:sSubPr>
-                                    <m:ctrlPr>
-                                      <a:rPr lang="en-US" b="0" i="1" smtClean="0">
-                                        <a:latin typeface="Cambria Math" panose="02040503050406030204" pitchFamily="18" charset="0"/>
-                                      </a:rPr>
-                                    </m:ctrlPr>
-                                  </m:sSubPr>
-                                  <m:e>
-                                    <m:r>
-                                      <a:rPr lang="en-US" b="0" i="1" smtClean="0">
-                                        <a:latin typeface="Cambria Math" panose="02040503050406030204" pitchFamily="18" charset="0"/>
-                                      </a:rPr>
-                                      <m:t>𝑧</m:t>
-                                    </m:r>
-                                  </m:e>
-                                  <m:sub>
-                                    <m:r>
-                                      <a:rPr lang="en-US" b="0" i="1" smtClean="0">
-                                        <a:latin typeface="Cambria Math" panose="02040503050406030204" pitchFamily="18" charset="0"/>
-                                      </a:rPr>
-                                      <m:t>𝑖</m:t>
-                                    </m:r>
-                                  </m:sub>
-                                </m:sSub>
-                                <m:r>
-                                  <a:rPr lang="en-US" b="0" i="1" smtClean="0">
-                                    <a:latin typeface="Cambria Math" panose="02040503050406030204" pitchFamily="18" charset="0"/>
-                                  </a:rPr>
-                                  <m:t>,</m:t>
-                                </m:r>
-                                <m:sSub>
-                                  <m:sSubPr>
-                                    <m:ctrlPr>
-                                      <a:rPr lang="en-US" b="0" i="1" smtClean="0">
-                                        <a:latin typeface="Cambria Math" panose="02040503050406030204" pitchFamily="18" charset="0"/>
-                                      </a:rPr>
-                                    </m:ctrlPr>
-                                  </m:sSubPr>
-                                  <m:e>
-                                    <m:r>
-                                      <a:rPr lang="en-US" b="0" i="1" smtClean="0">
-                                        <a:latin typeface="Cambria Math" panose="02040503050406030204" pitchFamily="18" charset="0"/>
-                                      </a:rPr>
-                                      <m:t>h</m:t>
-                                    </m:r>
-                                  </m:e>
-                                  <m:sub>
-                                    <m:r>
-                                      <a:rPr lang="en-US" b="0" i="1" smtClean="0">
-                                        <a:latin typeface="Cambria Math" panose="02040503050406030204" pitchFamily="18" charset="0"/>
-                                      </a:rPr>
-                                      <m:t>𝑖</m:t>
-                                    </m:r>
-                                  </m:sub>
-                                </m:sSub>
-                                <m:r>
-                                  <a:rPr lang="en-US" b="0" i="1" smtClean="0">
-                                    <a:latin typeface="Cambria Math" panose="02040503050406030204" pitchFamily="18" charset="0"/>
-                                  </a:rPr>
-                                  <m:t>|</m:t>
-                                </m:r>
-                                <m:sSub>
-                                  <m:sSubPr>
-                                    <m:ctrlPr>
-                                      <a:rPr lang="en-US" b="0" i="1" smtClean="0">
-                                        <a:latin typeface="Cambria Math" panose="02040503050406030204" pitchFamily="18" charset="0"/>
-                                      </a:rPr>
-                                    </m:ctrlPr>
-                                  </m:sSubPr>
-                                  <m:e>
-                                    <m:acc>
-                                      <m:accPr>
-                                        <m:chr m:val="̃"/>
-                                        <m:ctrlPr>
-                                          <a:rPr lang="en-US" b="0" i="1" smtClean="0">
-                                            <a:latin typeface="Cambria Math" panose="02040503050406030204" pitchFamily="18" charset="0"/>
-                                          </a:rPr>
-                                        </m:ctrlPr>
-                                      </m:accPr>
-                                      <m:e>
-                                        <m:r>
-                                          <a:rPr lang="en-US" b="0" i="1" smtClean="0">
-                                            <a:latin typeface="Cambria Math" panose="02040503050406030204" pitchFamily="18" charset="0"/>
-                                          </a:rPr>
-                                          <m:t>𝑥</m:t>
-                                        </m:r>
-                                      </m:e>
-                                    </m:acc>
-                                  </m:e>
-                                  <m:sub>
-                                    <m:r>
-                                      <a:rPr lang="en-US" b="0" i="1" smtClean="0">
-                                        <a:latin typeface="Cambria Math" panose="02040503050406030204" pitchFamily="18" charset="0"/>
-                                      </a:rPr>
-                                      <m:t>𝑖</m:t>
-                                    </m:r>
-                                  </m:sub>
-                                </m:sSub>
-                                <m:r>
-                                  <a:rPr lang="en-US" b="0" i="1" smtClean="0">
-                                    <a:latin typeface="Cambria Math" panose="02040503050406030204" pitchFamily="18" charset="0"/>
-                                  </a:rPr>
-                                  <m:t>;</m:t>
-                                </m:r>
-                                <m:r>
-                                  <a:rPr lang="en-US" b="0" i="1" smtClean="0">
-                                    <a:latin typeface="Cambria Math" panose="02040503050406030204" pitchFamily="18" charset="0"/>
-                                    <a:ea typeface="Cambria Math" panose="02040503050406030204" pitchFamily="18" charset="0"/>
-                                  </a:rPr>
-                                  <m:t>𝜃</m:t>
-                                </m:r>
-                              </m:e>
-                            </m:nary>
-                            <m:r>
-                              <a:rPr lang="en-US" b="0" i="1" smtClean="0">
-                                <a:latin typeface="Cambria Math" panose="02040503050406030204" pitchFamily="18" charset="0"/>
-                              </a:rPr>
-                              <m:t>)</m:t>
-                            </m:r>
-                            <m:func>
-                              <m:funcPr>
-                                <m:ctrlPr>
-                                  <a:rPr lang="en-US" b="0" i="1" smtClean="0">
-                                    <a:latin typeface="Cambria Math" panose="02040503050406030204" pitchFamily="18" charset="0"/>
-                                  </a:rPr>
-                                </m:ctrlPr>
-                              </m:funcPr>
-                              <m:fName>
-                                <m:r>
-                                  <m:rPr>
-                                    <m:sty m:val="p"/>
-                                  </m:rPr>
-                                  <a:rPr lang="en-US" b="0" i="0" smtClean="0">
-                                    <a:latin typeface="Cambria Math" panose="02040503050406030204" pitchFamily="18" charset="0"/>
-                                  </a:rPr>
-                                  <m:t>log</m:t>
-                                </m:r>
-                                <m:r>
-                                  <a:rPr lang="en-US" b="0" i="1" smtClean="0">
-                                    <a:latin typeface="Cambria Math" panose="02040503050406030204" pitchFamily="18" charset="0"/>
-                                  </a:rPr>
-                                  <m:t>𝑝</m:t>
-                                </m:r>
-                              </m:fName>
-                              <m:e>
-                                <m:d>
-                                  <m:dPr>
-                                    <m:ctrlPr>
-                                      <a:rPr lang="en-US" b="0" i="1" smtClean="0">
-                                        <a:latin typeface="Cambria Math" panose="02040503050406030204" pitchFamily="18" charset="0"/>
-                                      </a:rPr>
-                                    </m:ctrlPr>
-                                  </m:dPr>
-                                  <m:e>
-                                    <m:sSub>
-                                      <m:sSubPr>
-                                        <m:ctrlPr>
-                                          <a:rPr lang="en-US" b="0" i="1" smtClean="0">
-                                            <a:latin typeface="Cambria Math" panose="02040503050406030204" pitchFamily="18" charset="0"/>
-                                          </a:rPr>
-                                        </m:ctrlPr>
-                                      </m:sSubPr>
-                                      <m:e>
-                                        <m:acc>
-                                          <m:accPr>
-                                            <m:chr m:val="̃"/>
-                                            <m:ctrlPr>
-                                              <a:rPr lang="en-US" b="0" i="1" smtClean="0">
-                                                <a:latin typeface="Cambria Math" panose="02040503050406030204" pitchFamily="18" charset="0"/>
-                                              </a:rPr>
-                                            </m:ctrlPr>
-                                          </m:accPr>
-                                          <m:e>
-                                            <m:r>
-                                              <a:rPr lang="en-US" b="0" i="1" smtClean="0">
-                                                <a:latin typeface="Cambria Math" panose="02040503050406030204" pitchFamily="18" charset="0"/>
-                                              </a:rPr>
-                                              <m:t>𝑥</m:t>
-                                            </m:r>
-                                          </m:e>
-                                        </m:acc>
-                                      </m:e>
-                                      <m:sub>
-                                        <m:r>
-                                          <a:rPr lang="en-US" b="0" i="1" smtClean="0">
-                                            <a:latin typeface="Cambria Math" panose="02040503050406030204" pitchFamily="18" charset="0"/>
-                                          </a:rPr>
-                                          <m:t>𝑖</m:t>
-                                        </m:r>
-                                      </m:sub>
-                                    </m:sSub>
-                                    <m:r>
-                                      <a:rPr lang="en-US" b="0" i="1" smtClean="0">
-                                        <a:latin typeface="Cambria Math" panose="02040503050406030204" pitchFamily="18" charset="0"/>
-                                      </a:rPr>
-                                      <m:t>,</m:t>
-                                    </m:r>
-                                    <m:sSub>
-                                      <m:sSubPr>
-                                        <m:ctrlPr>
-                                          <a:rPr lang="en-US" b="0" i="1" smtClean="0">
-                                            <a:latin typeface="Cambria Math" panose="02040503050406030204" pitchFamily="18" charset="0"/>
-                                          </a:rPr>
-                                        </m:ctrlPr>
-                                      </m:sSubPr>
-                                      <m:e>
-                                        <m:r>
-                                          <a:rPr lang="en-US" b="0" i="1" smtClean="0">
-                                            <a:latin typeface="Cambria Math" panose="02040503050406030204" pitchFamily="18" charset="0"/>
-                                          </a:rPr>
-                                          <m:t>𝑧</m:t>
-                                        </m:r>
-                                      </m:e>
-                                      <m:sub>
-                                        <m:r>
-                                          <a:rPr lang="en-US" b="0" i="1" smtClean="0">
-                                            <a:latin typeface="Cambria Math" panose="02040503050406030204" pitchFamily="18" charset="0"/>
-                                          </a:rPr>
-                                          <m:t>𝑖</m:t>
-                                        </m:r>
-                                      </m:sub>
-                                    </m:sSub>
-                                    <m:r>
-                                      <a:rPr lang="en-US" b="0" i="1" smtClean="0">
-                                        <a:latin typeface="Cambria Math" panose="02040503050406030204" pitchFamily="18" charset="0"/>
-                                      </a:rPr>
-                                      <m:t>,</m:t>
-                                    </m:r>
-                                    <m:sSub>
-                                      <m:sSubPr>
-                                        <m:ctrlPr>
-                                          <a:rPr lang="en-US" b="0" i="1" smtClean="0">
-                                            <a:latin typeface="Cambria Math" panose="02040503050406030204" pitchFamily="18" charset="0"/>
-                                          </a:rPr>
-                                        </m:ctrlPr>
-                                      </m:sSubPr>
-                                      <m:e>
-                                        <m:r>
-                                          <a:rPr lang="en-US" b="0" i="1" smtClean="0">
-                                            <a:latin typeface="Cambria Math" panose="02040503050406030204" pitchFamily="18" charset="0"/>
-                                          </a:rPr>
-                                          <m:t>h</m:t>
-                                        </m:r>
-                                      </m:e>
-                                      <m:sub>
-                                        <m:r>
-                                          <a:rPr lang="en-US" b="0" i="1" smtClean="0">
-                                            <a:latin typeface="Cambria Math" panose="02040503050406030204" pitchFamily="18" charset="0"/>
-                                          </a:rPr>
-                                          <m:t>𝑖</m:t>
-                                        </m:r>
-                                      </m:sub>
-                                    </m:sSub>
-                                    <m:r>
-                                      <a:rPr lang="en-US" b="0" i="1" smtClean="0">
-                                        <a:latin typeface="Cambria Math" panose="02040503050406030204" pitchFamily="18" charset="0"/>
-                                      </a:rPr>
-                                      <m:t>|</m:t>
-                                    </m:r>
-                                    <m:r>
-                                      <a:rPr lang="en-US" b="0" i="1" smtClean="0">
-                                        <a:latin typeface="Cambria Math" panose="02040503050406030204" pitchFamily="18" charset="0"/>
-                                        <a:ea typeface="Cambria Math" panose="02040503050406030204" pitchFamily="18" charset="0"/>
-                                      </a:rPr>
-                                      <m:t>𝜃</m:t>
-                                    </m:r>
-                                  </m:e>
-                                </m:d>
-                              </m:e>
-                            </m:func>
-                            <m:r>
-                              <a:rPr lang="en-US" b="0" i="1" smtClean="0">
-                                <a:latin typeface="Cambria Math" panose="02040503050406030204" pitchFamily="18" charset="0"/>
-                              </a:rPr>
-                              <m:t>𝑑</m:t>
-                            </m:r>
-                            <m:sSub>
-                              <m:sSubPr>
-                                <m:ctrlPr>
-                                  <a:rPr lang="en-US" b="0" i="1" smtClean="0">
-                                    <a:latin typeface="Cambria Math" panose="02040503050406030204" pitchFamily="18" charset="0"/>
-                                  </a:rPr>
-                                </m:ctrlPr>
-                              </m:sSubPr>
-                              <m:e>
-                                <m:r>
-                                  <a:rPr lang="en-US" b="0" i="1" smtClean="0">
-                                    <a:latin typeface="Cambria Math" panose="02040503050406030204" pitchFamily="18" charset="0"/>
-                                  </a:rPr>
-                                  <m:t>𝑧</m:t>
-                                </m:r>
-                              </m:e>
-                              <m:sub>
-                                <m:r>
-                                  <a:rPr lang="en-US" b="0" i="1" smtClean="0">
-                                    <a:latin typeface="Cambria Math" panose="02040503050406030204" pitchFamily="18" charset="0"/>
-                                  </a:rPr>
-                                  <m:t>𝑖</m:t>
-                                </m:r>
-                              </m:sub>
-                            </m:sSub>
-                          </m:e>
-                        </m:nary>
-                        <m:r>
-                          <a:rPr lang="en-US" b="0" i="1" smtClean="0">
-                            <a:latin typeface="Cambria Math" panose="02040503050406030204" pitchFamily="18" charset="0"/>
-                          </a:rPr>
-                          <m:t>)</m:t>
-                        </m:r>
-                      </m:e>
-                    </m:nary>
-                  </m:oMath>
-                </a14:m>
-                <a:endParaRPr lang="en-US" dirty="0"/>
-              </a:p>
-              <a:p>
-                <a14:m>
-                  <m:oMath xmlns:m="http://schemas.openxmlformats.org/officeDocument/2006/math">
-                    <m:r>
-                      <a:rPr lang="en-US" b="0" i="1" smtClean="0">
-                        <a:latin typeface="Cambria Math" panose="02040503050406030204" pitchFamily="18" charset="0"/>
-                      </a:rPr>
-                      <m:t>=</m:t>
-                    </m:r>
-                    <m:r>
-                      <a:rPr lang="en-US" b="0" i="1" smtClean="0">
-                        <a:latin typeface="Cambria Math" panose="02040503050406030204" pitchFamily="18" charset="0"/>
-                      </a:rPr>
-                      <m:t>𝐸</m:t>
-                    </m:r>
-                    <m:sSub>
-                      <m:sSubPr>
-                        <m:ctrlPr>
-                          <a:rPr lang="en-US" b="0" i="1" smtClean="0">
-                            <a:latin typeface="Cambria Math" panose="02040503050406030204" pitchFamily="18" charset="0"/>
-                          </a:rPr>
-                        </m:ctrlPr>
-                      </m:sSubPr>
-                      <m:e>
-                        <m:r>
-                          <a:rPr lang="en-US" b="0" i="1" smtClean="0">
-                            <a:latin typeface="Cambria Math" panose="02040503050406030204" pitchFamily="18" charset="0"/>
-                          </a:rPr>
-                          <m:t>[</m:t>
-                        </m:r>
-                        <m:nary>
-                          <m:naryPr>
-                            <m:chr m:val="∑"/>
-                            <m:limLoc m:val="subSup"/>
-                            <m:ctrlPr>
-                              <a:rPr lang="en-US" b="0" i="1" smtClean="0">
-                                <a:latin typeface="Cambria Math" panose="02040503050406030204" pitchFamily="18" charset="0"/>
-                              </a:rPr>
-                            </m:ctrlPr>
-                          </m:naryPr>
-                          <m:sub>
-                            <m:r>
-                              <m:rPr>
-                                <m:brk m:alnAt="25"/>
-                              </m:rPr>
-                              <a:rPr lang="en-US" b="0" i="1" smtClean="0">
-                                <a:latin typeface="Cambria Math" panose="02040503050406030204" pitchFamily="18" charset="0"/>
-                              </a:rPr>
-                              <m:t>𝑖</m:t>
-                            </m:r>
-                            <m:r>
-                              <a:rPr lang="en-US" b="0" i="1" smtClean="0">
-                                <a:latin typeface="Cambria Math" panose="02040503050406030204" pitchFamily="18" charset="0"/>
-                              </a:rPr>
-                              <m:t>=1</m:t>
-                            </m:r>
-                          </m:sub>
-                          <m:sup>
-                            <m:r>
-                              <a:rPr lang="en-US" b="0" i="1" smtClean="0">
-                                <a:latin typeface="Cambria Math" panose="02040503050406030204" pitchFamily="18" charset="0"/>
-                              </a:rPr>
-                              <m:t>𝑛</m:t>
-                            </m:r>
-                          </m:sup>
-                          <m:e>
-                            <m:r>
-                              <a:rPr lang="en-US" b="0" i="1" smtClean="0">
-                                <a:latin typeface="Cambria Math" panose="02040503050406030204" pitchFamily="18" charset="0"/>
-                              </a:rPr>
-                              <m:t>𝑙𝑜𝑔𝑝</m:t>
-                            </m:r>
-                            <m:r>
-                              <a:rPr lang="en-US" b="0" i="1" smtClean="0">
-                                <a:latin typeface="Cambria Math" panose="02040503050406030204" pitchFamily="18" charset="0"/>
-                              </a:rPr>
-                              <m:t>(</m:t>
-                            </m:r>
-                            <m:sSub>
-                              <m:sSubPr>
-                                <m:ctrlPr>
-                                  <a:rPr lang="en-US" b="0" i="1" smtClean="0">
-                                    <a:latin typeface="Cambria Math" panose="02040503050406030204" pitchFamily="18" charset="0"/>
-                                  </a:rPr>
-                                </m:ctrlPr>
-                              </m:sSubPr>
-                              <m:e>
-                                <m:acc>
-                                  <m:accPr>
-                                    <m:chr m:val="̃"/>
-                                    <m:ctrlPr>
-                                      <a:rPr lang="en-US" b="0" i="1" smtClean="0">
-                                        <a:latin typeface="Cambria Math" panose="02040503050406030204" pitchFamily="18" charset="0"/>
-                                      </a:rPr>
-                                    </m:ctrlPr>
-                                  </m:accPr>
-                                  <m:e>
-                                    <m:r>
-                                      <a:rPr lang="en-US" b="0" i="1" smtClean="0">
-                                        <a:latin typeface="Cambria Math" panose="02040503050406030204" pitchFamily="18" charset="0"/>
-                                      </a:rPr>
-                                      <m:t>𝑥</m:t>
-                                    </m:r>
-                                  </m:e>
-                                </m:acc>
-                              </m:e>
-                              <m:sub>
-                                <m:r>
-                                  <a:rPr lang="en-US" b="0" i="1" smtClean="0">
-                                    <a:latin typeface="Cambria Math" panose="02040503050406030204" pitchFamily="18" charset="0"/>
-                                  </a:rPr>
-                                  <m:t>𝑖</m:t>
-                                </m:r>
-                              </m:sub>
-                            </m:sSub>
-                            <m:r>
-                              <a:rPr lang="en-US" b="0" i="1" smtClean="0">
-                                <a:latin typeface="Cambria Math" panose="02040503050406030204" pitchFamily="18" charset="0"/>
-                              </a:rPr>
-                              <m:t>,</m:t>
-                            </m:r>
-                            <m:sSub>
-                              <m:sSubPr>
-                                <m:ctrlPr>
-                                  <a:rPr lang="en-US" b="0" i="1" smtClean="0">
-                                    <a:latin typeface="Cambria Math" panose="02040503050406030204" pitchFamily="18" charset="0"/>
-                                  </a:rPr>
-                                </m:ctrlPr>
-                              </m:sSubPr>
-                              <m:e>
-                                <m:r>
-                                  <a:rPr lang="en-US" b="0" i="1" smtClean="0">
-                                    <a:latin typeface="Cambria Math" panose="02040503050406030204" pitchFamily="18" charset="0"/>
-                                  </a:rPr>
-                                  <m:t>𝑧</m:t>
-                                </m:r>
-                              </m:e>
-                              <m:sub>
-                                <m:r>
-                                  <a:rPr lang="en-US" b="0" i="1" smtClean="0">
-                                    <a:latin typeface="Cambria Math" panose="02040503050406030204" pitchFamily="18" charset="0"/>
-                                  </a:rPr>
-                                  <m:t>𝑖</m:t>
-                                </m:r>
-                              </m:sub>
-                            </m:sSub>
-                            <m:r>
-                              <a:rPr lang="en-US" b="0" i="1" smtClean="0">
-                                <a:latin typeface="Cambria Math" panose="02040503050406030204" pitchFamily="18" charset="0"/>
-                              </a:rPr>
-                              <m:t>,</m:t>
-                            </m:r>
-                            <m:sSub>
-                              <m:sSubPr>
-                                <m:ctrlPr>
-                                  <a:rPr lang="en-US" b="0" i="1" smtClean="0">
-                                    <a:latin typeface="Cambria Math" panose="02040503050406030204" pitchFamily="18" charset="0"/>
-                                  </a:rPr>
-                                </m:ctrlPr>
-                              </m:sSubPr>
-                              <m:e>
-                                <m:r>
-                                  <a:rPr lang="en-US" b="0" i="1" smtClean="0">
-                                    <a:latin typeface="Cambria Math" panose="02040503050406030204" pitchFamily="18" charset="0"/>
-                                  </a:rPr>
-                                  <m:t>h</m:t>
-                                </m:r>
-                              </m:e>
-                              <m:sub>
-                                <m:r>
-                                  <a:rPr lang="en-US" b="0" i="1" smtClean="0">
-                                    <a:latin typeface="Cambria Math" panose="02040503050406030204" pitchFamily="18" charset="0"/>
-                                  </a:rPr>
-                                  <m:t>𝑖</m:t>
-                                </m:r>
-                              </m:sub>
-                            </m:sSub>
-                            <m:r>
-                              <a:rPr lang="en-US" b="0" i="1" smtClean="0">
-                                <a:latin typeface="Cambria Math" panose="02040503050406030204" pitchFamily="18" charset="0"/>
-                              </a:rPr>
-                              <m:t>;</m:t>
-                            </m:r>
-                            <m:r>
-                              <a:rPr lang="en-US" b="0" i="1" smtClean="0">
-                                <a:latin typeface="Cambria Math" panose="02040503050406030204" pitchFamily="18" charset="0"/>
-                                <a:ea typeface="Cambria Math" panose="02040503050406030204" pitchFamily="18" charset="0"/>
-                              </a:rPr>
-                              <m:t>𝜃</m:t>
-                            </m:r>
-                            <m:r>
-                              <a:rPr lang="en-US" b="0" i="1" smtClean="0">
-                                <a:latin typeface="Cambria Math" panose="02040503050406030204" pitchFamily="18" charset="0"/>
-                              </a:rPr>
-                              <m:t>)</m:t>
-                            </m:r>
-                          </m:e>
-                        </m:nary>
-                        <m:r>
-                          <a:rPr lang="en-US" b="0" i="1" smtClean="0">
-                            <a:latin typeface="Cambria Math" panose="02040503050406030204" pitchFamily="18" charset="0"/>
-                          </a:rPr>
-                          <m:t>]</m:t>
-                        </m:r>
-                      </m:e>
-                      <m:sub>
-                        <m:r>
-                          <a:rPr lang="en-US" b="0" i="1" smtClean="0">
-                            <a:latin typeface="Cambria Math" panose="02040503050406030204" pitchFamily="18" charset="0"/>
-                          </a:rPr>
-                          <m:t>𝑝</m:t>
-                        </m:r>
-                        <m:r>
-                          <a:rPr lang="en-US" b="0" i="1" smtClean="0">
-                            <a:latin typeface="Cambria Math" panose="02040503050406030204" pitchFamily="18" charset="0"/>
-                          </a:rPr>
-                          <m:t>(</m:t>
-                        </m:r>
-                        <m:sSub>
-                          <m:sSubPr>
-                            <m:ctrlPr>
-                              <a:rPr lang="en-US" b="0" i="1" smtClean="0">
-                                <a:latin typeface="Cambria Math" panose="02040503050406030204" pitchFamily="18" charset="0"/>
-                              </a:rPr>
-                            </m:ctrlPr>
-                          </m:sSubPr>
-                          <m:e>
-                            <m:r>
-                              <a:rPr lang="en-US" b="0" i="1" smtClean="0">
-                                <a:latin typeface="Cambria Math" panose="02040503050406030204" pitchFamily="18" charset="0"/>
-                              </a:rPr>
-                              <m:t>𝑧</m:t>
-                            </m:r>
-                          </m:e>
-                          <m:sub>
-                            <m:r>
-                              <a:rPr lang="en-US" b="0" i="1" smtClean="0">
-                                <a:latin typeface="Cambria Math" panose="02040503050406030204" pitchFamily="18" charset="0"/>
-                              </a:rPr>
-                              <m:t>𝑖</m:t>
-                            </m:r>
-                          </m:sub>
-                        </m:sSub>
-                        <m:r>
-                          <a:rPr lang="en-US" b="0" i="1" smtClean="0">
-                            <a:latin typeface="Cambria Math" panose="02040503050406030204" pitchFamily="18" charset="0"/>
-                          </a:rPr>
-                          <m:t>,</m:t>
-                        </m:r>
-                        <m:sSub>
-                          <m:sSubPr>
-                            <m:ctrlPr>
-                              <a:rPr lang="en-US" b="0" i="1" smtClean="0">
-                                <a:latin typeface="Cambria Math" panose="02040503050406030204" pitchFamily="18" charset="0"/>
-                              </a:rPr>
-                            </m:ctrlPr>
-                          </m:sSubPr>
-                          <m:e>
-                            <m:r>
-                              <a:rPr lang="en-US" b="0" i="1" smtClean="0">
-                                <a:latin typeface="Cambria Math" panose="02040503050406030204" pitchFamily="18" charset="0"/>
-                              </a:rPr>
-                              <m:t>h</m:t>
-                            </m:r>
-                          </m:e>
-                          <m:sub>
-                            <m:r>
-                              <a:rPr lang="en-US" b="0" i="1" smtClean="0">
-                                <a:latin typeface="Cambria Math" panose="02040503050406030204" pitchFamily="18" charset="0"/>
-                              </a:rPr>
-                              <m:t>𝑖</m:t>
-                            </m:r>
-                          </m:sub>
-                        </m:sSub>
-                        <m:r>
-                          <a:rPr lang="en-US" b="0" i="1" smtClean="0">
-                            <a:latin typeface="Cambria Math" panose="02040503050406030204" pitchFamily="18" charset="0"/>
-                          </a:rPr>
-                          <m:t>|</m:t>
-                        </m:r>
-                        <m:sSub>
-                          <m:sSubPr>
-                            <m:ctrlPr>
-                              <a:rPr lang="en-US" b="0" i="1" smtClean="0">
-                                <a:latin typeface="Cambria Math" panose="02040503050406030204" pitchFamily="18" charset="0"/>
-                              </a:rPr>
-                            </m:ctrlPr>
-                          </m:sSubPr>
-                          <m:e>
-                            <m:acc>
-                              <m:accPr>
-                                <m:chr m:val="̃"/>
-                                <m:ctrlPr>
-                                  <a:rPr lang="en-US" b="0" i="1" smtClean="0">
-                                    <a:latin typeface="Cambria Math" panose="02040503050406030204" pitchFamily="18" charset="0"/>
-                                  </a:rPr>
-                                </m:ctrlPr>
-                              </m:accPr>
-                              <m:e>
-                                <m:r>
-                                  <a:rPr lang="en-US" b="0" i="1" smtClean="0">
-                                    <a:latin typeface="Cambria Math" panose="02040503050406030204" pitchFamily="18" charset="0"/>
-                                  </a:rPr>
-                                  <m:t>𝑥</m:t>
-                                </m:r>
-                              </m:e>
-                            </m:acc>
-                          </m:e>
-                          <m:sub>
-                            <m:r>
-                              <a:rPr lang="en-US" b="0" i="1" smtClean="0">
-                                <a:latin typeface="Cambria Math" panose="02040503050406030204" pitchFamily="18" charset="0"/>
-                              </a:rPr>
-                              <m:t>𝑖</m:t>
-                            </m:r>
-                          </m:sub>
-                        </m:sSub>
-                        <m:r>
-                          <a:rPr lang="en-US" b="0" i="1" smtClean="0">
-                            <a:latin typeface="Cambria Math" panose="02040503050406030204" pitchFamily="18" charset="0"/>
-                          </a:rPr>
-                          <m:t>;</m:t>
-                        </m:r>
-                        <m:r>
-                          <a:rPr lang="en-US" b="0" i="1" smtClean="0">
-                            <a:latin typeface="Cambria Math" panose="02040503050406030204" pitchFamily="18" charset="0"/>
-                            <a:ea typeface="Cambria Math" panose="02040503050406030204" pitchFamily="18" charset="0"/>
-                          </a:rPr>
-                          <m:t>𝜃</m:t>
-                        </m:r>
-                        <m:r>
-                          <a:rPr lang="en-US" b="0" i="1" smtClean="0">
-                            <a:latin typeface="Cambria Math" panose="02040503050406030204" pitchFamily="18" charset="0"/>
-                          </a:rPr>
-                          <m:t>)</m:t>
-                        </m:r>
-                      </m:sub>
-                    </m:sSub>
-                  </m:oMath>
-                </a14:m>
-                <a:endParaRPr lang="en-US" dirty="0"/>
-              </a:p>
-              <a:p>
-                <a:r>
-                  <a:rPr lang="en-US" dirty="0"/>
-                  <a:t>Here, </a:t>
-                </a:r>
-                <a14:m>
-                  <m:oMath xmlns:m="http://schemas.openxmlformats.org/officeDocument/2006/math">
-                    <m:r>
-                      <a:rPr lang="en-US" i="1">
-                        <a:latin typeface="Cambria Math" panose="02040503050406030204" pitchFamily="18" charset="0"/>
-                      </a:rPr>
-                      <m:t>𝐸</m:t>
-                    </m:r>
-                    <m:sSub>
-                      <m:sSubPr>
-                        <m:ctrlPr>
-                          <a:rPr lang="en-US" i="1">
-                            <a:latin typeface="Cambria Math" panose="02040503050406030204" pitchFamily="18" charset="0"/>
-                          </a:rPr>
-                        </m:ctrlPr>
-                      </m:sSubPr>
-                      <m:e>
-                        <m:r>
-                          <a:rPr lang="en-US" i="1">
-                            <a:latin typeface="Cambria Math" panose="02040503050406030204" pitchFamily="18" charset="0"/>
-                          </a:rPr>
-                          <m:t>[</m:t>
-                        </m:r>
-                        <m:r>
-                          <a:rPr lang="en-US" b="0" i="1" smtClean="0">
-                            <a:latin typeface="Cambria Math" panose="02040503050406030204" pitchFamily="18" charset="0"/>
-                          </a:rPr>
-                          <m:t>.</m:t>
-                        </m:r>
-                        <m:r>
-                          <a:rPr lang="en-US" i="1">
-                            <a:latin typeface="Cambria Math" panose="02040503050406030204" pitchFamily="18" charset="0"/>
-                          </a:rPr>
-                          <m:t>]</m:t>
-                        </m:r>
-                      </m:e>
-                      <m:sub>
-                        <m:r>
-                          <a:rPr lang="en-US" i="1">
-                            <a:latin typeface="Cambria Math" panose="02040503050406030204" pitchFamily="18" charset="0"/>
-                          </a:rPr>
-                          <m:t>𝑝</m:t>
-                        </m:r>
-                        <m:r>
-                          <a:rPr lang="en-US" i="1">
-                            <a:latin typeface="Cambria Math" panose="02040503050406030204" pitchFamily="18" charset="0"/>
-                          </a:rPr>
-                          <m:t>(</m:t>
-                        </m:r>
-                        <m:sSub>
-                          <m:sSubPr>
-                            <m:ctrlPr>
-                              <a:rPr lang="en-US" i="1">
-                                <a:latin typeface="Cambria Math" panose="02040503050406030204" pitchFamily="18" charset="0"/>
-                              </a:rPr>
-                            </m:ctrlPr>
-                          </m:sSubPr>
-                          <m:e>
-                            <m:r>
-                              <a:rPr lang="en-US" i="1">
-                                <a:latin typeface="Cambria Math" panose="02040503050406030204" pitchFamily="18" charset="0"/>
-                              </a:rPr>
-                              <m:t>𝑧</m:t>
-                            </m:r>
-                          </m:e>
-                          <m:sub>
-                            <m:r>
-                              <a:rPr lang="en-US" i="1">
-                                <a:latin typeface="Cambria Math" panose="02040503050406030204" pitchFamily="18" charset="0"/>
-                              </a:rPr>
-                              <m:t>𝑖</m:t>
-                            </m:r>
-                          </m:sub>
-                        </m:sSub>
-                        <m:r>
-                          <a:rPr lang="en-US" i="1">
-                            <a:latin typeface="Cambria Math" panose="02040503050406030204" pitchFamily="18" charset="0"/>
-                          </a:rPr>
-                          <m:t>,</m:t>
-                        </m:r>
-                        <m:sSub>
-                          <m:sSubPr>
-                            <m:ctrlPr>
-                              <a:rPr lang="en-US" i="1">
-                                <a:latin typeface="Cambria Math" panose="02040503050406030204" pitchFamily="18" charset="0"/>
-                              </a:rPr>
-                            </m:ctrlPr>
-                          </m:sSubPr>
-                          <m:e>
-                            <m:r>
-                              <a:rPr lang="en-US" i="1">
-                                <a:latin typeface="Cambria Math" panose="02040503050406030204" pitchFamily="18" charset="0"/>
-                              </a:rPr>
-                              <m:t>h</m:t>
-                            </m:r>
-                          </m:e>
-                          <m:sub>
-                            <m:r>
-                              <a:rPr lang="en-US" i="1">
-                                <a:latin typeface="Cambria Math" panose="02040503050406030204" pitchFamily="18" charset="0"/>
-                              </a:rPr>
-                              <m:t>𝑖</m:t>
-                            </m:r>
-                          </m:sub>
-                        </m:sSub>
-                        <m:r>
-                          <a:rPr lang="en-US" i="1">
-                            <a:latin typeface="Cambria Math" panose="02040503050406030204" pitchFamily="18" charset="0"/>
-                          </a:rPr>
-                          <m:t>|</m:t>
-                        </m:r>
-                        <m:sSub>
-                          <m:sSubPr>
-                            <m:ctrlPr>
-                              <a:rPr lang="en-US" i="1">
-                                <a:latin typeface="Cambria Math" panose="02040503050406030204" pitchFamily="18" charset="0"/>
-                              </a:rPr>
-                            </m:ctrlPr>
-                          </m:sSubPr>
-                          <m:e>
-                            <m:acc>
-                              <m:accPr>
-                                <m:chr m:val="̃"/>
-                                <m:ctrlPr>
-                                  <a:rPr lang="en-US" i="1">
-                                    <a:latin typeface="Cambria Math" panose="02040503050406030204" pitchFamily="18" charset="0"/>
-                                  </a:rPr>
-                                </m:ctrlPr>
-                              </m:accPr>
-                              <m:e>
-                                <m:r>
-                                  <a:rPr lang="en-US" i="1">
-                                    <a:latin typeface="Cambria Math" panose="02040503050406030204" pitchFamily="18" charset="0"/>
-                                  </a:rPr>
-                                  <m:t>𝑥</m:t>
-                                </m:r>
-                              </m:e>
-                            </m:acc>
-                          </m:e>
-                          <m:sub>
-                            <m:r>
-                              <a:rPr lang="en-US" i="1">
-                                <a:latin typeface="Cambria Math" panose="02040503050406030204" pitchFamily="18" charset="0"/>
-                              </a:rPr>
-                              <m:t>𝑖</m:t>
-                            </m:r>
-                          </m:sub>
-                        </m:sSub>
-                        <m:r>
-                          <a:rPr lang="en-US" i="1">
-                            <a:latin typeface="Cambria Math" panose="02040503050406030204" pitchFamily="18" charset="0"/>
-                          </a:rPr>
-                          <m:t>;</m:t>
-                        </m:r>
-                        <m:r>
-                          <a:rPr lang="en-US" i="1">
-                            <a:latin typeface="Cambria Math" panose="02040503050406030204" pitchFamily="18" charset="0"/>
-                            <a:ea typeface="Cambria Math" panose="02040503050406030204" pitchFamily="18" charset="0"/>
-                          </a:rPr>
-                          <m:t>𝜃</m:t>
-                        </m:r>
-                        <m:r>
-                          <a:rPr lang="en-US" i="1">
-                            <a:latin typeface="Cambria Math" panose="02040503050406030204" pitchFamily="18" charset="0"/>
-                          </a:rPr>
-                          <m:t>)</m:t>
-                        </m:r>
-                      </m:sub>
-                    </m:sSub>
-                  </m:oMath>
-                </a14:m>
-                <a:r>
-                  <a:rPr lang="en-US" dirty="0"/>
-                  <a:t> means expectation is performed under the posterior distribution over hidden variables: </a:t>
-                </a:r>
-                <a14:m>
-                  <m:oMath xmlns:m="http://schemas.openxmlformats.org/officeDocument/2006/math">
-                    <m:r>
-                      <a:rPr lang="en-US" i="1">
-                        <a:latin typeface="Cambria Math" panose="02040503050406030204" pitchFamily="18" charset="0"/>
-                      </a:rPr>
-                      <m:t>𝑝</m:t>
-                    </m:r>
-                    <m:r>
-                      <a:rPr lang="en-US" i="1">
-                        <a:latin typeface="Cambria Math" panose="02040503050406030204" pitchFamily="18" charset="0"/>
-                      </a:rPr>
-                      <m:t>(</m:t>
-                    </m:r>
-                    <m:sSub>
-                      <m:sSubPr>
-                        <m:ctrlPr>
-                          <a:rPr lang="en-US" i="1">
-                            <a:latin typeface="Cambria Math" panose="02040503050406030204" pitchFamily="18" charset="0"/>
-                          </a:rPr>
-                        </m:ctrlPr>
-                      </m:sSubPr>
-                      <m:e>
-                        <m:r>
-                          <a:rPr lang="en-US" i="1">
-                            <a:latin typeface="Cambria Math" panose="02040503050406030204" pitchFamily="18" charset="0"/>
-                          </a:rPr>
-                          <m:t>𝑧</m:t>
-                        </m:r>
-                      </m:e>
-                      <m:sub>
-                        <m:r>
-                          <a:rPr lang="en-US" i="1">
-                            <a:latin typeface="Cambria Math" panose="02040503050406030204" pitchFamily="18" charset="0"/>
-                          </a:rPr>
-                          <m:t>𝑖</m:t>
-                        </m:r>
-                      </m:sub>
-                    </m:sSub>
-                    <m:r>
-                      <a:rPr lang="en-US" i="1">
-                        <a:latin typeface="Cambria Math" panose="02040503050406030204" pitchFamily="18" charset="0"/>
-                      </a:rPr>
-                      <m:t>,</m:t>
-                    </m:r>
-                    <m:sSub>
-                      <m:sSubPr>
-                        <m:ctrlPr>
-                          <a:rPr lang="en-US" i="1">
-                            <a:latin typeface="Cambria Math" panose="02040503050406030204" pitchFamily="18" charset="0"/>
-                          </a:rPr>
-                        </m:ctrlPr>
-                      </m:sSubPr>
-                      <m:e>
-                        <m:r>
-                          <a:rPr lang="en-US" i="1">
-                            <a:latin typeface="Cambria Math" panose="02040503050406030204" pitchFamily="18" charset="0"/>
-                          </a:rPr>
-                          <m:t>h</m:t>
-                        </m:r>
-                      </m:e>
-                      <m:sub>
-                        <m:r>
-                          <a:rPr lang="en-US" i="1">
-                            <a:latin typeface="Cambria Math" panose="02040503050406030204" pitchFamily="18" charset="0"/>
-                          </a:rPr>
-                          <m:t>𝑖</m:t>
-                        </m:r>
-                      </m:sub>
-                    </m:sSub>
-                    <m:r>
-                      <a:rPr lang="en-US" i="1">
-                        <a:latin typeface="Cambria Math" panose="02040503050406030204" pitchFamily="18" charset="0"/>
-                      </a:rPr>
-                      <m:t>|</m:t>
-                    </m:r>
-                    <m:sSub>
-                      <m:sSubPr>
-                        <m:ctrlPr>
-                          <a:rPr lang="en-US" i="1">
-                            <a:latin typeface="Cambria Math" panose="02040503050406030204" pitchFamily="18" charset="0"/>
-                          </a:rPr>
-                        </m:ctrlPr>
-                      </m:sSubPr>
-                      <m:e>
-                        <m:acc>
-                          <m:accPr>
-                            <m:chr m:val="̃"/>
-                            <m:ctrlPr>
-                              <a:rPr lang="en-US" i="1">
-                                <a:latin typeface="Cambria Math" panose="02040503050406030204" pitchFamily="18" charset="0"/>
-                              </a:rPr>
-                            </m:ctrlPr>
-                          </m:accPr>
-                          <m:e>
-                            <m:r>
-                              <a:rPr lang="en-US" i="1">
-                                <a:latin typeface="Cambria Math" panose="02040503050406030204" pitchFamily="18" charset="0"/>
-                              </a:rPr>
-                              <m:t>𝑥</m:t>
-                            </m:r>
-                          </m:e>
-                        </m:acc>
-                      </m:e>
-                      <m:sub>
-                        <m:r>
-                          <a:rPr lang="en-US" i="1">
-                            <a:latin typeface="Cambria Math" panose="02040503050406030204" pitchFamily="18" charset="0"/>
-                          </a:rPr>
-                          <m:t>𝑖</m:t>
-                        </m:r>
-                      </m:sub>
-                    </m:sSub>
-                    <m:r>
-                      <a:rPr lang="en-US" i="1">
-                        <a:latin typeface="Cambria Math" panose="02040503050406030204" pitchFamily="18" charset="0"/>
-                      </a:rPr>
-                      <m:t>;</m:t>
-                    </m:r>
-                    <m:r>
-                      <a:rPr lang="en-US" i="1">
-                        <a:latin typeface="Cambria Math" panose="02040503050406030204" pitchFamily="18" charset="0"/>
-                        <a:ea typeface="Cambria Math" panose="02040503050406030204" pitchFamily="18" charset="0"/>
-                      </a:rPr>
-                      <m:t>𝜃</m:t>
-                    </m:r>
-                    <m:r>
-                      <a:rPr lang="en-US" i="1">
-                        <a:latin typeface="Cambria Math" panose="02040503050406030204" pitchFamily="18" charset="0"/>
-                      </a:rPr>
-                      <m:t>)</m:t>
-                    </m:r>
-                  </m:oMath>
-                </a14:m>
-                <a:endParaRPr lang="en-US" dirty="0"/>
-              </a:p>
-            </p:txBody>
-          </p:sp>
-        </mc:Choice>
-        <mc:Fallback>
-          <p:sp>
-            <p:nvSpPr>
-              <p:cNvPr id="3" name="Content Placeholder 2">
-                <a:extLst>
-                  <a:ext uri="{FF2B5EF4-FFF2-40B4-BE49-F238E27FC236}">
-                    <a16:creationId xmlns:a16="http://schemas.microsoft.com/office/drawing/2014/main" id="{B0A39F28-4F26-4D74-86B8-189AD7996564}"/>
-                  </a:ext>
-                </a:extLst>
-              </p:cNvPr>
-              <p:cNvSpPr>
-                <a:spLocks noGrp="1" noRot="1" noChangeAspect="1" noMove="1" noResize="1" noEditPoints="1" noAdjustHandles="1" noChangeArrowheads="1" noChangeShapeType="1" noTextEdit="1"/>
-              </p:cNvSpPr>
-              <p:nvPr>
-                <p:ph idx="1"/>
-              </p:nvPr>
-            </p:nvSpPr>
-            <p:spPr>
-              <a:xfrm>
-                <a:off x="0" y="934947"/>
-                <a:ext cx="12192000" cy="5904797"/>
-              </a:xfrm>
-              <a:blipFill>
-                <a:blip r:embed="rId2"/>
-                <a:stretch>
-                  <a:fillRect l="-900" t="-1651"/>
-                </a:stretch>
-              </a:blipFill>
-            </p:spPr>
-            <p:txBody>
-              <a:bodyPr/>
-              <a:lstStyle/>
-              <a:p>
-                <a:r>
-                  <a:rPr lang="en-US">
-                    <a:noFill/>
-                  </a:rPr>
-                  <a:t> </a:t>
-                </a:r>
-              </a:p>
-            </p:txBody>
-          </p:sp>
-        </mc:Fallback>
-      </mc:AlternateContent>
-    </p:spTree>
-    <p:extLst>
-      <p:ext uri="{BB962C8B-B14F-4D97-AF65-F5344CB8AC3E}">
-        <p14:creationId xmlns:p14="http://schemas.microsoft.com/office/powerpoint/2010/main" val="648977590"/>
       </p:ext>
     </p:extLst>
   </p:cSld>
@@ -7633,6 +6024,2057 @@
               <a:p>
                 <a:r>
                   <a:rPr lang="en-US" dirty="0"/>
+                  <a:t>Not always possible to obtain easily-optimized form for marginal likelihood</a:t>
+                </a:r>
+              </a:p>
+              <a:p>
+                <a:r>
+                  <a:rPr lang="en-US" dirty="0"/>
+                  <a:t>Instead, work with </a:t>
+                </a:r>
+                <a:r>
+                  <a:rPr lang="en-US" i="1" dirty="0"/>
+                  <a:t>expected log-likelihood:</a:t>
+                </a:r>
+              </a:p>
+              <a:p>
+                <a:r>
+                  <a:rPr lang="en-US" dirty="0"/>
+                  <a:t>Notation:</a:t>
+                </a:r>
+              </a:p>
+              <a:p>
+                <a:r>
+                  <a:rPr lang="en-US" dirty="0"/>
+                  <a:t>Set of all observed data: </a:t>
+                </a:r>
+                <a14:m>
+                  <m:oMath xmlns:m="http://schemas.openxmlformats.org/officeDocument/2006/math">
+                    <m:acc>
+                      <m:accPr>
+                        <m:chr m:val="̃"/>
+                        <m:ctrlPr>
+                          <a:rPr lang="en-US" i="1" smtClean="0">
+                            <a:latin typeface="Cambria Math" panose="02040503050406030204" pitchFamily="18" charset="0"/>
+                          </a:rPr>
+                        </m:ctrlPr>
+                      </m:accPr>
+                      <m:e>
+                        <m:r>
+                          <a:rPr lang="en-US" b="0" i="1" smtClean="0">
+                            <a:latin typeface="Cambria Math" panose="02040503050406030204" pitchFamily="18" charset="0"/>
+                          </a:rPr>
+                          <m:t>𝑋</m:t>
+                        </m:r>
+                      </m:e>
+                    </m:acc>
+                  </m:oMath>
+                </a14:m>
+                <a:endParaRPr lang="en-US" dirty="0"/>
+              </a:p>
+              <a:p>
+                <a:r>
+                  <a:rPr lang="en-US" dirty="0"/>
+                  <a:t>Set of all discrete hidden variables: </a:t>
+                </a:r>
+                <a14:m>
+                  <m:oMath xmlns:m="http://schemas.openxmlformats.org/officeDocument/2006/math">
+                    <m:r>
+                      <a:rPr lang="en-US" b="0" i="1" smtClean="0">
+                        <a:latin typeface="Cambria Math" panose="02040503050406030204" pitchFamily="18" charset="0"/>
+                      </a:rPr>
+                      <m:t>𝐻</m:t>
+                    </m:r>
+                  </m:oMath>
+                </a14:m>
+                <a:endParaRPr lang="en-US" dirty="0"/>
+              </a:p>
+              <a:p>
+                <a:r>
+                  <a:rPr lang="en-US" dirty="0"/>
+                  <a:t>Set of all continuous hidden variables: </a:t>
+                </a:r>
+                <a14:m>
+                  <m:oMath xmlns:m="http://schemas.openxmlformats.org/officeDocument/2006/math">
+                    <m:r>
+                      <a:rPr lang="en-US" b="0" i="1" smtClean="0">
+                        <a:latin typeface="Cambria Math" panose="02040503050406030204" pitchFamily="18" charset="0"/>
+                      </a:rPr>
+                      <m:t>𝑍</m:t>
+                    </m:r>
+                  </m:oMath>
+                </a14:m>
+                <a:endParaRPr lang="en-US" dirty="0"/>
+              </a:p>
+              <a:p>
+                <a:r>
+                  <a:rPr lang="en-US" dirty="0"/>
+                  <a:t>Expected log likelihood expressed as:</a:t>
+                </a:r>
+              </a:p>
+              <a:p>
+                <a14:m>
+                  <m:oMath xmlns:m="http://schemas.openxmlformats.org/officeDocument/2006/math">
+                    <m:r>
+                      <a:rPr lang="en-US" b="0" i="1" smtClean="0">
+                        <a:latin typeface="Cambria Math" panose="02040503050406030204" pitchFamily="18" charset="0"/>
+                      </a:rPr>
+                      <m:t>𝐸</m:t>
+                    </m:r>
+                    <m:sSub>
+                      <m:sSubPr>
+                        <m:ctrlPr>
+                          <a:rPr lang="en-US" b="0" i="1" smtClean="0">
+                            <a:latin typeface="Cambria Math" panose="02040503050406030204" pitchFamily="18" charset="0"/>
+                          </a:rPr>
+                        </m:ctrlPr>
+                      </m:sSubPr>
+                      <m:e>
+                        <m:r>
+                          <a:rPr lang="en-US" b="0" i="1" smtClean="0">
+                            <a:latin typeface="Cambria Math" panose="02040503050406030204" pitchFamily="18" charset="0"/>
+                          </a:rPr>
+                          <m:t>[</m:t>
+                        </m:r>
+                        <m:r>
+                          <a:rPr lang="en-US" b="0" i="1" smtClean="0">
+                            <a:latin typeface="Cambria Math" panose="02040503050406030204" pitchFamily="18" charset="0"/>
+                          </a:rPr>
+                          <m:t>𝑙𝑜𝑔𝐿</m:t>
+                        </m:r>
+                        <m:r>
+                          <a:rPr lang="en-US" b="0" i="1" smtClean="0">
+                            <a:latin typeface="Cambria Math" panose="02040503050406030204" pitchFamily="18" charset="0"/>
+                          </a:rPr>
+                          <m:t>(</m:t>
+                        </m:r>
+                        <m:r>
+                          <a:rPr lang="en-US" b="0" i="1" smtClean="0">
+                            <a:latin typeface="Cambria Math" panose="02040503050406030204" pitchFamily="18" charset="0"/>
+                            <a:ea typeface="Cambria Math" panose="02040503050406030204" pitchFamily="18" charset="0"/>
+                          </a:rPr>
+                          <m:t>𝜃</m:t>
+                        </m:r>
+                        <m:r>
+                          <a:rPr lang="en-US" b="0" i="1" smtClean="0">
+                            <a:latin typeface="Cambria Math" panose="02040503050406030204" pitchFamily="18" charset="0"/>
+                            <a:ea typeface="Cambria Math" panose="02040503050406030204" pitchFamily="18" charset="0"/>
+                          </a:rPr>
+                          <m:t>;</m:t>
+                        </m:r>
+                        <m:acc>
+                          <m:accPr>
+                            <m:chr m:val="̃"/>
+                            <m:ctrlPr>
+                              <a:rPr lang="en-US" b="0" i="1" smtClean="0">
+                                <a:latin typeface="Cambria Math" panose="02040503050406030204" pitchFamily="18" charset="0"/>
+                                <a:ea typeface="Cambria Math" panose="02040503050406030204" pitchFamily="18" charset="0"/>
+                              </a:rPr>
+                            </m:ctrlPr>
+                          </m:accPr>
+                          <m:e>
+                            <m:r>
+                              <a:rPr lang="en-US" b="0" i="1" smtClean="0">
+                                <a:latin typeface="Cambria Math" panose="02040503050406030204" pitchFamily="18" charset="0"/>
+                                <a:ea typeface="Cambria Math" panose="02040503050406030204" pitchFamily="18" charset="0"/>
+                              </a:rPr>
+                              <m:t>𝑋</m:t>
+                            </m:r>
+                          </m:e>
+                        </m:acc>
+                        <m:r>
+                          <a:rPr lang="en-US" b="0" i="1" smtClean="0">
+                            <a:latin typeface="Cambria Math" panose="02040503050406030204" pitchFamily="18" charset="0"/>
+                          </a:rPr>
+                          <m:t>,</m:t>
+                        </m:r>
+                        <m:r>
+                          <a:rPr lang="en-US" b="0" i="1" smtClean="0">
+                            <a:latin typeface="Cambria Math" panose="02040503050406030204" pitchFamily="18" charset="0"/>
+                          </a:rPr>
+                          <m:t>𝑍</m:t>
+                        </m:r>
+                        <m:r>
+                          <a:rPr lang="en-US" b="0" i="1" smtClean="0">
+                            <a:latin typeface="Cambria Math" panose="02040503050406030204" pitchFamily="18" charset="0"/>
+                          </a:rPr>
+                          <m:t>,</m:t>
+                        </m:r>
+                        <m:r>
+                          <a:rPr lang="en-US" b="0" i="1" smtClean="0">
+                            <a:latin typeface="Cambria Math" panose="02040503050406030204" pitchFamily="18" charset="0"/>
+                          </a:rPr>
+                          <m:t>𝐻</m:t>
+                        </m:r>
+                        <m:r>
+                          <a:rPr lang="en-US" b="0" i="1" smtClean="0">
+                            <a:latin typeface="Cambria Math" panose="02040503050406030204" pitchFamily="18" charset="0"/>
+                          </a:rPr>
+                          <m:t>)]</m:t>
+                        </m:r>
+                      </m:e>
+                      <m:sub>
+                        <m:r>
+                          <a:rPr lang="en-US" b="0" i="1" smtClean="0">
+                            <a:latin typeface="Cambria Math" panose="02040503050406030204" pitchFamily="18" charset="0"/>
+                          </a:rPr>
+                          <m:t>𝑃</m:t>
+                        </m:r>
+                        <m:r>
+                          <a:rPr lang="en-US" b="0" i="1" smtClean="0">
+                            <a:latin typeface="Cambria Math" panose="02040503050406030204" pitchFamily="18" charset="0"/>
+                          </a:rPr>
+                          <m:t>(</m:t>
+                        </m:r>
+                        <m:r>
+                          <a:rPr lang="en-US" b="0" i="1" smtClean="0">
+                            <a:latin typeface="Cambria Math" panose="02040503050406030204" pitchFamily="18" charset="0"/>
+                          </a:rPr>
+                          <m:t>𝐻</m:t>
+                        </m:r>
+                        <m:r>
+                          <a:rPr lang="en-US" b="0" i="1" smtClean="0">
+                            <a:latin typeface="Cambria Math" panose="02040503050406030204" pitchFamily="18" charset="0"/>
+                          </a:rPr>
+                          <m:t>,</m:t>
+                        </m:r>
+                        <m:r>
+                          <a:rPr lang="en-US" b="0" i="1" smtClean="0">
+                            <a:latin typeface="Cambria Math" panose="02040503050406030204" pitchFamily="18" charset="0"/>
+                          </a:rPr>
+                          <m:t>𝑍</m:t>
+                        </m:r>
+                        <m:r>
+                          <a:rPr lang="en-US" b="0" i="1" smtClean="0">
+                            <a:latin typeface="Cambria Math" panose="02040503050406030204" pitchFamily="18" charset="0"/>
+                          </a:rPr>
+                          <m:t>|</m:t>
+                        </m:r>
+                        <m:acc>
+                          <m:accPr>
+                            <m:chr m:val="̃"/>
+                            <m:ctrlPr>
+                              <a:rPr lang="en-US" b="0" i="1" smtClean="0">
+                                <a:latin typeface="Cambria Math" panose="02040503050406030204" pitchFamily="18" charset="0"/>
+                              </a:rPr>
+                            </m:ctrlPr>
+                          </m:accPr>
+                          <m:e>
+                            <m:r>
+                              <a:rPr lang="en-US" b="0" i="1" smtClean="0">
+                                <a:latin typeface="Cambria Math" panose="02040503050406030204" pitchFamily="18" charset="0"/>
+                              </a:rPr>
+                              <m:t>𝑋</m:t>
+                            </m:r>
+                          </m:e>
+                        </m:acc>
+                        <m:r>
+                          <a:rPr lang="en-US" b="0" i="1" smtClean="0">
+                            <a:latin typeface="Cambria Math" panose="02040503050406030204" pitchFamily="18" charset="0"/>
+                          </a:rPr>
+                          <m:t>,</m:t>
+                        </m:r>
+                        <m:r>
+                          <a:rPr lang="en-US" b="0" i="1" smtClean="0">
+                            <a:latin typeface="Cambria Math" panose="02040503050406030204" pitchFamily="18" charset="0"/>
+                            <a:ea typeface="Cambria Math" panose="02040503050406030204" pitchFamily="18" charset="0"/>
+                          </a:rPr>
+                          <m:t>𝜃</m:t>
+                        </m:r>
+                        <m:r>
+                          <a:rPr lang="en-US" b="0" i="1" smtClean="0">
+                            <a:latin typeface="Cambria Math" panose="02040503050406030204" pitchFamily="18" charset="0"/>
+                            <a:ea typeface="Cambria Math" panose="02040503050406030204" pitchFamily="18" charset="0"/>
+                          </a:rPr>
+                          <m:t>)</m:t>
+                        </m:r>
+                      </m:sub>
+                    </m:sSub>
+                    <m:r>
+                      <a:rPr lang="en-US" b="0" i="1" smtClean="0">
+                        <a:latin typeface="Cambria Math" panose="02040503050406030204" pitchFamily="18" charset="0"/>
+                      </a:rPr>
+                      <m:t>=</m:t>
+                    </m:r>
+                    <m:nary>
+                      <m:naryPr>
+                        <m:chr m:val="∑"/>
+                        <m:ctrlPr>
+                          <a:rPr lang="en-US" b="0" i="1" smtClean="0">
+                            <a:latin typeface="Cambria Math" panose="02040503050406030204" pitchFamily="18" charset="0"/>
+                          </a:rPr>
+                        </m:ctrlPr>
+                      </m:naryPr>
+                      <m:sub>
+                        <m:r>
+                          <m:rPr>
+                            <m:brk m:alnAt="23"/>
+                          </m:rPr>
+                          <a:rPr lang="en-US" b="0" i="1" smtClean="0">
+                            <a:latin typeface="Cambria Math" panose="02040503050406030204" pitchFamily="18" charset="0"/>
+                          </a:rPr>
+                          <m:t>𝑖</m:t>
+                        </m:r>
+                        <m:r>
+                          <a:rPr lang="en-US" b="0" i="1" smtClean="0">
+                            <a:latin typeface="Cambria Math" panose="02040503050406030204" pitchFamily="18" charset="0"/>
+                          </a:rPr>
+                          <m:t>=1</m:t>
+                        </m:r>
+                      </m:sub>
+                      <m:sup>
+                        <m:r>
+                          <a:rPr lang="en-US" b="0" i="1" smtClean="0">
+                            <a:latin typeface="Cambria Math" panose="02040503050406030204" pitchFamily="18" charset="0"/>
+                          </a:rPr>
+                          <m:t>𝑛</m:t>
+                        </m:r>
+                      </m:sup>
+                      <m:e>
+                        <m:r>
+                          <a:rPr lang="en-US" b="0" i="1" smtClean="0">
+                            <a:latin typeface="Cambria Math" panose="02040503050406030204" pitchFamily="18" charset="0"/>
+                          </a:rPr>
+                          <m:t>(</m:t>
+                        </m:r>
+                        <m:nary>
+                          <m:naryPr>
+                            <m:ctrlPr>
+                              <a:rPr lang="en-US" b="0" i="1" smtClean="0">
+                                <a:latin typeface="Cambria Math" panose="02040503050406030204" pitchFamily="18" charset="0"/>
+                              </a:rPr>
+                            </m:ctrlPr>
+                          </m:naryPr>
+                          <m:sub>
+                            <m:sSub>
+                              <m:sSubPr>
+                                <m:ctrlPr>
+                                  <a:rPr lang="en-US" b="0" i="1" smtClean="0">
+                                    <a:latin typeface="Cambria Math" panose="02040503050406030204" pitchFamily="18" charset="0"/>
+                                  </a:rPr>
+                                </m:ctrlPr>
+                              </m:sSubPr>
+                              <m:e>
+                                <m:r>
+                                  <a:rPr lang="en-US" b="0" i="1" smtClean="0">
+                                    <a:latin typeface="Cambria Math" panose="02040503050406030204" pitchFamily="18" charset="0"/>
+                                  </a:rPr>
+                                  <m:t>𝑧</m:t>
+                                </m:r>
+                              </m:e>
+                              <m:sub>
+                                <m:r>
+                                  <a:rPr lang="en-US" b="0" i="1" smtClean="0">
+                                    <a:latin typeface="Cambria Math" panose="02040503050406030204" pitchFamily="18" charset="0"/>
+                                  </a:rPr>
+                                  <m:t>𝑖</m:t>
+                                </m:r>
+                              </m:sub>
+                            </m:sSub>
+                          </m:sub>
+                          <m:sup>
+                            <m:r>
+                              <a:rPr lang="en-US" b="0" i="1" smtClean="0">
+                                <a:latin typeface="Cambria Math" panose="02040503050406030204" pitchFamily="18" charset="0"/>
+                              </a:rPr>
+                              <m:t> </m:t>
+                            </m:r>
+                          </m:sup>
+                          <m:e>
+                            <m:nary>
+                              <m:naryPr>
+                                <m:chr m:val="∑"/>
+                                <m:ctrlPr>
+                                  <a:rPr lang="en-US" b="0" i="1" smtClean="0">
+                                    <a:latin typeface="Cambria Math" panose="02040503050406030204" pitchFamily="18" charset="0"/>
+                                  </a:rPr>
+                                </m:ctrlPr>
+                              </m:naryPr>
+                              <m:sub>
+                                <m:sSub>
+                                  <m:sSubPr>
+                                    <m:ctrlPr>
+                                      <a:rPr lang="en-US" b="0" i="1" smtClean="0">
+                                        <a:latin typeface="Cambria Math" panose="02040503050406030204" pitchFamily="18" charset="0"/>
+                                      </a:rPr>
+                                    </m:ctrlPr>
+                                  </m:sSubPr>
+                                  <m:e>
+                                    <m:r>
+                                      <a:rPr lang="en-US" b="0" i="1" smtClean="0">
+                                        <a:latin typeface="Cambria Math" panose="02040503050406030204" pitchFamily="18" charset="0"/>
+                                      </a:rPr>
+                                      <m:t>h</m:t>
+                                    </m:r>
+                                  </m:e>
+                                  <m:sub>
+                                    <m:r>
+                                      <a:rPr lang="en-US" b="0" i="1" smtClean="0">
+                                        <a:latin typeface="Cambria Math" panose="02040503050406030204" pitchFamily="18" charset="0"/>
+                                      </a:rPr>
+                                      <m:t>𝑖</m:t>
+                                    </m:r>
+                                  </m:sub>
+                                </m:sSub>
+                              </m:sub>
+                              <m:sup>
+                                <m:r>
+                                  <a:rPr lang="en-US" b="0" i="1" smtClean="0">
+                                    <a:latin typeface="Cambria Math" panose="02040503050406030204" pitchFamily="18" charset="0"/>
+                                  </a:rPr>
+                                  <m:t> </m:t>
+                                </m:r>
+                              </m:sup>
+                              <m:e>
+                                <m:r>
+                                  <a:rPr lang="en-US" b="0" i="1" smtClean="0">
+                                    <a:latin typeface="Cambria Math" panose="02040503050406030204" pitchFamily="18" charset="0"/>
+                                  </a:rPr>
+                                  <m:t>𝑝</m:t>
+                                </m:r>
+                                <m:r>
+                                  <a:rPr lang="en-US" b="0" i="1" smtClean="0">
+                                    <a:latin typeface="Cambria Math" panose="02040503050406030204" pitchFamily="18" charset="0"/>
+                                  </a:rPr>
+                                  <m:t>(</m:t>
+                                </m:r>
+                                <m:sSub>
+                                  <m:sSubPr>
+                                    <m:ctrlPr>
+                                      <a:rPr lang="en-US" b="0" i="1" smtClean="0">
+                                        <a:latin typeface="Cambria Math" panose="02040503050406030204" pitchFamily="18" charset="0"/>
+                                      </a:rPr>
+                                    </m:ctrlPr>
+                                  </m:sSubPr>
+                                  <m:e>
+                                    <m:r>
+                                      <a:rPr lang="en-US" b="0" i="1" smtClean="0">
+                                        <a:latin typeface="Cambria Math" panose="02040503050406030204" pitchFamily="18" charset="0"/>
+                                      </a:rPr>
+                                      <m:t>𝑧</m:t>
+                                    </m:r>
+                                  </m:e>
+                                  <m:sub>
+                                    <m:r>
+                                      <a:rPr lang="en-US" b="0" i="1" smtClean="0">
+                                        <a:latin typeface="Cambria Math" panose="02040503050406030204" pitchFamily="18" charset="0"/>
+                                      </a:rPr>
+                                      <m:t>𝑖</m:t>
+                                    </m:r>
+                                  </m:sub>
+                                </m:sSub>
+                                <m:r>
+                                  <a:rPr lang="en-US" b="0" i="1" smtClean="0">
+                                    <a:latin typeface="Cambria Math" panose="02040503050406030204" pitchFamily="18" charset="0"/>
+                                  </a:rPr>
+                                  <m:t>,</m:t>
+                                </m:r>
+                                <m:sSub>
+                                  <m:sSubPr>
+                                    <m:ctrlPr>
+                                      <a:rPr lang="en-US" b="0" i="1" smtClean="0">
+                                        <a:latin typeface="Cambria Math" panose="02040503050406030204" pitchFamily="18" charset="0"/>
+                                      </a:rPr>
+                                    </m:ctrlPr>
+                                  </m:sSubPr>
+                                  <m:e>
+                                    <m:r>
+                                      <a:rPr lang="en-US" b="0" i="1" smtClean="0">
+                                        <a:latin typeface="Cambria Math" panose="02040503050406030204" pitchFamily="18" charset="0"/>
+                                      </a:rPr>
+                                      <m:t>h</m:t>
+                                    </m:r>
+                                  </m:e>
+                                  <m:sub>
+                                    <m:r>
+                                      <a:rPr lang="en-US" b="0" i="1" smtClean="0">
+                                        <a:latin typeface="Cambria Math" panose="02040503050406030204" pitchFamily="18" charset="0"/>
+                                      </a:rPr>
+                                      <m:t>𝑖</m:t>
+                                    </m:r>
+                                  </m:sub>
+                                </m:sSub>
+                                <m:r>
+                                  <a:rPr lang="en-US" b="0" i="1" smtClean="0">
+                                    <a:latin typeface="Cambria Math" panose="02040503050406030204" pitchFamily="18" charset="0"/>
+                                  </a:rPr>
+                                  <m:t>|</m:t>
+                                </m:r>
+                                <m:sSub>
+                                  <m:sSubPr>
+                                    <m:ctrlPr>
+                                      <a:rPr lang="en-US" b="0" i="1" smtClean="0">
+                                        <a:latin typeface="Cambria Math" panose="02040503050406030204" pitchFamily="18" charset="0"/>
+                                      </a:rPr>
+                                    </m:ctrlPr>
+                                  </m:sSubPr>
+                                  <m:e>
+                                    <m:acc>
+                                      <m:accPr>
+                                        <m:chr m:val="̃"/>
+                                        <m:ctrlPr>
+                                          <a:rPr lang="en-US" b="0" i="1" smtClean="0">
+                                            <a:latin typeface="Cambria Math" panose="02040503050406030204" pitchFamily="18" charset="0"/>
+                                          </a:rPr>
+                                        </m:ctrlPr>
+                                      </m:accPr>
+                                      <m:e>
+                                        <m:r>
+                                          <a:rPr lang="en-US" b="0" i="1" smtClean="0">
+                                            <a:latin typeface="Cambria Math" panose="02040503050406030204" pitchFamily="18" charset="0"/>
+                                          </a:rPr>
+                                          <m:t>𝑥</m:t>
+                                        </m:r>
+                                      </m:e>
+                                    </m:acc>
+                                  </m:e>
+                                  <m:sub>
+                                    <m:r>
+                                      <a:rPr lang="en-US" b="0" i="1" smtClean="0">
+                                        <a:latin typeface="Cambria Math" panose="02040503050406030204" pitchFamily="18" charset="0"/>
+                                      </a:rPr>
+                                      <m:t>𝑖</m:t>
+                                    </m:r>
+                                  </m:sub>
+                                </m:sSub>
+                                <m:r>
+                                  <a:rPr lang="en-US" b="0" i="1" smtClean="0">
+                                    <a:latin typeface="Cambria Math" panose="02040503050406030204" pitchFamily="18" charset="0"/>
+                                  </a:rPr>
+                                  <m:t>;</m:t>
+                                </m:r>
+                                <m:r>
+                                  <a:rPr lang="en-US" b="0" i="1" smtClean="0">
+                                    <a:latin typeface="Cambria Math" panose="02040503050406030204" pitchFamily="18" charset="0"/>
+                                    <a:ea typeface="Cambria Math" panose="02040503050406030204" pitchFamily="18" charset="0"/>
+                                  </a:rPr>
+                                  <m:t>𝜃</m:t>
+                                </m:r>
+                              </m:e>
+                            </m:nary>
+                            <m:r>
+                              <a:rPr lang="en-US" b="0" i="1" smtClean="0">
+                                <a:latin typeface="Cambria Math" panose="02040503050406030204" pitchFamily="18" charset="0"/>
+                              </a:rPr>
+                              <m:t>)</m:t>
+                            </m:r>
+                            <m:func>
+                              <m:funcPr>
+                                <m:ctrlPr>
+                                  <a:rPr lang="en-US" b="0" i="1" smtClean="0">
+                                    <a:latin typeface="Cambria Math" panose="02040503050406030204" pitchFamily="18" charset="0"/>
+                                  </a:rPr>
+                                </m:ctrlPr>
+                              </m:funcPr>
+                              <m:fName>
+                                <m:r>
+                                  <m:rPr>
+                                    <m:sty m:val="p"/>
+                                  </m:rPr>
+                                  <a:rPr lang="en-US" b="0" i="0" smtClean="0">
+                                    <a:latin typeface="Cambria Math" panose="02040503050406030204" pitchFamily="18" charset="0"/>
+                                  </a:rPr>
+                                  <m:t>log</m:t>
+                                </m:r>
+                                <m:r>
+                                  <a:rPr lang="en-US" b="0" i="1" smtClean="0">
+                                    <a:latin typeface="Cambria Math" panose="02040503050406030204" pitchFamily="18" charset="0"/>
+                                  </a:rPr>
+                                  <m:t>𝑝</m:t>
+                                </m:r>
+                              </m:fName>
+                              <m:e>
+                                <m:d>
+                                  <m:dPr>
+                                    <m:ctrlPr>
+                                      <a:rPr lang="en-US" b="0" i="1" smtClean="0">
+                                        <a:latin typeface="Cambria Math" panose="02040503050406030204" pitchFamily="18" charset="0"/>
+                                      </a:rPr>
+                                    </m:ctrlPr>
+                                  </m:dPr>
+                                  <m:e>
+                                    <m:sSub>
+                                      <m:sSubPr>
+                                        <m:ctrlPr>
+                                          <a:rPr lang="en-US" b="0" i="1" smtClean="0">
+                                            <a:latin typeface="Cambria Math" panose="02040503050406030204" pitchFamily="18" charset="0"/>
+                                          </a:rPr>
+                                        </m:ctrlPr>
+                                      </m:sSubPr>
+                                      <m:e>
+                                        <m:acc>
+                                          <m:accPr>
+                                            <m:chr m:val="̃"/>
+                                            <m:ctrlPr>
+                                              <a:rPr lang="en-US" b="0" i="1" smtClean="0">
+                                                <a:latin typeface="Cambria Math" panose="02040503050406030204" pitchFamily="18" charset="0"/>
+                                              </a:rPr>
+                                            </m:ctrlPr>
+                                          </m:accPr>
+                                          <m:e>
+                                            <m:r>
+                                              <a:rPr lang="en-US" b="0" i="1" smtClean="0">
+                                                <a:latin typeface="Cambria Math" panose="02040503050406030204" pitchFamily="18" charset="0"/>
+                                              </a:rPr>
+                                              <m:t>𝑥</m:t>
+                                            </m:r>
+                                          </m:e>
+                                        </m:acc>
+                                      </m:e>
+                                      <m:sub>
+                                        <m:r>
+                                          <a:rPr lang="en-US" b="0" i="1" smtClean="0">
+                                            <a:latin typeface="Cambria Math" panose="02040503050406030204" pitchFamily="18" charset="0"/>
+                                          </a:rPr>
+                                          <m:t>𝑖</m:t>
+                                        </m:r>
+                                      </m:sub>
+                                    </m:sSub>
+                                    <m:r>
+                                      <a:rPr lang="en-US" b="0" i="1" smtClean="0">
+                                        <a:latin typeface="Cambria Math" panose="02040503050406030204" pitchFamily="18" charset="0"/>
+                                      </a:rPr>
+                                      <m:t>,</m:t>
+                                    </m:r>
+                                    <m:sSub>
+                                      <m:sSubPr>
+                                        <m:ctrlPr>
+                                          <a:rPr lang="en-US" b="0" i="1" smtClean="0">
+                                            <a:latin typeface="Cambria Math" panose="02040503050406030204" pitchFamily="18" charset="0"/>
+                                          </a:rPr>
+                                        </m:ctrlPr>
+                                      </m:sSubPr>
+                                      <m:e>
+                                        <m:r>
+                                          <a:rPr lang="en-US" b="0" i="1" smtClean="0">
+                                            <a:latin typeface="Cambria Math" panose="02040503050406030204" pitchFamily="18" charset="0"/>
+                                          </a:rPr>
+                                          <m:t>𝑧</m:t>
+                                        </m:r>
+                                      </m:e>
+                                      <m:sub>
+                                        <m:r>
+                                          <a:rPr lang="en-US" b="0" i="1" smtClean="0">
+                                            <a:latin typeface="Cambria Math" panose="02040503050406030204" pitchFamily="18" charset="0"/>
+                                          </a:rPr>
+                                          <m:t>𝑖</m:t>
+                                        </m:r>
+                                      </m:sub>
+                                    </m:sSub>
+                                    <m:r>
+                                      <a:rPr lang="en-US" b="0" i="1" smtClean="0">
+                                        <a:latin typeface="Cambria Math" panose="02040503050406030204" pitchFamily="18" charset="0"/>
+                                      </a:rPr>
+                                      <m:t>,</m:t>
+                                    </m:r>
+                                    <m:sSub>
+                                      <m:sSubPr>
+                                        <m:ctrlPr>
+                                          <a:rPr lang="en-US" b="0" i="1" smtClean="0">
+                                            <a:latin typeface="Cambria Math" panose="02040503050406030204" pitchFamily="18" charset="0"/>
+                                          </a:rPr>
+                                        </m:ctrlPr>
+                                      </m:sSubPr>
+                                      <m:e>
+                                        <m:r>
+                                          <a:rPr lang="en-US" b="0" i="1" smtClean="0">
+                                            <a:latin typeface="Cambria Math" panose="02040503050406030204" pitchFamily="18" charset="0"/>
+                                          </a:rPr>
+                                          <m:t>h</m:t>
+                                        </m:r>
+                                      </m:e>
+                                      <m:sub>
+                                        <m:r>
+                                          <a:rPr lang="en-US" b="0" i="1" smtClean="0">
+                                            <a:latin typeface="Cambria Math" panose="02040503050406030204" pitchFamily="18" charset="0"/>
+                                          </a:rPr>
+                                          <m:t>𝑖</m:t>
+                                        </m:r>
+                                      </m:sub>
+                                    </m:sSub>
+                                    <m:r>
+                                      <a:rPr lang="en-US" b="0" i="1" smtClean="0">
+                                        <a:latin typeface="Cambria Math" panose="02040503050406030204" pitchFamily="18" charset="0"/>
+                                      </a:rPr>
+                                      <m:t>;</m:t>
+                                    </m:r>
+                                    <m:r>
+                                      <a:rPr lang="en-US" b="0" i="1" smtClean="0">
+                                        <a:latin typeface="Cambria Math" panose="02040503050406030204" pitchFamily="18" charset="0"/>
+                                        <a:ea typeface="Cambria Math" panose="02040503050406030204" pitchFamily="18" charset="0"/>
+                                      </a:rPr>
+                                      <m:t>𝜃</m:t>
+                                    </m:r>
+                                  </m:e>
+                                </m:d>
+                              </m:e>
+                            </m:func>
+                            <m:r>
+                              <a:rPr lang="en-US" b="0" i="1" smtClean="0">
+                                <a:latin typeface="Cambria Math" panose="02040503050406030204" pitchFamily="18" charset="0"/>
+                              </a:rPr>
+                              <m:t>𝑑</m:t>
+                            </m:r>
+                            <m:sSub>
+                              <m:sSubPr>
+                                <m:ctrlPr>
+                                  <a:rPr lang="en-US" b="0" i="1" smtClean="0">
+                                    <a:latin typeface="Cambria Math" panose="02040503050406030204" pitchFamily="18" charset="0"/>
+                                  </a:rPr>
+                                </m:ctrlPr>
+                              </m:sSubPr>
+                              <m:e>
+                                <m:r>
+                                  <a:rPr lang="en-US" b="0" i="1" smtClean="0">
+                                    <a:latin typeface="Cambria Math" panose="02040503050406030204" pitchFamily="18" charset="0"/>
+                                  </a:rPr>
+                                  <m:t>𝑧</m:t>
+                                </m:r>
+                              </m:e>
+                              <m:sub>
+                                <m:r>
+                                  <a:rPr lang="en-US" b="0" i="1" smtClean="0">
+                                    <a:latin typeface="Cambria Math" panose="02040503050406030204" pitchFamily="18" charset="0"/>
+                                  </a:rPr>
+                                  <m:t>𝑖</m:t>
+                                </m:r>
+                              </m:sub>
+                            </m:sSub>
+                          </m:e>
+                        </m:nary>
+                        <m:r>
+                          <a:rPr lang="en-US" b="0" i="1" smtClean="0">
+                            <a:latin typeface="Cambria Math" panose="02040503050406030204" pitchFamily="18" charset="0"/>
+                          </a:rPr>
+                          <m:t>)</m:t>
+                        </m:r>
+                      </m:e>
+                    </m:nary>
+                  </m:oMath>
+                </a14:m>
+                <a:endParaRPr lang="en-US" dirty="0"/>
+              </a:p>
+              <a:p>
+                <a14:m>
+                  <m:oMath xmlns:m="http://schemas.openxmlformats.org/officeDocument/2006/math">
+                    <m:r>
+                      <a:rPr lang="en-US" b="0" i="1" smtClean="0">
+                        <a:latin typeface="Cambria Math" panose="02040503050406030204" pitchFamily="18" charset="0"/>
+                      </a:rPr>
+                      <m:t>=</m:t>
+                    </m:r>
+                    <m:r>
+                      <a:rPr lang="en-US" b="0" i="1" smtClean="0">
+                        <a:latin typeface="Cambria Math" panose="02040503050406030204" pitchFamily="18" charset="0"/>
+                      </a:rPr>
+                      <m:t>𝐸</m:t>
+                    </m:r>
+                    <m:sSub>
+                      <m:sSubPr>
+                        <m:ctrlPr>
+                          <a:rPr lang="en-US" b="0" i="1" smtClean="0">
+                            <a:latin typeface="Cambria Math" panose="02040503050406030204" pitchFamily="18" charset="0"/>
+                          </a:rPr>
+                        </m:ctrlPr>
+                      </m:sSubPr>
+                      <m:e>
+                        <m:r>
+                          <a:rPr lang="en-US" b="0" i="1" smtClean="0">
+                            <a:latin typeface="Cambria Math" panose="02040503050406030204" pitchFamily="18" charset="0"/>
+                          </a:rPr>
+                          <m:t>[</m:t>
+                        </m:r>
+                        <m:nary>
+                          <m:naryPr>
+                            <m:chr m:val="∑"/>
+                            <m:limLoc m:val="subSup"/>
+                            <m:ctrlPr>
+                              <a:rPr lang="en-US" b="0" i="1" smtClean="0">
+                                <a:latin typeface="Cambria Math" panose="02040503050406030204" pitchFamily="18" charset="0"/>
+                              </a:rPr>
+                            </m:ctrlPr>
+                          </m:naryPr>
+                          <m:sub>
+                            <m:r>
+                              <m:rPr>
+                                <m:brk m:alnAt="25"/>
+                              </m:rPr>
+                              <a:rPr lang="en-US" b="0" i="1" smtClean="0">
+                                <a:latin typeface="Cambria Math" panose="02040503050406030204" pitchFamily="18" charset="0"/>
+                              </a:rPr>
+                              <m:t>𝑖</m:t>
+                            </m:r>
+                            <m:r>
+                              <a:rPr lang="en-US" b="0" i="1" smtClean="0">
+                                <a:latin typeface="Cambria Math" panose="02040503050406030204" pitchFamily="18" charset="0"/>
+                              </a:rPr>
+                              <m:t>=1</m:t>
+                            </m:r>
+                          </m:sub>
+                          <m:sup>
+                            <m:r>
+                              <a:rPr lang="en-US" b="0" i="1" smtClean="0">
+                                <a:latin typeface="Cambria Math" panose="02040503050406030204" pitchFamily="18" charset="0"/>
+                              </a:rPr>
+                              <m:t>𝑛</m:t>
+                            </m:r>
+                          </m:sup>
+                          <m:e>
+                            <m:r>
+                              <a:rPr lang="en-US" b="0" i="1" smtClean="0">
+                                <a:latin typeface="Cambria Math" panose="02040503050406030204" pitchFamily="18" charset="0"/>
+                              </a:rPr>
+                              <m:t>𝑙𝑜𝑔𝑝</m:t>
+                            </m:r>
+                            <m:r>
+                              <a:rPr lang="en-US" b="0" i="1" smtClean="0">
+                                <a:latin typeface="Cambria Math" panose="02040503050406030204" pitchFamily="18" charset="0"/>
+                              </a:rPr>
+                              <m:t>(</m:t>
+                            </m:r>
+                            <m:sSub>
+                              <m:sSubPr>
+                                <m:ctrlPr>
+                                  <a:rPr lang="en-US" b="0" i="1" smtClean="0">
+                                    <a:latin typeface="Cambria Math" panose="02040503050406030204" pitchFamily="18" charset="0"/>
+                                  </a:rPr>
+                                </m:ctrlPr>
+                              </m:sSubPr>
+                              <m:e>
+                                <m:acc>
+                                  <m:accPr>
+                                    <m:chr m:val="̃"/>
+                                    <m:ctrlPr>
+                                      <a:rPr lang="en-US" b="0" i="1" smtClean="0">
+                                        <a:latin typeface="Cambria Math" panose="02040503050406030204" pitchFamily="18" charset="0"/>
+                                      </a:rPr>
+                                    </m:ctrlPr>
+                                  </m:accPr>
+                                  <m:e>
+                                    <m:r>
+                                      <a:rPr lang="en-US" b="0" i="1" smtClean="0">
+                                        <a:latin typeface="Cambria Math" panose="02040503050406030204" pitchFamily="18" charset="0"/>
+                                      </a:rPr>
+                                      <m:t>𝑥</m:t>
+                                    </m:r>
+                                  </m:e>
+                                </m:acc>
+                              </m:e>
+                              <m:sub>
+                                <m:r>
+                                  <a:rPr lang="en-US" b="0" i="1" smtClean="0">
+                                    <a:latin typeface="Cambria Math" panose="02040503050406030204" pitchFamily="18" charset="0"/>
+                                  </a:rPr>
+                                  <m:t>𝑖</m:t>
+                                </m:r>
+                              </m:sub>
+                            </m:sSub>
+                            <m:r>
+                              <a:rPr lang="en-US" b="0" i="1" smtClean="0">
+                                <a:latin typeface="Cambria Math" panose="02040503050406030204" pitchFamily="18" charset="0"/>
+                              </a:rPr>
+                              <m:t>,</m:t>
+                            </m:r>
+                            <m:sSub>
+                              <m:sSubPr>
+                                <m:ctrlPr>
+                                  <a:rPr lang="en-US" b="0" i="1" smtClean="0">
+                                    <a:latin typeface="Cambria Math" panose="02040503050406030204" pitchFamily="18" charset="0"/>
+                                  </a:rPr>
+                                </m:ctrlPr>
+                              </m:sSubPr>
+                              <m:e>
+                                <m:r>
+                                  <a:rPr lang="en-US" b="0" i="1" smtClean="0">
+                                    <a:latin typeface="Cambria Math" panose="02040503050406030204" pitchFamily="18" charset="0"/>
+                                  </a:rPr>
+                                  <m:t>𝑧</m:t>
+                                </m:r>
+                              </m:e>
+                              <m:sub>
+                                <m:r>
+                                  <a:rPr lang="en-US" b="0" i="1" smtClean="0">
+                                    <a:latin typeface="Cambria Math" panose="02040503050406030204" pitchFamily="18" charset="0"/>
+                                  </a:rPr>
+                                  <m:t>𝑖</m:t>
+                                </m:r>
+                              </m:sub>
+                            </m:sSub>
+                            <m:r>
+                              <a:rPr lang="en-US" b="0" i="1" smtClean="0">
+                                <a:latin typeface="Cambria Math" panose="02040503050406030204" pitchFamily="18" charset="0"/>
+                              </a:rPr>
+                              <m:t>,</m:t>
+                            </m:r>
+                            <m:sSub>
+                              <m:sSubPr>
+                                <m:ctrlPr>
+                                  <a:rPr lang="en-US" b="0" i="1" smtClean="0">
+                                    <a:latin typeface="Cambria Math" panose="02040503050406030204" pitchFamily="18" charset="0"/>
+                                  </a:rPr>
+                                </m:ctrlPr>
+                              </m:sSubPr>
+                              <m:e>
+                                <m:r>
+                                  <a:rPr lang="en-US" b="0" i="1" smtClean="0">
+                                    <a:latin typeface="Cambria Math" panose="02040503050406030204" pitchFamily="18" charset="0"/>
+                                  </a:rPr>
+                                  <m:t>h</m:t>
+                                </m:r>
+                              </m:e>
+                              <m:sub>
+                                <m:r>
+                                  <a:rPr lang="en-US" b="0" i="1" smtClean="0">
+                                    <a:latin typeface="Cambria Math" panose="02040503050406030204" pitchFamily="18" charset="0"/>
+                                  </a:rPr>
+                                  <m:t>𝑖</m:t>
+                                </m:r>
+                              </m:sub>
+                            </m:sSub>
+                            <m:r>
+                              <a:rPr lang="en-US" b="0" i="1" smtClean="0">
+                                <a:latin typeface="Cambria Math" panose="02040503050406030204" pitchFamily="18" charset="0"/>
+                              </a:rPr>
+                              <m:t>;</m:t>
+                            </m:r>
+                            <m:r>
+                              <a:rPr lang="en-US" b="0" i="1" smtClean="0">
+                                <a:latin typeface="Cambria Math" panose="02040503050406030204" pitchFamily="18" charset="0"/>
+                                <a:ea typeface="Cambria Math" panose="02040503050406030204" pitchFamily="18" charset="0"/>
+                              </a:rPr>
+                              <m:t>𝜃</m:t>
+                            </m:r>
+                            <m:r>
+                              <a:rPr lang="en-US" b="0" i="1" smtClean="0">
+                                <a:latin typeface="Cambria Math" panose="02040503050406030204" pitchFamily="18" charset="0"/>
+                              </a:rPr>
+                              <m:t>)</m:t>
+                            </m:r>
+                          </m:e>
+                        </m:nary>
+                        <m:r>
+                          <a:rPr lang="en-US" b="0" i="1" smtClean="0">
+                            <a:latin typeface="Cambria Math" panose="02040503050406030204" pitchFamily="18" charset="0"/>
+                          </a:rPr>
+                          <m:t>]</m:t>
+                        </m:r>
+                      </m:e>
+                      <m:sub>
+                        <m:r>
+                          <a:rPr lang="en-US" b="0" i="1" smtClean="0">
+                            <a:latin typeface="Cambria Math" panose="02040503050406030204" pitchFamily="18" charset="0"/>
+                          </a:rPr>
+                          <m:t>𝑝</m:t>
+                        </m:r>
+                        <m:r>
+                          <a:rPr lang="en-US" b="0" i="1" smtClean="0">
+                            <a:latin typeface="Cambria Math" panose="02040503050406030204" pitchFamily="18" charset="0"/>
+                          </a:rPr>
+                          <m:t>(</m:t>
+                        </m:r>
+                        <m:sSub>
+                          <m:sSubPr>
+                            <m:ctrlPr>
+                              <a:rPr lang="en-US" b="0" i="1" smtClean="0">
+                                <a:latin typeface="Cambria Math" panose="02040503050406030204" pitchFamily="18" charset="0"/>
+                              </a:rPr>
+                            </m:ctrlPr>
+                          </m:sSubPr>
+                          <m:e>
+                            <m:r>
+                              <a:rPr lang="en-US" b="0" i="1" smtClean="0">
+                                <a:latin typeface="Cambria Math" panose="02040503050406030204" pitchFamily="18" charset="0"/>
+                              </a:rPr>
+                              <m:t>𝑧</m:t>
+                            </m:r>
+                          </m:e>
+                          <m:sub>
+                            <m:r>
+                              <a:rPr lang="en-US" b="0" i="1" smtClean="0">
+                                <a:latin typeface="Cambria Math" panose="02040503050406030204" pitchFamily="18" charset="0"/>
+                              </a:rPr>
+                              <m:t>𝑖</m:t>
+                            </m:r>
+                          </m:sub>
+                        </m:sSub>
+                        <m:r>
+                          <a:rPr lang="en-US" b="0" i="1" smtClean="0">
+                            <a:latin typeface="Cambria Math" panose="02040503050406030204" pitchFamily="18" charset="0"/>
+                          </a:rPr>
+                          <m:t>,</m:t>
+                        </m:r>
+                        <m:sSub>
+                          <m:sSubPr>
+                            <m:ctrlPr>
+                              <a:rPr lang="en-US" b="0" i="1" smtClean="0">
+                                <a:latin typeface="Cambria Math" panose="02040503050406030204" pitchFamily="18" charset="0"/>
+                              </a:rPr>
+                            </m:ctrlPr>
+                          </m:sSubPr>
+                          <m:e>
+                            <m:r>
+                              <a:rPr lang="en-US" b="0" i="1" smtClean="0">
+                                <a:latin typeface="Cambria Math" panose="02040503050406030204" pitchFamily="18" charset="0"/>
+                              </a:rPr>
+                              <m:t>h</m:t>
+                            </m:r>
+                          </m:e>
+                          <m:sub>
+                            <m:r>
+                              <a:rPr lang="en-US" b="0" i="1" smtClean="0">
+                                <a:latin typeface="Cambria Math" panose="02040503050406030204" pitchFamily="18" charset="0"/>
+                              </a:rPr>
+                              <m:t>𝑖</m:t>
+                            </m:r>
+                          </m:sub>
+                        </m:sSub>
+                        <m:r>
+                          <a:rPr lang="en-US" b="0" i="1" smtClean="0">
+                            <a:latin typeface="Cambria Math" panose="02040503050406030204" pitchFamily="18" charset="0"/>
+                          </a:rPr>
+                          <m:t>|</m:t>
+                        </m:r>
+                        <m:sSub>
+                          <m:sSubPr>
+                            <m:ctrlPr>
+                              <a:rPr lang="en-US" b="0" i="1" smtClean="0">
+                                <a:latin typeface="Cambria Math" panose="02040503050406030204" pitchFamily="18" charset="0"/>
+                              </a:rPr>
+                            </m:ctrlPr>
+                          </m:sSubPr>
+                          <m:e>
+                            <m:acc>
+                              <m:accPr>
+                                <m:chr m:val="̃"/>
+                                <m:ctrlPr>
+                                  <a:rPr lang="en-US" b="0" i="1" smtClean="0">
+                                    <a:latin typeface="Cambria Math" panose="02040503050406030204" pitchFamily="18" charset="0"/>
+                                  </a:rPr>
+                                </m:ctrlPr>
+                              </m:accPr>
+                              <m:e>
+                                <m:r>
+                                  <a:rPr lang="en-US" b="0" i="1" smtClean="0">
+                                    <a:latin typeface="Cambria Math" panose="02040503050406030204" pitchFamily="18" charset="0"/>
+                                  </a:rPr>
+                                  <m:t>𝑥</m:t>
+                                </m:r>
+                              </m:e>
+                            </m:acc>
+                          </m:e>
+                          <m:sub>
+                            <m:r>
+                              <a:rPr lang="en-US" b="0" i="1" smtClean="0">
+                                <a:latin typeface="Cambria Math" panose="02040503050406030204" pitchFamily="18" charset="0"/>
+                              </a:rPr>
+                              <m:t>𝑖</m:t>
+                            </m:r>
+                          </m:sub>
+                        </m:sSub>
+                        <m:r>
+                          <a:rPr lang="en-US" b="0" i="1" smtClean="0">
+                            <a:latin typeface="Cambria Math" panose="02040503050406030204" pitchFamily="18" charset="0"/>
+                          </a:rPr>
+                          <m:t>;</m:t>
+                        </m:r>
+                        <m:r>
+                          <a:rPr lang="en-US" b="0" i="1" smtClean="0">
+                            <a:latin typeface="Cambria Math" panose="02040503050406030204" pitchFamily="18" charset="0"/>
+                            <a:ea typeface="Cambria Math" panose="02040503050406030204" pitchFamily="18" charset="0"/>
+                          </a:rPr>
+                          <m:t>𝜃</m:t>
+                        </m:r>
+                        <m:r>
+                          <a:rPr lang="en-US" b="0" i="1" smtClean="0">
+                            <a:latin typeface="Cambria Math" panose="02040503050406030204" pitchFamily="18" charset="0"/>
+                          </a:rPr>
+                          <m:t>)</m:t>
+                        </m:r>
+                      </m:sub>
+                    </m:sSub>
+                  </m:oMath>
+                </a14:m>
+                <a:endParaRPr lang="en-US" dirty="0"/>
+              </a:p>
+              <a:p>
+                <a:r>
+                  <a:rPr lang="en-US" dirty="0"/>
+                  <a:t>Here, </a:t>
+                </a:r>
+                <a14:m>
+                  <m:oMath xmlns:m="http://schemas.openxmlformats.org/officeDocument/2006/math">
+                    <m:r>
+                      <a:rPr lang="en-US" i="1">
+                        <a:latin typeface="Cambria Math" panose="02040503050406030204" pitchFamily="18" charset="0"/>
+                      </a:rPr>
+                      <m:t>𝐸</m:t>
+                    </m:r>
+                    <m:sSub>
+                      <m:sSubPr>
+                        <m:ctrlPr>
+                          <a:rPr lang="en-US" i="1">
+                            <a:latin typeface="Cambria Math" panose="02040503050406030204" pitchFamily="18" charset="0"/>
+                          </a:rPr>
+                        </m:ctrlPr>
+                      </m:sSubPr>
+                      <m:e>
+                        <m:r>
+                          <a:rPr lang="en-US" i="1">
+                            <a:latin typeface="Cambria Math" panose="02040503050406030204" pitchFamily="18" charset="0"/>
+                          </a:rPr>
+                          <m:t>[</m:t>
+                        </m:r>
+                        <m:r>
+                          <a:rPr lang="en-US" b="0" i="1" smtClean="0">
+                            <a:latin typeface="Cambria Math" panose="02040503050406030204" pitchFamily="18" charset="0"/>
+                          </a:rPr>
+                          <m:t>.</m:t>
+                        </m:r>
+                        <m:r>
+                          <a:rPr lang="en-US" i="1">
+                            <a:latin typeface="Cambria Math" panose="02040503050406030204" pitchFamily="18" charset="0"/>
+                          </a:rPr>
+                          <m:t>]</m:t>
+                        </m:r>
+                      </m:e>
+                      <m:sub>
+                        <m:r>
+                          <a:rPr lang="en-US" i="1">
+                            <a:latin typeface="Cambria Math" panose="02040503050406030204" pitchFamily="18" charset="0"/>
+                          </a:rPr>
+                          <m:t>𝑝</m:t>
+                        </m:r>
+                        <m:r>
+                          <a:rPr lang="en-US" i="1">
+                            <a:latin typeface="Cambria Math" panose="02040503050406030204" pitchFamily="18" charset="0"/>
+                          </a:rPr>
+                          <m:t>(</m:t>
+                        </m:r>
+                        <m:sSub>
+                          <m:sSubPr>
+                            <m:ctrlPr>
+                              <a:rPr lang="en-US" i="1">
+                                <a:latin typeface="Cambria Math" panose="02040503050406030204" pitchFamily="18" charset="0"/>
+                              </a:rPr>
+                            </m:ctrlPr>
+                          </m:sSubPr>
+                          <m:e>
+                            <m:r>
+                              <a:rPr lang="en-US" i="1">
+                                <a:latin typeface="Cambria Math" panose="02040503050406030204" pitchFamily="18" charset="0"/>
+                              </a:rPr>
+                              <m:t>𝑧</m:t>
+                            </m:r>
+                          </m:e>
+                          <m:sub>
+                            <m:r>
+                              <a:rPr lang="en-US" i="1">
+                                <a:latin typeface="Cambria Math" panose="02040503050406030204" pitchFamily="18" charset="0"/>
+                              </a:rPr>
+                              <m:t>𝑖</m:t>
+                            </m:r>
+                          </m:sub>
+                        </m:sSub>
+                        <m:r>
+                          <a:rPr lang="en-US" i="1">
+                            <a:latin typeface="Cambria Math" panose="02040503050406030204" pitchFamily="18" charset="0"/>
+                          </a:rPr>
+                          <m:t>,</m:t>
+                        </m:r>
+                        <m:sSub>
+                          <m:sSubPr>
+                            <m:ctrlPr>
+                              <a:rPr lang="en-US" i="1">
+                                <a:latin typeface="Cambria Math" panose="02040503050406030204" pitchFamily="18" charset="0"/>
+                              </a:rPr>
+                            </m:ctrlPr>
+                          </m:sSubPr>
+                          <m:e>
+                            <m:r>
+                              <a:rPr lang="en-US" i="1">
+                                <a:latin typeface="Cambria Math" panose="02040503050406030204" pitchFamily="18" charset="0"/>
+                              </a:rPr>
+                              <m:t>h</m:t>
+                            </m:r>
+                          </m:e>
+                          <m:sub>
+                            <m:r>
+                              <a:rPr lang="en-US" i="1">
+                                <a:latin typeface="Cambria Math" panose="02040503050406030204" pitchFamily="18" charset="0"/>
+                              </a:rPr>
+                              <m:t>𝑖</m:t>
+                            </m:r>
+                          </m:sub>
+                        </m:sSub>
+                        <m:r>
+                          <a:rPr lang="en-US" i="1">
+                            <a:latin typeface="Cambria Math" panose="02040503050406030204" pitchFamily="18" charset="0"/>
+                          </a:rPr>
+                          <m:t>|</m:t>
+                        </m:r>
+                        <m:sSub>
+                          <m:sSubPr>
+                            <m:ctrlPr>
+                              <a:rPr lang="en-US" i="1">
+                                <a:latin typeface="Cambria Math" panose="02040503050406030204" pitchFamily="18" charset="0"/>
+                              </a:rPr>
+                            </m:ctrlPr>
+                          </m:sSubPr>
+                          <m:e>
+                            <m:acc>
+                              <m:accPr>
+                                <m:chr m:val="̃"/>
+                                <m:ctrlPr>
+                                  <a:rPr lang="en-US" i="1">
+                                    <a:latin typeface="Cambria Math" panose="02040503050406030204" pitchFamily="18" charset="0"/>
+                                  </a:rPr>
+                                </m:ctrlPr>
+                              </m:accPr>
+                              <m:e>
+                                <m:r>
+                                  <a:rPr lang="en-US" i="1">
+                                    <a:latin typeface="Cambria Math" panose="02040503050406030204" pitchFamily="18" charset="0"/>
+                                  </a:rPr>
+                                  <m:t>𝑥</m:t>
+                                </m:r>
+                              </m:e>
+                            </m:acc>
+                          </m:e>
+                          <m:sub>
+                            <m:r>
+                              <a:rPr lang="en-US" i="1">
+                                <a:latin typeface="Cambria Math" panose="02040503050406030204" pitchFamily="18" charset="0"/>
+                              </a:rPr>
+                              <m:t>𝑖</m:t>
+                            </m:r>
+                          </m:sub>
+                        </m:sSub>
+                        <m:r>
+                          <a:rPr lang="en-US" i="1">
+                            <a:latin typeface="Cambria Math" panose="02040503050406030204" pitchFamily="18" charset="0"/>
+                          </a:rPr>
+                          <m:t>;</m:t>
+                        </m:r>
+                        <m:r>
+                          <a:rPr lang="en-US" i="1">
+                            <a:latin typeface="Cambria Math" panose="02040503050406030204" pitchFamily="18" charset="0"/>
+                            <a:ea typeface="Cambria Math" panose="02040503050406030204" pitchFamily="18" charset="0"/>
+                          </a:rPr>
+                          <m:t>𝜃</m:t>
+                        </m:r>
+                        <m:r>
+                          <a:rPr lang="en-US" i="1">
+                            <a:latin typeface="Cambria Math" panose="02040503050406030204" pitchFamily="18" charset="0"/>
+                          </a:rPr>
+                          <m:t>)</m:t>
+                        </m:r>
+                      </m:sub>
+                    </m:sSub>
+                  </m:oMath>
+                </a14:m>
+                <a:r>
+                  <a:rPr lang="en-US" dirty="0"/>
+                  <a:t> means expectation is performed under the posterior distribution over hidden variables: </a:t>
+                </a:r>
+                <a14:m>
+                  <m:oMath xmlns:m="http://schemas.openxmlformats.org/officeDocument/2006/math">
+                    <m:r>
+                      <a:rPr lang="en-US" i="1">
+                        <a:latin typeface="Cambria Math" panose="02040503050406030204" pitchFamily="18" charset="0"/>
+                      </a:rPr>
+                      <m:t>𝑝</m:t>
+                    </m:r>
+                    <m:r>
+                      <a:rPr lang="en-US" i="1">
+                        <a:latin typeface="Cambria Math" panose="02040503050406030204" pitchFamily="18" charset="0"/>
+                      </a:rPr>
+                      <m:t>(</m:t>
+                    </m:r>
+                    <m:sSub>
+                      <m:sSubPr>
+                        <m:ctrlPr>
+                          <a:rPr lang="en-US" i="1">
+                            <a:latin typeface="Cambria Math" panose="02040503050406030204" pitchFamily="18" charset="0"/>
+                          </a:rPr>
+                        </m:ctrlPr>
+                      </m:sSubPr>
+                      <m:e>
+                        <m:r>
+                          <a:rPr lang="en-US" i="1">
+                            <a:latin typeface="Cambria Math" panose="02040503050406030204" pitchFamily="18" charset="0"/>
+                          </a:rPr>
+                          <m:t>𝑧</m:t>
+                        </m:r>
+                      </m:e>
+                      <m:sub>
+                        <m:r>
+                          <a:rPr lang="en-US" i="1">
+                            <a:latin typeface="Cambria Math" panose="02040503050406030204" pitchFamily="18" charset="0"/>
+                          </a:rPr>
+                          <m:t>𝑖</m:t>
+                        </m:r>
+                      </m:sub>
+                    </m:sSub>
+                    <m:r>
+                      <a:rPr lang="en-US" i="1">
+                        <a:latin typeface="Cambria Math" panose="02040503050406030204" pitchFamily="18" charset="0"/>
+                      </a:rPr>
+                      <m:t>,</m:t>
+                    </m:r>
+                    <m:sSub>
+                      <m:sSubPr>
+                        <m:ctrlPr>
+                          <a:rPr lang="en-US" i="1">
+                            <a:latin typeface="Cambria Math" panose="02040503050406030204" pitchFamily="18" charset="0"/>
+                          </a:rPr>
+                        </m:ctrlPr>
+                      </m:sSubPr>
+                      <m:e>
+                        <m:r>
+                          <a:rPr lang="en-US" i="1">
+                            <a:latin typeface="Cambria Math" panose="02040503050406030204" pitchFamily="18" charset="0"/>
+                          </a:rPr>
+                          <m:t>h</m:t>
+                        </m:r>
+                      </m:e>
+                      <m:sub>
+                        <m:r>
+                          <a:rPr lang="en-US" i="1">
+                            <a:latin typeface="Cambria Math" panose="02040503050406030204" pitchFamily="18" charset="0"/>
+                          </a:rPr>
+                          <m:t>𝑖</m:t>
+                        </m:r>
+                      </m:sub>
+                    </m:sSub>
+                    <m:r>
+                      <a:rPr lang="en-US" i="1">
+                        <a:latin typeface="Cambria Math" panose="02040503050406030204" pitchFamily="18" charset="0"/>
+                      </a:rPr>
+                      <m:t>|</m:t>
+                    </m:r>
+                    <m:sSub>
+                      <m:sSubPr>
+                        <m:ctrlPr>
+                          <a:rPr lang="en-US" i="1">
+                            <a:latin typeface="Cambria Math" panose="02040503050406030204" pitchFamily="18" charset="0"/>
+                          </a:rPr>
+                        </m:ctrlPr>
+                      </m:sSubPr>
+                      <m:e>
+                        <m:acc>
+                          <m:accPr>
+                            <m:chr m:val="̃"/>
+                            <m:ctrlPr>
+                              <a:rPr lang="en-US" i="1">
+                                <a:latin typeface="Cambria Math" panose="02040503050406030204" pitchFamily="18" charset="0"/>
+                              </a:rPr>
+                            </m:ctrlPr>
+                          </m:accPr>
+                          <m:e>
+                            <m:r>
+                              <a:rPr lang="en-US" i="1">
+                                <a:latin typeface="Cambria Math" panose="02040503050406030204" pitchFamily="18" charset="0"/>
+                              </a:rPr>
+                              <m:t>𝑥</m:t>
+                            </m:r>
+                          </m:e>
+                        </m:acc>
+                      </m:e>
+                      <m:sub>
+                        <m:r>
+                          <a:rPr lang="en-US" i="1">
+                            <a:latin typeface="Cambria Math" panose="02040503050406030204" pitchFamily="18" charset="0"/>
+                          </a:rPr>
+                          <m:t>𝑖</m:t>
+                        </m:r>
+                      </m:sub>
+                    </m:sSub>
+                    <m:r>
+                      <a:rPr lang="en-US" i="1">
+                        <a:latin typeface="Cambria Math" panose="02040503050406030204" pitchFamily="18" charset="0"/>
+                      </a:rPr>
+                      <m:t>;</m:t>
+                    </m:r>
+                    <m:r>
+                      <a:rPr lang="en-US" i="1">
+                        <a:latin typeface="Cambria Math" panose="02040503050406030204" pitchFamily="18" charset="0"/>
+                        <a:ea typeface="Cambria Math" panose="02040503050406030204" pitchFamily="18" charset="0"/>
+                      </a:rPr>
+                      <m:t>𝜃</m:t>
+                    </m:r>
+                    <m:r>
+                      <a:rPr lang="en-US" i="1">
+                        <a:latin typeface="Cambria Math" panose="02040503050406030204" pitchFamily="18" charset="0"/>
+                      </a:rPr>
+                      <m:t>)</m:t>
+                    </m:r>
+                  </m:oMath>
+                </a14:m>
+                <a:endParaRPr lang="en-US" dirty="0"/>
+              </a:p>
+            </p:txBody>
+          </p:sp>
+        </mc:Choice>
+        <mc:Fallback>
+          <p:sp>
+            <p:nvSpPr>
+              <p:cNvPr id="3" name="Content Placeholder 2">
+                <a:extLst>
+                  <a:ext uri="{FF2B5EF4-FFF2-40B4-BE49-F238E27FC236}">
+                    <a16:creationId xmlns:a16="http://schemas.microsoft.com/office/drawing/2014/main" id="{B0A39F28-4F26-4D74-86B8-189AD7996564}"/>
+                  </a:ext>
+                </a:extLst>
+              </p:cNvPr>
+              <p:cNvSpPr>
+                <a:spLocks noGrp="1" noRot="1" noChangeAspect="1" noMove="1" noResize="1" noEditPoints="1" noAdjustHandles="1" noChangeArrowheads="1" noChangeShapeType="1" noTextEdit="1"/>
+              </p:cNvSpPr>
+              <p:nvPr>
+                <p:ph idx="1"/>
+              </p:nvPr>
+            </p:nvSpPr>
+            <p:spPr>
+              <a:xfrm>
+                <a:off x="0" y="934947"/>
+                <a:ext cx="12192000" cy="5904797"/>
+              </a:xfrm>
+              <a:blipFill>
+                <a:blip r:embed="rId2"/>
+                <a:stretch>
+                  <a:fillRect l="-900" t="-1651"/>
+                </a:stretch>
+              </a:blipFill>
+            </p:spPr>
+            <p:txBody>
+              <a:bodyPr/>
+              <a:lstStyle/>
+              <a:p>
+                <a:r>
+                  <a:rPr lang="en-US">
+                    <a:noFill/>
+                  </a:rPr>
+                  <a:t> </a:t>
+                </a:r>
+              </a:p>
+            </p:txBody>
+          </p:sp>
+        </mc:Fallback>
+      </mc:AlternateContent>
+    </p:spTree>
+    <p:extLst>
+      <p:ext uri="{BB962C8B-B14F-4D97-AF65-F5344CB8AC3E}">
+        <p14:creationId xmlns:p14="http://schemas.microsoft.com/office/powerpoint/2010/main" val="648977590"/>
+      </p:ext>
+    </p:extLst>
+  </p:cSld>
+  <p:clrMapOvr>
+    <a:masterClrMapping/>
+  </p:clrMapOvr>
+  <p:timing>
+    <p:tnLst>
+      <p:par>
+        <p:cTn id="1" dur="indefinite" restart="never" nodeType="tmRoot">
+          <p:childTnLst>
+            <p:seq concurrent="1" nextAc="seek">
+              <p:cTn id="2" dur="indefinite" nodeType="mainSeq">
+                <p:childTnLst>
+                  <p:par>
+                    <p:cTn id="3" fill="hold">
+                      <p:stCondLst>
+                        <p:cond delay="indefinite"/>
+                      </p:stCondLst>
+                      <p:childTnLst>
+                        <p:par>
+                          <p:cTn id="4" fill="hold">
+                            <p:stCondLst>
+                              <p:cond delay="0"/>
+                            </p:stCondLst>
+                            <p:childTnLst>
+                              <p:par>
+                                <p:cTn id="5" presetID="1" presetClass="entr" presetSubtype="0" fill="hold" grpId="0" nodeType="clickEffect">
+                                  <p:stCondLst>
+                                    <p:cond delay="0"/>
+                                  </p:stCondLst>
+                                  <p:childTnLst>
+                                    <p:set>
+                                      <p:cBhvr>
+                                        <p:cTn id="6" dur="1" fill="hold">
+                                          <p:stCondLst>
+                                            <p:cond delay="0"/>
+                                          </p:stCondLst>
+                                        </p:cTn>
+                                        <p:tgtEl>
+                                          <p:spTgt spid="3">
+                                            <p:txEl>
+                                              <p:pRg st="0" end="0"/>
+                                            </p:txEl>
+                                          </p:spTgt>
+                                        </p:tgtEl>
+                                        <p:attrNameLst>
+                                          <p:attrName>style.visibility</p:attrName>
+                                        </p:attrNameLst>
+                                      </p:cBhvr>
+                                      <p:to>
+                                        <p:strVal val="visible"/>
+                                      </p:to>
+                                    </p:set>
+                                  </p:childTnLst>
+                                </p:cTn>
+                              </p:par>
+                            </p:childTnLst>
+                          </p:cTn>
+                        </p:par>
+                      </p:childTnLst>
+                    </p:cTn>
+                  </p:par>
+                  <p:par>
+                    <p:cTn id="7" fill="hold">
+                      <p:stCondLst>
+                        <p:cond delay="indefinite"/>
+                      </p:stCondLst>
+                      <p:childTnLst>
+                        <p:par>
+                          <p:cTn id="8" fill="hold">
+                            <p:stCondLst>
+                              <p:cond delay="0"/>
+                            </p:stCondLst>
+                            <p:childTnLst>
+                              <p:par>
+                                <p:cTn id="9" presetID="1" presetClass="entr" presetSubtype="0" fill="hold" grpId="0" nodeType="clickEffect">
+                                  <p:stCondLst>
+                                    <p:cond delay="0"/>
+                                  </p:stCondLst>
+                                  <p:childTnLst>
+                                    <p:set>
+                                      <p:cBhvr>
+                                        <p:cTn id="10" dur="1" fill="hold">
+                                          <p:stCondLst>
+                                            <p:cond delay="0"/>
+                                          </p:stCondLst>
+                                        </p:cTn>
+                                        <p:tgtEl>
+                                          <p:spTgt spid="3">
+                                            <p:txEl>
+                                              <p:pRg st="1" end="1"/>
+                                            </p:txEl>
+                                          </p:spTgt>
+                                        </p:tgtEl>
+                                        <p:attrNameLst>
+                                          <p:attrName>style.visibility</p:attrName>
+                                        </p:attrNameLst>
+                                      </p:cBhvr>
+                                      <p:to>
+                                        <p:strVal val="visible"/>
+                                      </p:to>
+                                    </p:set>
+                                  </p:childTnLst>
+                                </p:cTn>
+                              </p:par>
+                            </p:childTnLst>
+                          </p:cTn>
+                        </p:par>
+                      </p:childTnLst>
+                    </p:cTn>
+                  </p:par>
+                  <p:par>
+                    <p:cTn id="11" fill="hold">
+                      <p:stCondLst>
+                        <p:cond delay="indefinite"/>
+                      </p:stCondLst>
+                      <p:childTnLst>
+                        <p:par>
+                          <p:cTn id="12" fill="hold">
+                            <p:stCondLst>
+                              <p:cond delay="0"/>
+                            </p:stCondLst>
+                            <p:childTnLst>
+                              <p:par>
+                                <p:cTn id="13" presetID="1" presetClass="entr" presetSubtype="0" fill="hold" grpId="0" nodeType="clickEffect">
+                                  <p:stCondLst>
+                                    <p:cond delay="0"/>
+                                  </p:stCondLst>
+                                  <p:childTnLst>
+                                    <p:set>
+                                      <p:cBhvr>
+                                        <p:cTn id="14" dur="1" fill="hold">
+                                          <p:stCondLst>
+                                            <p:cond delay="0"/>
+                                          </p:stCondLst>
+                                        </p:cTn>
+                                        <p:tgtEl>
+                                          <p:spTgt spid="3">
+                                            <p:txEl>
+                                              <p:pRg st="2" end="2"/>
+                                            </p:txEl>
+                                          </p:spTgt>
+                                        </p:tgtEl>
+                                        <p:attrNameLst>
+                                          <p:attrName>style.visibility</p:attrName>
+                                        </p:attrNameLst>
+                                      </p:cBhvr>
+                                      <p:to>
+                                        <p:strVal val="visible"/>
+                                      </p:to>
+                                    </p:set>
+                                  </p:childTnLst>
+                                </p:cTn>
+                              </p:par>
+                            </p:childTnLst>
+                          </p:cTn>
+                        </p:par>
+                      </p:childTnLst>
+                    </p:cTn>
+                  </p:par>
+                  <p:par>
+                    <p:cTn id="15" fill="hold">
+                      <p:stCondLst>
+                        <p:cond delay="indefinite"/>
+                      </p:stCondLst>
+                      <p:childTnLst>
+                        <p:par>
+                          <p:cTn id="16" fill="hold">
+                            <p:stCondLst>
+                              <p:cond delay="0"/>
+                            </p:stCondLst>
+                            <p:childTnLst>
+                              <p:par>
+                                <p:cTn id="17" presetID="1" presetClass="entr" presetSubtype="0" fill="hold" grpId="0" nodeType="clickEffect">
+                                  <p:stCondLst>
+                                    <p:cond delay="0"/>
+                                  </p:stCondLst>
+                                  <p:childTnLst>
+                                    <p:set>
+                                      <p:cBhvr>
+                                        <p:cTn id="18" dur="1" fill="hold">
+                                          <p:stCondLst>
+                                            <p:cond delay="0"/>
+                                          </p:stCondLst>
+                                        </p:cTn>
+                                        <p:tgtEl>
+                                          <p:spTgt spid="3">
+                                            <p:txEl>
+                                              <p:pRg st="3" end="3"/>
+                                            </p:txEl>
+                                          </p:spTgt>
+                                        </p:tgtEl>
+                                        <p:attrNameLst>
+                                          <p:attrName>style.visibility</p:attrName>
+                                        </p:attrNameLst>
+                                      </p:cBhvr>
+                                      <p:to>
+                                        <p:strVal val="visible"/>
+                                      </p:to>
+                                    </p:set>
+                                  </p:childTnLst>
+                                </p:cTn>
+                              </p:par>
+                            </p:childTnLst>
+                          </p:cTn>
+                        </p:par>
+                      </p:childTnLst>
+                    </p:cTn>
+                  </p:par>
+                  <p:par>
+                    <p:cTn id="19" fill="hold">
+                      <p:stCondLst>
+                        <p:cond delay="indefinite"/>
+                      </p:stCondLst>
+                      <p:childTnLst>
+                        <p:par>
+                          <p:cTn id="20" fill="hold">
+                            <p:stCondLst>
+                              <p:cond delay="0"/>
+                            </p:stCondLst>
+                            <p:childTnLst>
+                              <p:par>
+                                <p:cTn id="21" presetID="1" presetClass="entr" presetSubtype="0" fill="hold" grpId="0" nodeType="clickEffect">
+                                  <p:stCondLst>
+                                    <p:cond delay="0"/>
+                                  </p:stCondLst>
+                                  <p:childTnLst>
+                                    <p:set>
+                                      <p:cBhvr>
+                                        <p:cTn id="22" dur="1" fill="hold">
+                                          <p:stCondLst>
+                                            <p:cond delay="0"/>
+                                          </p:stCondLst>
+                                        </p:cTn>
+                                        <p:tgtEl>
+                                          <p:spTgt spid="3">
+                                            <p:txEl>
+                                              <p:pRg st="4" end="4"/>
+                                            </p:txEl>
+                                          </p:spTgt>
+                                        </p:tgtEl>
+                                        <p:attrNameLst>
+                                          <p:attrName>style.visibility</p:attrName>
+                                        </p:attrNameLst>
+                                      </p:cBhvr>
+                                      <p:to>
+                                        <p:strVal val="visible"/>
+                                      </p:to>
+                                    </p:set>
+                                  </p:childTnLst>
+                                </p:cTn>
+                              </p:par>
+                            </p:childTnLst>
+                          </p:cTn>
+                        </p:par>
+                      </p:childTnLst>
+                    </p:cTn>
+                  </p:par>
+                  <p:par>
+                    <p:cTn id="23" fill="hold">
+                      <p:stCondLst>
+                        <p:cond delay="indefinite"/>
+                      </p:stCondLst>
+                      <p:childTnLst>
+                        <p:par>
+                          <p:cTn id="24" fill="hold">
+                            <p:stCondLst>
+                              <p:cond delay="0"/>
+                            </p:stCondLst>
+                            <p:childTnLst>
+                              <p:par>
+                                <p:cTn id="25" presetID="1" presetClass="entr" presetSubtype="0" fill="hold" grpId="0" nodeType="clickEffect">
+                                  <p:stCondLst>
+                                    <p:cond delay="0"/>
+                                  </p:stCondLst>
+                                  <p:childTnLst>
+                                    <p:set>
+                                      <p:cBhvr>
+                                        <p:cTn id="26" dur="1" fill="hold">
+                                          <p:stCondLst>
+                                            <p:cond delay="0"/>
+                                          </p:stCondLst>
+                                        </p:cTn>
+                                        <p:tgtEl>
+                                          <p:spTgt spid="3">
+                                            <p:txEl>
+                                              <p:pRg st="5" end="5"/>
+                                            </p:txEl>
+                                          </p:spTgt>
+                                        </p:tgtEl>
+                                        <p:attrNameLst>
+                                          <p:attrName>style.visibility</p:attrName>
+                                        </p:attrNameLst>
+                                      </p:cBhvr>
+                                      <p:to>
+                                        <p:strVal val="visible"/>
+                                      </p:to>
+                                    </p:set>
+                                  </p:childTnLst>
+                                </p:cTn>
+                              </p:par>
+                            </p:childTnLst>
+                          </p:cTn>
+                        </p:par>
+                      </p:childTnLst>
+                    </p:cTn>
+                  </p:par>
+                  <p:par>
+                    <p:cTn id="27" fill="hold">
+                      <p:stCondLst>
+                        <p:cond delay="indefinite"/>
+                      </p:stCondLst>
+                      <p:childTnLst>
+                        <p:par>
+                          <p:cTn id="28" fill="hold">
+                            <p:stCondLst>
+                              <p:cond delay="0"/>
+                            </p:stCondLst>
+                            <p:childTnLst>
+                              <p:par>
+                                <p:cTn id="29" presetID="1" presetClass="entr" presetSubtype="0" fill="hold" grpId="0" nodeType="clickEffect">
+                                  <p:stCondLst>
+                                    <p:cond delay="0"/>
+                                  </p:stCondLst>
+                                  <p:childTnLst>
+                                    <p:set>
+                                      <p:cBhvr>
+                                        <p:cTn id="30" dur="1" fill="hold">
+                                          <p:stCondLst>
+                                            <p:cond delay="0"/>
+                                          </p:stCondLst>
+                                        </p:cTn>
+                                        <p:tgtEl>
+                                          <p:spTgt spid="3">
+                                            <p:txEl>
+                                              <p:pRg st="6" end="6"/>
+                                            </p:txEl>
+                                          </p:spTgt>
+                                        </p:tgtEl>
+                                        <p:attrNameLst>
+                                          <p:attrName>style.visibility</p:attrName>
+                                        </p:attrNameLst>
+                                      </p:cBhvr>
+                                      <p:to>
+                                        <p:strVal val="visible"/>
+                                      </p:to>
+                                    </p:set>
+                                  </p:childTnLst>
+                                </p:cTn>
+                              </p:par>
+                            </p:childTnLst>
+                          </p:cTn>
+                        </p:par>
+                      </p:childTnLst>
+                    </p:cTn>
+                  </p:par>
+                  <p:par>
+                    <p:cTn id="31" fill="hold">
+                      <p:stCondLst>
+                        <p:cond delay="indefinite"/>
+                      </p:stCondLst>
+                      <p:childTnLst>
+                        <p:par>
+                          <p:cTn id="32" fill="hold">
+                            <p:stCondLst>
+                              <p:cond delay="0"/>
+                            </p:stCondLst>
+                            <p:childTnLst>
+                              <p:par>
+                                <p:cTn id="33" presetID="1" presetClass="entr" presetSubtype="0" fill="hold" grpId="0" nodeType="clickEffect">
+                                  <p:stCondLst>
+                                    <p:cond delay="0"/>
+                                  </p:stCondLst>
+                                  <p:childTnLst>
+                                    <p:set>
+                                      <p:cBhvr>
+                                        <p:cTn id="34" dur="1" fill="hold">
+                                          <p:stCondLst>
+                                            <p:cond delay="0"/>
+                                          </p:stCondLst>
+                                        </p:cTn>
+                                        <p:tgtEl>
+                                          <p:spTgt spid="3">
+                                            <p:txEl>
+                                              <p:pRg st="7" end="7"/>
+                                            </p:txEl>
+                                          </p:spTgt>
+                                        </p:tgtEl>
+                                        <p:attrNameLst>
+                                          <p:attrName>style.visibility</p:attrName>
+                                        </p:attrNameLst>
+                                      </p:cBhvr>
+                                      <p:to>
+                                        <p:strVal val="visible"/>
+                                      </p:to>
+                                    </p:set>
+                                  </p:childTnLst>
+                                </p:cTn>
+                              </p:par>
+                            </p:childTnLst>
+                          </p:cTn>
+                        </p:par>
+                      </p:childTnLst>
+                    </p:cTn>
+                  </p:par>
+                  <p:par>
+                    <p:cTn id="35" fill="hold">
+                      <p:stCondLst>
+                        <p:cond delay="indefinite"/>
+                      </p:stCondLst>
+                      <p:childTnLst>
+                        <p:par>
+                          <p:cTn id="36" fill="hold">
+                            <p:stCondLst>
+                              <p:cond delay="0"/>
+                            </p:stCondLst>
+                            <p:childTnLst>
+                              <p:par>
+                                <p:cTn id="37" presetID="1" presetClass="entr" presetSubtype="0" fill="hold" grpId="0" nodeType="clickEffect">
+                                  <p:stCondLst>
+                                    <p:cond delay="0"/>
+                                  </p:stCondLst>
+                                  <p:childTnLst>
+                                    <p:set>
+                                      <p:cBhvr>
+                                        <p:cTn id="38" dur="1" fill="hold">
+                                          <p:stCondLst>
+                                            <p:cond delay="0"/>
+                                          </p:stCondLst>
+                                        </p:cTn>
+                                        <p:tgtEl>
+                                          <p:spTgt spid="3">
+                                            <p:txEl>
+                                              <p:pRg st="8" end="8"/>
+                                            </p:txEl>
+                                          </p:spTgt>
+                                        </p:tgtEl>
+                                        <p:attrNameLst>
+                                          <p:attrName>style.visibility</p:attrName>
+                                        </p:attrNameLst>
+                                      </p:cBhvr>
+                                      <p:to>
+                                        <p:strVal val="visible"/>
+                                      </p:to>
+                                    </p:set>
+                                  </p:childTnLst>
+                                </p:cTn>
+                              </p:par>
+                            </p:childTnLst>
+                          </p:cTn>
+                        </p:par>
+                      </p:childTnLst>
+                    </p:cTn>
+                  </p:par>
+                  <p:par>
+                    <p:cTn id="39" fill="hold">
+                      <p:stCondLst>
+                        <p:cond delay="indefinite"/>
+                      </p:stCondLst>
+                      <p:childTnLst>
+                        <p:par>
+                          <p:cTn id="40" fill="hold">
+                            <p:stCondLst>
+                              <p:cond delay="0"/>
+                            </p:stCondLst>
+                            <p:childTnLst>
+                              <p:par>
+                                <p:cTn id="41" presetID="1" presetClass="entr" presetSubtype="0" fill="hold" grpId="0" nodeType="clickEffect">
+                                  <p:stCondLst>
+                                    <p:cond delay="0"/>
+                                  </p:stCondLst>
+                                  <p:childTnLst>
+                                    <p:set>
+                                      <p:cBhvr>
+                                        <p:cTn id="42" dur="1" fill="hold">
+                                          <p:stCondLst>
+                                            <p:cond delay="0"/>
+                                          </p:stCondLst>
+                                        </p:cTn>
+                                        <p:tgtEl>
+                                          <p:spTgt spid="3">
+                                            <p:txEl>
+                                              <p:pRg st="9" end="9"/>
+                                            </p:txEl>
+                                          </p:spTgt>
+                                        </p:tgtEl>
+                                        <p:attrNameLst>
+                                          <p:attrName>style.visibility</p:attrName>
+                                        </p:attrNameLst>
+                                      </p:cBhvr>
+                                      <p:to>
+                                        <p:strVal val="visible"/>
+                                      </p:to>
+                                    </p:set>
+                                  </p:childTnLst>
+                                </p:cTn>
+                              </p:par>
+                            </p:childTnLst>
+                          </p:cTn>
+                        </p:par>
+                      </p:childTnLst>
+                    </p:cTn>
+                  </p:par>
+                </p:childTnLst>
+              </p:cTn>
+              <p:prevCondLst>
+                <p:cond evt="onPrev" delay="0">
+                  <p:tgtEl>
+                    <p:sldTgt/>
+                  </p:tgtEl>
+                </p:cond>
+              </p:prevCondLst>
+              <p:nextCondLst>
+                <p:cond evt="onNext" delay="0">
+                  <p:tgtEl>
+                    <p:sldTgt/>
+                  </p:tgtEl>
+                </p:cond>
+              </p:nextCondLst>
+            </p:seq>
+          </p:childTnLst>
+        </p:cTn>
+      </p:par>
+    </p:tnLst>
+    <p:bldLst>
+      <p:bldP spid="3" grpId="0" build="p"/>
+    </p:bldLst>
+  </p:timing>
+</p:sld>
+</file>
+
+<file path=ppt/slides/slide13.xml><?xml version="1.0" encoding="utf-8"?>
+<p:sld xmlns:a="http://schemas.openxmlformats.org/drawingml/2006/main" xmlns:r="http://schemas.openxmlformats.org/officeDocument/2006/relationships" xmlns:p="http://schemas.openxmlformats.org/presentationml/2006/main">
+  <p:cSld>
+    <p:spTree>
+      <p:nvGrpSpPr>
+        <p:cNvPr id="1" name=""/>
+        <p:cNvGrpSpPr/>
+        <p:nvPr/>
+      </p:nvGrpSpPr>
+      <p:grpSpPr>
+        <a:xfrm>
+          <a:off x="0" y="0"/>
+          <a:ext cx="0" cy="0"/>
+          <a:chOff x="0" y="0"/>
+          <a:chExt cx="0" cy="0"/>
+        </a:xfrm>
+      </p:grpSpPr>
+      <p:sp>
+        <p:nvSpPr>
+          <p:cNvPr id="2" name="Title 1">
+            <a:extLst>
+              <a:ext uri="{FF2B5EF4-FFF2-40B4-BE49-F238E27FC236}">
+                <a16:creationId xmlns:a16="http://schemas.microsoft.com/office/drawing/2014/main" id="{C58FDB14-83CD-4400-8BFB-C6686055B5EB}"/>
+              </a:ext>
+            </a:extLst>
+          </p:cNvPr>
+          <p:cNvSpPr>
+            <a:spLocks noGrp="1"/>
+          </p:cNvSpPr>
+          <p:nvPr>
+            <p:ph type="title"/>
+          </p:nvPr>
+        </p:nvSpPr>
+        <p:spPr>
+          <a:xfrm>
+            <a:off x="0" y="18255"/>
+            <a:ext cx="12192000" cy="916693"/>
+          </a:xfrm>
+        </p:spPr>
+        <p:txBody>
+          <a:bodyPr/>
+          <a:lstStyle/>
+          <a:p>
+            <a:r>
+              <a:rPr lang="en-US" dirty="0"/>
+              <a:t>Expected log-likelihoods and expected gradients</a:t>
+            </a:r>
+          </a:p>
+        </p:txBody>
+      </p:sp>
+      <mc:AlternateContent xmlns:mc="http://schemas.openxmlformats.org/markup-compatibility/2006">
+        <mc:Choice xmlns:a14="http://schemas.microsoft.com/office/drawing/2010/main" Requires="a14">
+          <p:sp>
+            <p:nvSpPr>
+              <p:cNvPr id="3" name="Content Placeholder 2">
+                <a:extLst>
+                  <a:ext uri="{FF2B5EF4-FFF2-40B4-BE49-F238E27FC236}">
+                    <a16:creationId xmlns:a16="http://schemas.microsoft.com/office/drawing/2014/main" id="{B0A39F28-4F26-4D74-86B8-189AD7996564}"/>
+                  </a:ext>
+                </a:extLst>
+              </p:cNvPr>
+              <p:cNvSpPr>
+                <a:spLocks noGrp="1"/>
+              </p:cNvSpPr>
+              <p:nvPr>
+                <p:ph idx="1"/>
+              </p:nvPr>
+            </p:nvSpPr>
+            <p:spPr>
+              <a:xfrm>
+                <a:off x="0" y="934947"/>
+                <a:ext cx="12192000" cy="5904797"/>
+              </a:xfrm>
+            </p:spPr>
+            <p:txBody>
+              <a:bodyPr/>
+              <a:lstStyle/>
+              <a:p>
+                <a:r>
+                  <a:rPr lang="en-US" dirty="0"/>
                   <a:t>Close relationship between log marginal likelihood and expected log-likelihood:</a:t>
                 </a:r>
               </a:p>
@@ -7651,7 +8093,58 @@
                 </a:r>
                 <a:r>
                   <a:rPr lang="en-US" dirty="0"/>
-                  <a:t>of log marginal likelihood:</a:t>
+                  <a:t>of log marginal likelihood: (using single instance </a:t>
+                </a:r>
+                <a14:m>
+                  <m:oMath xmlns:m="http://schemas.openxmlformats.org/officeDocument/2006/math">
+                    <m:sSub>
+                      <m:sSubPr>
+                        <m:ctrlPr>
+                          <a:rPr lang="en-US" i="1">
+                            <a:latin typeface="Cambria Math" panose="02040503050406030204" pitchFamily="18" charset="0"/>
+                          </a:rPr>
+                        </m:ctrlPr>
+                      </m:sSubPr>
+                      <m:e>
+                        <m:acc>
+                          <m:accPr>
+                            <m:chr m:val="̃"/>
+                            <m:ctrlPr>
+                              <a:rPr lang="en-US" i="1">
+                                <a:latin typeface="Cambria Math" panose="02040503050406030204" pitchFamily="18" charset="0"/>
+                              </a:rPr>
+                            </m:ctrlPr>
+                          </m:accPr>
+                          <m:e>
+                            <m:r>
+                              <a:rPr lang="en-US" i="1">
+                                <a:latin typeface="Cambria Math" panose="02040503050406030204" pitchFamily="18" charset="0"/>
+                              </a:rPr>
+                              <m:t>𝑥</m:t>
+                            </m:r>
+                          </m:e>
+                        </m:acc>
+                      </m:e>
+                      <m:sub>
+                        <m:r>
+                          <a:rPr lang="en-US" i="1">
+                            <a:latin typeface="Cambria Math" panose="02040503050406030204" pitchFamily="18" charset="0"/>
+                          </a:rPr>
+                          <m:t>𝑖</m:t>
+                        </m:r>
+                      </m:sub>
+                    </m:sSub>
+                    <m:r>
+                      <a:rPr lang="en-US" i="1">
+                        <a:latin typeface="Cambria Math" panose="02040503050406030204" pitchFamily="18" charset="0"/>
+                      </a:rPr>
+                      <m:t>,</m:t>
+                    </m:r>
+                  </m:oMath>
+                </a14:m>
+                <a:r>
+                  <a:rPr lang="en-US" dirty="0"/>
+                  <a:t> for simplicity)</a:t>
                 </a:r>
               </a:p>
               <a:p>
@@ -9893,7 +10386,7 @@
 </p:sld>
 </file>
 
-<file path=ppt/slides/slide13.xml><?xml version="1.0" encoding="utf-8"?>
+<file path=ppt/slides/slide14.xml><?xml version="1.0" encoding="utf-8"?>
 <p:sld xmlns:a="http://schemas.openxmlformats.org/drawingml/2006/main" xmlns:r="http://schemas.openxmlformats.org/officeDocument/2006/relationships" xmlns:p="http://schemas.openxmlformats.org/presentationml/2006/main">
   <p:cSld>
     <p:spTree>
@@ -9943,8 +10436,8 @@
           </a:p>
         </p:txBody>
       </p:sp>
-      <mc:AlternateContent xmlns:mc="http://schemas.openxmlformats.org/markup-compatibility/2006">
-        <mc:Choice xmlns:a14="http://schemas.microsoft.com/office/drawing/2010/main" Requires="a14">
+      <mc:AlternateContent xmlns:mc="http://schemas.openxmlformats.org/markup-compatibility/2006" xmlns:a14="http://schemas.microsoft.com/office/drawing/2010/main">
+        <mc:Choice Requires="a14">
           <p:sp>
             <p:nvSpPr>
               <p:cNvPr id="3" name="Content Placeholder 2">
@@ -10586,7 +11079,7 @@
             </p:txBody>
           </p:sp>
         </mc:Choice>
-        <mc:Fallback>
+        <mc:Fallback xmlns="">
           <p:sp>
             <p:nvSpPr>
               <p:cNvPr id="3" name="Content Placeholder 2">
@@ -11068,7 +11561,7 @@
 </p:sld>
 </file>
 
-<file path=ppt/slides/slide14.xml><?xml version="1.0" encoding="utf-8"?>
+<file path=ppt/slides/slide15.xml><?xml version="1.0" encoding="utf-8"?>
 <p:sld xmlns:a="http://schemas.openxmlformats.org/drawingml/2006/main" xmlns:r="http://schemas.openxmlformats.org/officeDocument/2006/relationships" xmlns:p="http://schemas.openxmlformats.org/presentationml/2006/main">
   <p:cSld>
     <p:spTree>
@@ -11146,7 +11639,7 @@
             </p:spPr>
             <p:txBody>
               <a:bodyPr>
-                <a:normAutofit fontScale="77500" lnSpcReduction="20000"/>
+                <a:normAutofit fontScale="85000" lnSpcReduction="20000"/>
               </a:bodyPr>
               <a:lstStyle/>
               <a:p>
@@ -11800,12 +12293,6 @@
                   <a:t>For many latent variable models (Gaussian mixture, PPCA, hidden Markov) the required posterior distributions can be computed exactly, which accounts for their popularity </a:t>
                 </a:r>
               </a:p>
-              <a:p>
-                <a:r>
-                  <a:rPr lang="en-US" dirty="0"/>
-                  <a:t>Literature on approximating true posterior distribution over hidden variables in more complex models</a:t>
-                </a:r>
-              </a:p>
             </p:txBody>
           </p:sp>
         </mc:Choice>
@@ -11834,7 +12321,7 @@
               <a:blipFill>
                 <a:blip r:embed="rId2"/>
                 <a:stretch>
-                  <a:fillRect l="-550" t="-1946"/>
+                  <a:fillRect l="-650" t="-2237" r="-850"/>
                 </a:stretch>
               </a:blipFill>
             </p:spPr>
@@ -12539,55 +13026,6 @@
                       </p:childTnLst>
                     </p:cTn>
                   </p:par>
-                  <p:par>
-                    <p:cTn id="57" fill="hold">
-                      <p:stCondLst>
-                        <p:cond delay="indefinite"/>
-                      </p:stCondLst>
-                      <p:childTnLst>
-                        <p:par>
-                          <p:cTn id="58" fill="hold">
-                            <p:stCondLst>
-                              <p:cond delay="0"/>
-                            </p:stCondLst>
-                            <p:childTnLst>
-                              <p:par>
-                                <p:cTn id="59" presetID="1" presetClass="entr" presetSubtype="0" fill="hold" grpId="0" nodeType="clickEffect">
-                                  <p:stCondLst>
-                                    <p:cond delay="0"/>
-                                  </p:stCondLst>
-                                  <p:childTnLst>
-                                    <p:set>
-                                      <p:cBhvr>
-                                        <p:cTn id="60" dur="1" fill="hold">
-                                          <p:stCondLst>
-                                            <p:cond delay="0"/>
-                                          </p:stCondLst>
-                                        </p:cTn>
-                                        <p:tgtEl>
-                                          <p:spTgt spid="3">
-                                            <p:txEl>
-                                              <p:pRg st="14" end="14"/>
-                                            </p:txEl>
-                                          </p:spTgt>
-                                        </p:tgtEl>
-                                        <p:attrNameLst>
-                                          <p:attrName>style.visibility</p:attrName>
-                                        </p:attrNameLst>
-                                      </p:cBhvr>
-                                      <p:to>
-                                        <p:strVal val="visible"/>
-                                      </p:to>
-                                    </p:set>
-                                  </p:childTnLst>
-                                </p:cTn>
-                              </p:par>
-                            </p:childTnLst>
-                          </p:cTn>
-                        </p:par>
-                      </p:childTnLst>
-                    </p:cTn>
-                  </p:par>
                 </p:childTnLst>
               </p:cTn>
               <p:prevCondLst>
@@ -12616,7 +13054,7 @@
 </p:sld>
 </file>
 
-<file path=ppt/slides/slide15.xml><?xml version="1.0" encoding="utf-8"?>
+<file path=ppt/slides/slide16.xml><?xml version="1.0" encoding="utf-8"?>
 <p:sld xmlns:a="http://schemas.openxmlformats.org/drawingml/2006/main" xmlns:r="http://schemas.openxmlformats.org/officeDocument/2006/relationships" xmlns:p="http://schemas.openxmlformats.org/presentationml/2006/main">
   <p:cSld>
     <p:spTree>
@@ -12668,8 +13106,8 @@
           </a:p>
         </p:txBody>
       </p:sp>
-      <mc:AlternateContent xmlns:mc="http://schemas.openxmlformats.org/markup-compatibility/2006">
-        <mc:Choice xmlns:a14="http://schemas.microsoft.com/office/drawing/2010/main" Requires="a14">
+      <mc:AlternateContent xmlns:mc="http://schemas.openxmlformats.org/markup-compatibility/2006" xmlns:a14="http://schemas.microsoft.com/office/drawing/2010/main">
+        <mc:Choice Requires="a14">
           <p:sp>
             <p:nvSpPr>
               <p:cNvPr id="3" name="Content Placeholder 2">
@@ -13206,7 +13644,7 @@
             </p:txBody>
           </p:sp>
         </mc:Choice>
-        <mc:Fallback>
+        <mc:Fallback xmlns="">
           <p:sp>
             <p:nvSpPr>
               <p:cNvPr id="3" name="Content Placeholder 2">
@@ -13639,7 +14077,7 @@
 </p:sld>
 </file>
 
-<file path=ppt/slides/slide16.xml><?xml version="1.0" encoding="utf-8"?>
+<file path=ppt/slides/slide17.xml><?xml version="1.0" encoding="utf-8"?>
 <p:sld xmlns:a="http://schemas.openxmlformats.org/drawingml/2006/main" xmlns:r="http://schemas.openxmlformats.org/officeDocument/2006/relationships" xmlns:p="http://schemas.openxmlformats.org/presentationml/2006/main">
   <p:cSld>
     <p:spTree>
@@ -13691,8 +14129,8 @@
           </a:p>
         </p:txBody>
       </p:sp>
-      <mc:AlternateContent xmlns:mc="http://schemas.openxmlformats.org/markup-compatibility/2006">
-        <mc:Choice xmlns:a14="http://schemas.microsoft.com/office/drawing/2010/main" Requires="a14">
+      <mc:AlternateContent xmlns:mc="http://schemas.openxmlformats.org/markup-compatibility/2006" xmlns:a14="http://schemas.microsoft.com/office/drawing/2010/main">
+        <mc:Choice Requires="a14">
           <p:sp>
             <p:nvSpPr>
               <p:cNvPr id="3" name="Content Placeholder 2">
@@ -14715,7 +15153,7 @@
             </p:txBody>
           </p:sp>
         </mc:Choice>
-        <mc:Fallback>
+        <mc:Fallback xmlns="">
           <p:sp>
             <p:nvSpPr>
               <p:cNvPr id="3" name="Content Placeholder 2">
@@ -15197,7 +15635,7 @@
 </p:sld>
 </file>
 
-<file path=ppt/slides/slide17.xml><?xml version="1.0" encoding="utf-8"?>
+<file path=ppt/slides/slide18.xml><?xml version="1.0" encoding="utf-8"?>
 <p:sld xmlns:a="http://schemas.openxmlformats.org/drawingml/2006/main" xmlns:r="http://schemas.openxmlformats.org/officeDocument/2006/relationships" xmlns:p="http://schemas.openxmlformats.org/presentationml/2006/main">
   <p:cSld>
     <p:spTree>
@@ -15275,7 +15713,7 @@
             </p:spPr>
             <p:txBody>
               <a:bodyPr>
-                <a:normAutofit fontScale="92500" lnSpcReduction="10000"/>
+                <a:normAutofit lnSpcReduction="10000"/>
               </a:bodyPr>
               <a:lstStyle/>
               <a:p>
@@ -15626,12 +16064,6 @@
                 <a:r>
                   <a:rPr lang="en-US" dirty="0"/>
                   <a:t>Applying this procedure to entire dataset is equivalent to replacing observed counts with expected counts under current model settings</a:t>
-                </a:r>
-              </a:p>
-              <a:p>
-                <a:r>
-                  <a:rPr lang="en-US" dirty="0"/>
-                  <a:t>Estimating entries in network’s conditional probability tables has intuitive form:</a:t>
                 </a:r>
               </a:p>
               <a:p>
@@ -15685,7 +16117,7 @@
                 </a14:m>
                 <a:r>
                   <a:rPr lang="en-US" dirty="0"/>
-                  <a:t> for each ex.</a:t>
+                  <a:t> for each ex:</a:t>
                 </a:r>
               </a:p>
               <a:p>
@@ -16237,7 +16669,7 @@
               <a:blipFill>
                 <a:blip r:embed="rId2"/>
                 <a:stretch>
-                  <a:fillRect l="-750" r="-1250"/>
+                  <a:fillRect l="-900" r="-1050"/>
                 </a:stretch>
               </a:blipFill>
             </p:spPr>
@@ -16679,7 +17111,7 @@
                             </p:stCondLst>
                             <p:childTnLst>
                               <p:par>
-                                <p:cTn id="33" presetID="1" presetClass="entr" presetSubtype="0" fill="hold" grpId="0" nodeType="clickEffect">
+                                <p:cTn id="33" presetID="1" presetClass="entr" presetSubtype="0" fill="hold" nodeType="clickEffect">
                                   <p:stCondLst>
                                     <p:cond delay="0"/>
                                   </p:stCondLst>
@@ -16692,9 +17124,9 @@
                                           </p:stCondLst>
                                         </p:cTn>
                                         <p:tgtEl>
-                                          <p:spTgt spid="3">
+                                          <p:spTgt spid="4">
                                             <p:txEl>
-                                              <p:pRg st="7" end="7"/>
+                                              <p:pRg st="0" end="0"/>
                                             </p:txEl>
                                           </p:spTgt>
                                         </p:tgtEl>
@@ -16736,55 +17168,6 @@
                                     <p:set>
                                       <p:cBhvr>
                                         <p:cTn id="38" dur="1" fill="hold">
-                                          <p:stCondLst>
-                                            <p:cond delay="0"/>
-                                          </p:stCondLst>
-                                        </p:cTn>
-                                        <p:tgtEl>
-                                          <p:spTgt spid="4">
-                                            <p:txEl>
-                                              <p:pRg st="0" end="0"/>
-                                            </p:txEl>
-                                          </p:spTgt>
-                                        </p:tgtEl>
-                                        <p:attrNameLst>
-                                          <p:attrName>style.visibility</p:attrName>
-                                        </p:attrNameLst>
-                                      </p:cBhvr>
-                                      <p:to>
-                                        <p:strVal val="visible"/>
-                                      </p:to>
-                                    </p:set>
-                                  </p:childTnLst>
-                                </p:cTn>
-                              </p:par>
-                            </p:childTnLst>
-                          </p:cTn>
-                        </p:par>
-                      </p:childTnLst>
-                    </p:cTn>
-                  </p:par>
-                  <p:par>
-                    <p:cTn id="39" fill="hold">
-                      <p:stCondLst>
-                        <p:cond delay="indefinite"/>
-                      </p:stCondLst>
-                      <p:childTnLst>
-                        <p:par>
-                          <p:cTn id="40" fill="hold">
-                            <p:stCondLst>
-                              <p:cond delay="0"/>
-                            </p:stCondLst>
-                            <p:childTnLst>
-                              <p:par>
-                                <p:cTn id="41" presetID="1" presetClass="entr" presetSubtype="0" fill="hold" nodeType="clickEffect">
-                                  <p:stCondLst>
-                                    <p:cond delay="0"/>
-                                  </p:stCondLst>
-                                  <p:childTnLst>
-                                    <p:set>
-                                      <p:cBhvr>
-                                        <p:cTn id="42" dur="1" fill="hold">
                                           <p:stCondLst>
                                             <p:cond delay="0"/>
                                           </p:stCondLst>
@@ -16841,7 +17224,7 @@
 </p:sld>
 </file>
 
-<file path=ppt/slides/slide18.xml><?xml version="1.0" encoding="utf-8"?>
+<file path=ppt/slides/slide19.xml><?xml version="1.0" encoding="utf-8"?>
 <p:sld xmlns:a="http://schemas.openxmlformats.org/drawingml/2006/main" xmlns:r="http://schemas.openxmlformats.org/officeDocument/2006/relationships" xmlns:p="http://schemas.openxmlformats.org/presentationml/2006/main">
   <p:cSld>
     <p:spTree>
@@ -16902,12 +17285,129 @@
             <p:ph idx="1"/>
           </p:nvPr>
         </p:nvSpPr>
-        <p:spPr/>
+        <p:spPr>
+          <a:xfrm>
+            <a:off x="838200" y="1356189"/>
+            <a:ext cx="10515600" cy="4820774"/>
+          </a:xfrm>
+        </p:spPr>
         <p:txBody>
-          <a:bodyPr/>
+          <a:bodyPr>
+            <a:normAutofit fontScale="92500" lnSpcReduction="20000"/>
+          </a:bodyPr>
           <a:lstStyle/>
           <a:p>
-            <a:endParaRPr lang="en-US"/>
+            <a:r>
+              <a:rPr lang="en-US" dirty="0"/>
+              <a:t>Expectation maximization: </a:t>
+            </a:r>
+          </a:p>
+          <a:p>
+            <a:pPr lvl="1"/>
+            <a:r>
+              <a:rPr lang="en-US" b="1" dirty="0"/>
+              <a:t>E-step – </a:t>
+            </a:r>
+            <a:r>
+              <a:rPr lang="en-US" dirty="0"/>
+              <a:t>compute likelihood</a:t>
+            </a:r>
+            <a:endParaRPr lang="en-US" b="1" dirty="0"/>
+          </a:p>
+          <a:p>
+            <a:pPr lvl="1"/>
+            <a:r>
+              <a:rPr lang="en-US" b="1" dirty="0"/>
+              <a:t>M-step – </a:t>
+            </a:r>
+            <a:r>
+              <a:rPr lang="en-US" dirty="0"/>
+              <a:t>compute new parameters based on likelihood</a:t>
+            </a:r>
+          </a:p>
+          <a:p>
+            <a:pPr lvl="1"/>
+            <a:r>
+              <a:rPr lang="en-US" dirty="0"/>
+              <a:t>Repeat</a:t>
+            </a:r>
+          </a:p>
+          <a:p>
+            <a:r>
+              <a:rPr lang="en-US" dirty="0"/>
+              <a:t>Kernel density estimation:</a:t>
+            </a:r>
+          </a:p>
+          <a:p>
+            <a:pPr lvl="1"/>
+            <a:r>
+              <a:rPr lang="en-US" dirty="0"/>
+              <a:t>Approximate true distribution more accurately, but uses more parameters</a:t>
+            </a:r>
+          </a:p>
+          <a:p>
+            <a:pPr lvl="1"/>
+            <a:r>
+              <a:rPr lang="en-US" dirty="0"/>
+              <a:t>Extreme form of Gaussian mixture modeling</a:t>
+            </a:r>
+          </a:p>
+          <a:p>
+            <a:r>
+              <a:rPr lang="en-US" dirty="0"/>
+              <a:t>Hidden variable models:</a:t>
+            </a:r>
+          </a:p>
+          <a:p>
+            <a:pPr lvl="1"/>
+            <a:r>
+              <a:rPr lang="en-US" dirty="0"/>
+              <a:t>Infer new attributes</a:t>
+            </a:r>
+          </a:p>
+          <a:p>
+            <a:pPr lvl="1"/>
+            <a:r>
+              <a:rPr lang="en-US" dirty="0"/>
+              <a:t>Use EM algorithm</a:t>
+            </a:r>
+          </a:p>
+          <a:p>
+            <a:r>
+              <a:rPr lang="en-US" dirty="0"/>
+              <a:t>Next class: tips for final project</a:t>
+            </a:r>
+          </a:p>
+          <a:p>
+            <a:pPr lvl="1"/>
+            <a:r>
+              <a:rPr lang="en-US" dirty="0"/>
+              <a:t>Gradient boosting classifier hyperparameter tuning</a:t>
+            </a:r>
+          </a:p>
+          <a:p>
+            <a:pPr lvl="1"/>
+            <a:r>
+              <a:rPr lang="en-US" dirty="0"/>
+              <a:t>Semi-supervised learning </a:t>
+            </a:r>
+          </a:p>
+          <a:p>
+            <a:pPr lvl="1"/>
+            <a:r>
+              <a:rPr lang="en-US" dirty="0"/>
+              <a:t>Multi-instance learning </a:t>
+            </a:r>
+          </a:p>
+          <a:p>
+            <a:endParaRPr lang="en-US" dirty="0"/>
+          </a:p>
+          <a:p>
+            <a:pPr lvl="1"/>
+            <a:endParaRPr lang="en-US" dirty="0"/>
+          </a:p>
+          <a:p>
+            <a:endParaRPr lang="en-US" b="1" dirty="0"/>
           </a:p>
         </p:txBody>
       </p:sp>
@@ -16921,6 +17421,545 @@
   <p:clrMapOvr>
     <a:masterClrMapping/>
   </p:clrMapOvr>
+  <p:timing>
+    <p:tnLst>
+      <p:par>
+        <p:cTn id="1" dur="indefinite" restart="never" nodeType="tmRoot">
+          <p:childTnLst>
+            <p:seq concurrent="1" nextAc="seek">
+              <p:cTn id="2" dur="indefinite" nodeType="mainSeq">
+                <p:childTnLst>
+                  <p:par>
+                    <p:cTn id="3" fill="hold">
+                      <p:stCondLst>
+                        <p:cond delay="indefinite"/>
+                      </p:stCondLst>
+                      <p:childTnLst>
+                        <p:par>
+                          <p:cTn id="4" fill="hold">
+                            <p:stCondLst>
+                              <p:cond delay="0"/>
+                            </p:stCondLst>
+                            <p:childTnLst>
+                              <p:par>
+                                <p:cTn id="5" presetID="1" presetClass="entr" presetSubtype="0" fill="hold" grpId="0" nodeType="clickEffect">
+                                  <p:stCondLst>
+                                    <p:cond delay="0"/>
+                                  </p:stCondLst>
+                                  <p:childTnLst>
+                                    <p:set>
+                                      <p:cBhvr>
+                                        <p:cTn id="6" dur="1" fill="hold">
+                                          <p:stCondLst>
+                                            <p:cond delay="0"/>
+                                          </p:stCondLst>
+                                        </p:cTn>
+                                        <p:tgtEl>
+                                          <p:spTgt spid="3">
+                                            <p:txEl>
+                                              <p:pRg st="0" end="0"/>
+                                            </p:txEl>
+                                          </p:spTgt>
+                                        </p:tgtEl>
+                                        <p:attrNameLst>
+                                          <p:attrName>style.visibility</p:attrName>
+                                        </p:attrNameLst>
+                                      </p:cBhvr>
+                                      <p:to>
+                                        <p:strVal val="visible"/>
+                                      </p:to>
+                                    </p:set>
+                                  </p:childTnLst>
+                                </p:cTn>
+                              </p:par>
+                              <p:par>
+                                <p:cTn id="7" presetID="1" presetClass="entr" presetSubtype="0" fill="hold" grpId="0" nodeType="withEffect">
+                                  <p:stCondLst>
+                                    <p:cond delay="0"/>
+                                  </p:stCondLst>
+                                  <p:childTnLst>
+                                    <p:set>
+                                      <p:cBhvr>
+                                        <p:cTn id="8" dur="1" fill="hold">
+                                          <p:stCondLst>
+                                            <p:cond delay="0"/>
+                                          </p:stCondLst>
+                                        </p:cTn>
+                                        <p:tgtEl>
+                                          <p:spTgt spid="3">
+                                            <p:txEl>
+                                              <p:pRg st="1" end="1"/>
+                                            </p:txEl>
+                                          </p:spTgt>
+                                        </p:tgtEl>
+                                        <p:attrNameLst>
+                                          <p:attrName>style.visibility</p:attrName>
+                                        </p:attrNameLst>
+                                      </p:cBhvr>
+                                      <p:to>
+                                        <p:strVal val="visible"/>
+                                      </p:to>
+                                    </p:set>
+                                  </p:childTnLst>
+                                </p:cTn>
+                              </p:par>
+                              <p:par>
+                                <p:cTn id="9" presetID="1" presetClass="entr" presetSubtype="0" fill="hold" grpId="0" nodeType="withEffect">
+                                  <p:stCondLst>
+                                    <p:cond delay="0"/>
+                                  </p:stCondLst>
+                                  <p:childTnLst>
+                                    <p:set>
+                                      <p:cBhvr>
+                                        <p:cTn id="10" dur="1" fill="hold">
+                                          <p:stCondLst>
+                                            <p:cond delay="0"/>
+                                          </p:stCondLst>
+                                        </p:cTn>
+                                        <p:tgtEl>
+                                          <p:spTgt spid="3">
+                                            <p:txEl>
+                                              <p:pRg st="2" end="2"/>
+                                            </p:txEl>
+                                          </p:spTgt>
+                                        </p:tgtEl>
+                                        <p:attrNameLst>
+                                          <p:attrName>style.visibility</p:attrName>
+                                        </p:attrNameLst>
+                                      </p:cBhvr>
+                                      <p:to>
+                                        <p:strVal val="visible"/>
+                                      </p:to>
+                                    </p:set>
+                                  </p:childTnLst>
+                                </p:cTn>
+                              </p:par>
+                              <p:par>
+                                <p:cTn id="11" presetID="1" presetClass="entr" presetSubtype="0" fill="hold" grpId="0" nodeType="withEffect">
+                                  <p:stCondLst>
+                                    <p:cond delay="0"/>
+                                  </p:stCondLst>
+                                  <p:childTnLst>
+                                    <p:set>
+                                      <p:cBhvr>
+                                        <p:cTn id="12" dur="1" fill="hold">
+                                          <p:stCondLst>
+                                            <p:cond delay="0"/>
+                                          </p:stCondLst>
+                                        </p:cTn>
+                                        <p:tgtEl>
+                                          <p:spTgt spid="3">
+                                            <p:txEl>
+                                              <p:pRg st="3" end="3"/>
+                                            </p:txEl>
+                                          </p:spTgt>
+                                        </p:tgtEl>
+                                        <p:attrNameLst>
+                                          <p:attrName>style.visibility</p:attrName>
+                                        </p:attrNameLst>
+                                      </p:cBhvr>
+                                      <p:to>
+                                        <p:strVal val="visible"/>
+                                      </p:to>
+                                    </p:set>
+                                  </p:childTnLst>
+                                </p:cTn>
+                              </p:par>
+                            </p:childTnLst>
+                          </p:cTn>
+                        </p:par>
+                      </p:childTnLst>
+                    </p:cTn>
+                  </p:par>
+                  <p:par>
+                    <p:cTn id="13" fill="hold">
+                      <p:stCondLst>
+                        <p:cond delay="indefinite"/>
+                      </p:stCondLst>
+                      <p:childTnLst>
+                        <p:par>
+                          <p:cTn id="14" fill="hold">
+                            <p:stCondLst>
+                              <p:cond delay="0"/>
+                            </p:stCondLst>
+                            <p:childTnLst>
+                              <p:par>
+                                <p:cTn id="15" presetID="1" presetClass="entr" presetSubtype="0" fill="hold" grpId="0" nodeType="clickEffect">
+                                  <p:stCondLst>
+                                    <p:cond delay="0"/>
+                                  </p:stCondLst>
+                                  <p:childTnLst>
+                                    <p:set>
+                                      <p:cBhvr>
+                                        <p:cTn id="16" dur="1" fill="hold">
+                                          <p:stCondLst>
+                                            <p:cond delay="0"/>
+                                          </p:stCondLst>
+                                        </p:cTn>
+                                        <p:tgtEl>
+                                          <p:spTgt spid="3">
+                                            <p:txEl>
+                                              <p:pRg st="4" end="4"/>
+                                            </p:txEl>
+                                          </p:spTgt>
+                                        </p:tgtEl>
+                                        <p:attrNameLst>
+                                          <p:attrName>style.visibility</p:attrName>
+                                        </p:attrNameLst>
+                                      </p:cBhvr>
+                                      <p:to>
+                                        <p:strVal val="visible"/>
+                                      </p:to>
+                                    </p:set>
+                                  </p:childTnLst>
+                                </p:cTn>
+                              </p:par>
+                              <p:par>
+                                <p:cTn id="17" presetID="1" presetClass="entr" presetSubtype="0" fill="hold" grpId="0" nodeType="withEffect">
+                                  <p:stCondLst>
+                                    <p:cond delay="0"/>
+                                  </p:stCondLst>
+                                  <p:childTnLst>
+                                    <p:set>
+                                      <p:cBhvr>
+                                        <p:cTn id="18" dur="1" fill="hold">
+                                          <p:stCondLst>
+                                            <p:cond delay="0"/>
+                                          </p:stCondLst>
+                                        </p:cTn>
+                                        <p:tgtEl>
+                                          <p:spTgt spid="3">
+                                            <p:txEl>
+                                              <p:pRg st="5" end="5"/>
+                                            </p:txEl>
+                                          </p:spTgt>
+                                        </p:tgtEl>
+                                        <p:attrNameLst>
+                                          <p:attrName>style.visibility</p:attrName>
+                                        </p:attrNameLst>
+                                      </p:cBhvr>
+                                      <p:to>
+                                        <p:strVal val="visible"/>
+                                      </p:to>
+                                    </p:set>
+                                  </p:childTnLst>
+                                </p:cTn>
+                              </p:par>
+                              <p:par>
+                                <p:cTn id="19" presetID="1" presetClass="entr" presetSubtype="0" fill="hold" grpId="0" nodeType="withEffect">
+                                  <p:stCondLst>
+                                    <p:cond delay="0"/>
+                                  </p:stCondLst>
+                                  <p:childTnLst>
+                                    <p:set>
+                                      <p:cBhvr>
+                                        <p:cTn id="20" dur="1" fill="hold">
+                                          <p:stCondLst>
+                                            <p:cond delay="0"/>
+                                          </p:stCondLst>
+                                        </p:cTn>
+                                        <p:tgtEl>
+                                          <p:spTgt spid="3">
+                                            <p:txEl>
+                                              <p:pRg st="6" end="6"/>
+                                            </p:txEl>
+                                          </p:spTgt>
+                                        </p:tgtEl>
+                                        <p:attrNameLst>
+                                          <p:attrName>style.visibility</p:attrName>
+                                        </p:attrNameLst>
+                                      </p:cBhvr>
+                                      <p:to>
+                                        <p:strVal val="visible"/>
+                                      </p:to>
+                                    </p:set>
+                                  </p:childTnLst>
+                                </p:cTn>
+                              </p:par>
+                            </p:childTnLst>
+                          </p:cTn>
+                        </p:par>
+                      </p:childTnLst>
+                    </p:cTn>
+                  </p:par>
+                  <p:par>
+                    <p:cTn id="21" fill="hold">
+                      <p:stCondLst>
+                        <p:cond delay="indefinite"/>
+                      </p:stCondLst>
+                      <p:childTnLst>
+                        <p:par>
+                          <p:cTn id="22" fill="hold">
+                            <p:stCondLst>
+                              <p:cond delay="0"/>
+                            </p:stCondLst>
+                            <p:childTnLst>
+                              <p:par>
+                                <p:cTn id="23" presetID="1" presetClass="entr" presetSubtype="0" fill="hold" grpId="0" nodeType="clickEffect">
+                                  <p:stCondLst>
+                                    <p:cond delay="0"/>
+                                  </p:stCondLst>
+                                  <p:childTnLst>
+                                    <p:set>
+                                      <p:cBhvr>
+                                        <p:cTn id="24" dur="1" fill="hold">
+                                          <p:stCondLst>
+                                            <p:cond delay="0"/>
+                                          </p:stCondLst>
+                                        </p:cTn>
+                                        <p:tgtEl>
+                                          <p:spTgt spid="3">
+                                            <p:txEl>
+                                              <p:pRg st="7" end="7"/>
+                                            </p:txEl>
+                                          </p:spTgt>
+                                        </p:tgtEl>
+                                        <p:attrNameLst>
+                                          <p:attrName>style.visibility</p:attrName>
+                                        </p:attrNameLst>
+                                      </p:cBhvr>
+                                      <p:to>
+                                        <p:strVal val="visible"/>
+                                      </p:to>
+                                    </p:set>
+                                  </p:childTnLst>
+                                </p:cTn>
+                              </p:par>
+                              <p:par>
+                                <p:cTn id="25" presetID="1" presetClass="entr" presetSubtype="0" fill="hold" grpId="0" nodeType="withEffect">
+                                  <p:stCondLst>
+                                    <p:cond delay="0"/>
+                                  </p:stCondLst>
+                                  <p:childTnLst>
+                                    <p:set>
+                                      <p:cBhvr>
+                                        <p:cTn id="26" dur="1" fill="hold">
+                                          <p:stCondLst>
+                                            <p:cond delay="0"/>
+                                          </p:stCondLst>
+                                        </p:cTn>
+                                        <p:tgtEl>
+                                          <p:spTgt spid="3">
+                                            <p:txEl>
+                                              <p:pRg st="8" end="8"/>
+                                            </p:txEl>
+                                          </p:spTgt>
+                                        </p:tgtEl>
+                                        <p:attrNameLst>
+                                          <p:attrName>style.visibility</p:attrName>
+                                        </p:attrNameLst>
+                                      </p:cBhvr>
+                                      <p:to>
+                                        <p:strVal val="visible"/>
+                                      </p:to>
+                                    </p:set>
+                                  </p:childTnLst>
+                                </p:cTn>
+                              </p:par>
+                              <p:par>
+                                <p:cTn id="27" presetID="1" presetClass="entr" presetSubtype="0" fill="hold" grpId="0" nodeType="withEffect">
+                                  <p:stCondLst>
+                                    <p:cond delay="0"/>
+                                  </p:stCondLst>
+                                  <p:childTnLst>
+                                    <p:set>
+                                      <p:cBhvr>
+                                        <p:cTn id="28" dur="1" fill="hold">
+                                          <p:stCondLst>
+                                            <p:cond delay="0"/>
+                                          </p:stCondLst>
+                                        </p:cTn>
+                                        <p:tgtEl>
+                                          <p:spTgt spid="3">
+                                            <p:txEl>
+                                              <p:pRg st="9" end="9"/>
+                                            </p:txEl>
+                                          </p:spTgt>
+                                        </p:tgtEl>
+                                        <p:attrNameLst>
+                                          <p:attrName>style.visibility</p:attrName>
+                                        </p:attrNameLst>
+                                      </p:cBhvr>
+                                      <p:to>
+                                        <p:strVal val="visible"/>
+                                      </p:to>
+                                    </p:set>
+                                  </p:childTnLst>
+                                </p:cTn>
+                              </p:par>
+                            </p:childTnLst>
+                          </p:cTn>
+                        </p:par>
+                      </p:childTnLst>
+                    </p:cTn>
+                  </p:par>
+                  <p:par>
+                    <p:cTn id="29" fill="hold">
+                      <p:stCondLst>
+                        <p:cond delay="indefinite"/>
+                      </p:stCondLst>
+                      <p:childTnLst>
+                        <p:par>
+                          <p:cTn id="30" fill="hold">
+                            <p:stCondLst>
+                              <p:cond delay="0"/>
+                            </p:stCondLst>
+                            <p:childTnLst>
+                              <p:par>
+                                <p:cTn id="31" presetID="1" presetClass="entr" presetSubtype="0" fill="hold" grpId="0" nodeType="clickEffect">
+                                  <p:stCondLst>
+                                    <p:cond delay="0"/>
+                                  </p:stCondLst>
+                                  <p:childTnLst>
+                                    <p:set>
+                                      <p:cBhvr>
+                                        <p:cTn id="32" dur="1" fill="hold">
+                                          <p:stCondLst>
+                                            <p:cond delay="0"/>
+                                          </p:stCondLst>
+                                        </p:cTn>
+                                        <p:tgtEl>
+                                          <p:spTgt spid="3">
+                                            <p:txEl>
+                                              <p:pRg st="10" end="10"/>
+                                            </p:txEl>
+                                          </p:spTgt>
+                                        </p:tgtEl>
+                                        <p:attrNameLst>
+                                          <p:attrName>style.visibility</p:attrName>
+                                        </p:attrNameLst>
+                                      </p:cBhvr>
+                                      <p:to>
+                                        <p:strVal val="visible"/>
+                                      </p:to>
+                                    </p:set>
+                                  </p:childTnLst>
+                                </p:cTn>
+                              </p:par>
+                              <p:par>
+                                <p:cTn id="33" presetID="1" presetClass="entr" presetSubtype="0" fill="hold" grpId="0" nodeType="withEffect">
+                                  <p:stCondLst>
+                                    <p:cond delay="0"/>
+                                  </p:stCondLst>
+                                  <p:childTnLst>
+                                    <p:set>
+                                      <p:cBhvr>
+                                        <p:cTn id="34" dur="1" fill="hold">
+                                          <p:stCondLst>
+                                            <p:cond delay="0"/>
+                                          </p:stCondLst>
+                                        </p:cTn>
+                                        <p:tgtEl>
+                                          <p:spTgt spid="3">
+                                            <p:txEl>
+                                              <p:pRg st="11" end="11"/>
+                                            </p:txEl>
+                                          </p:spTgt>
+                                        </p:tgtEl>
+                                        <p:attrNameLst>
+                                          <p:attrName>style.visibility</p:attrName>
+                                        </p:attrNameLst>
+                                      </p:cBhvr>
+                                      <p:to>
+                                        <p:strVal val="visible"/>
+                                      </p:to>
+                                    </p:set>
+                                  </p:childTnLst>
+                                </p:cTn>
+                              </p:par>
+                              <p:par>
+                                <p:cTn id="35" presetID="1" presetClass="entr" presetSubtype="0" fill="hold" grpId="0" nodeType="withEffect">
+                                  <p:stCondLst>
+                                    <p:cond delay="0"/>
+                                  </p:stCondLst>
+                                  <p:childTnLst>
+                                    <p:set>
+                                      <p:cBhvr>
+                                        <p:cTn id="36" dur="1" fill="hold">
+                                          <p:stCondLst>
+                                            <p:cond delay="0"/>
+                                          </p:stCondLst>
+                                        </p:cTn>
+                                        <p:tgtEl>
+                                          <p:spTgt spid="3">
+                                            <p:txEl>
+                                              <p:pRg st="12" end="12"/>
+                                            </p:txEl>
+                                          </p:spTgt>
+                                        </p:tgtEl>
+                                        <p:attrNameLst>
+                                          <p:attrName>style.visibility</p:attrName>
+                                        </p:attrNameLst>
+                                      </p:cBhvr>
+                                      <p:to>
+                                        <p:strVal val="visible"/>
+                                      </p:to>
+                                    </p:set>
+                                  </p:childTnLst>
+                                </p:cTn>
+                              </p:par>
+                              <p:par>
+                                <p:cTn id="37" presetID="1" presetClass="entr" presetSubtype="0" fill="hold" grpId="0" nodeType="withEffect">
+                                  <p:stCondLst>
+                                    <p:cond delay="0"/>
+                                  </p:stCondLst>
+                                  <p:childTnLst>
+                                    <p:set>
+                                      <p:cBhvr>
+                                        <p:cTn id="38" dur="1" fill="hold">
+                                          <p:stCondLst>
+                                            <p:cond delay="0"/>
+                                          </p:stCondLst>
+                                        </p:cTn>
+                                        <p:tgtEl>
+                                          <p:spTgt spid="3">
+                                            <p:txEl>
+                                              <p:pRg st="13" end="13"/>
+                                            </p:txEl>
+                                          </p:spTgt>
+                                        </p:tgtEl>
+                                        <p:attrNameLst>
+                                          <p:attrName>style.visibility</p:attrName>
+                                        </p:attrNameLst>
+                                      </p:cBhvr>
+                                      <p:to>
+                                        <p:strVal val="visible"/>
+                                      </p:to>
+                                    </p:set>
+                                  </p:childTnLst>
+                                </p:cTn>
+                              </p:par>
+                            </p:childTnLst>
+                          </p:cTn>
+                        </p:par>
+                      </p:childTnLst>
+                    </p:cTn>
+                  </p:par>
+                </p:childTnLst>
+              </p:cTn>
+              <p:prevCondLst>
+                <p:cond evt="onPrev" delay="0">
+                  <p:tgtEl>
+                    <p:sldTgt/>
+                  </p:tgtEl>
+                </p:cond>
+              </p:prevCondLst>
+              <p:nextCondLst>
+                <p:cond evt="onNext" delay="0">
+                  <p:tgtEl>
+                    <p:sldTgt/>
+                  </p:tgtEl>
+                </p:cond>
+              </p:nextCondLst>
+            </p:seq>
+          </p:childTnLst>
+        </p:cTn>
+      </p:par>
+    </p:tnLst>
+    <p:bldLst>
+      <p:bldP spid="3" grpId="0" build="p"/>
+    </p:bldLst>
+  </p:timing>
 </p:sld>
 </file>
 
@@ -18461,6 +19500,53 @@
           <a:prstGeom prst="rect">
             <a:avLst/>
           </a:prstGeom>
+        </p:spPr>
+      </p:pic>
+      <p:pic>
+        <p:nvPicPr>
+          <p:cNvPr id="1026" name="Picture 2" descr="Image result for mickey mouse">
+            <a:extLst>
+              <a:ext uri="{FF2B5EF4-FFF2-40B4-BE49-F238E27FC236}">
+                <a16:creationId xmlns:a16="http://schemas.microsoft.com/office/drawing/2014/main" id="{D7C71908-6F94-413E-A2FD-7B574FBD3165}"/>
+              </a:ext>
+            </a:extLst>
+          </p:cNvPr>
+          <p:cNvPicPr>
+            <a:picLocks noChangeAspect="1" noChangeArrowheads="1"/>
+          </p:cNvPicPr>
+          <p:nvPr/>
+        </p:nvPicPr>
+        <p:blipFill>
+          <a:blip r:embed="rId6">
+            <a:extLst>
+              <a:ext uri="{28A0092B-C50C-407E-A947-70E740481C1C}">
+                <a14:useLocalDpi xmlns:a14="http://schemas.microsoft.com/office/drawing/2010/main" val="0"/>
+              </a:ext>
+            </a:extLst>
+          </a:blip>
+          <a:srcRect/>
+          <a:stretch>
+            <a:fillRect/>
+          </a:stretch>
+        </p:blipFill>
+        <p:spPr bwMode="auto">
+          <a:xfrm>
+            <a:off x="7808358" y="11452"/>
+            <a:ext cx="1171789" cy="1379448"/>
+          </a:xfrm>
+          <a:prstGeom prst="rect">
+            <a:avLst/>
+          </a:prstGeom>
+          <a:noFill/>
+          <a:extLst>
+            <a:ext uri="{909E8E84-426E-40DD-AFC4-6F175D3DCCD1}">
+              <a14:hiddenFill xmlns:a14="http://schemas.microsoft.com/office/drawing/2010/main">
+                <a:solidFill>
+                  <a:srgbClr val="FFFFFF"/>
+                </a:solidFill>
+              </a14:hiddenFill>
+            </a:ext>
+          </a:extLst>
         </p:spPr>
       </p:pic>
     </p:spTree>
@@ -19295,8 +20381,8 @@
           </a:p>
         </p:txBody>
       </p:sp>
-      <mc:AlternateContent xmlns:mc="http://schemas.openxmlformats.org/markup-compatibility/2006" xmlns:a14="http://schemas.microsoft.com/office/drawing/2010/main">
-        <mc:Choice Requires="a14">
+      <mc:AlternateContent xmlns:mc="http://schemas.openxmlformats.org/markup-compatibility/2006">
+        <mc:Choice xmlns:a14="http://schemas.microsoft.com/office/drawing/2010/main" Requires="a14">
           <p:sp>
             <p:nvSpPr>
               <p:cNvPr id="3" name="Content Placeholder 2">
@@ -19631,6 +20717,9 @@
                 </a:endParaRPr>
               </a:p>
               <a:p>
+                <a:pPr marL="0" indent="0">
+                  <a:buNone/>
+                </a:pPr>
                 <a:r>
                   <a:rPr lang="en-US" dirty="0"/>
                   <a:t>parameters, a mean for each and a symmetric </a:t>
@@ -19666,7 +20755,7 @@
             </p:txBody>
           </p:sp>
         </mc:Choice>
-        <mc:Fallback xmlns="">
+        <mc:Fallback>
           <p:sp>
             <p:nvSpPr>
               <p:cNvPr id="3" name="Content Placeholder 2">
@@ -19691,7 +20780,7 @@
               <a:blipFill>
                 <a:blip r:embed="rId2"/>
                 <a:stretch>
-                  <a:fillRect l="-1608" t="-2064" r="-3363"/>
+                  <a:fillRect l="-1901" t="-2064" r="-3363"/>
                 </a:stretch>
               </a:blipFill>
             </p:spPr>
@@ -20063,33 +21152,15 @@
                                   </p:childTnLst>
                                 </p:cTn>
                               </p:par>
-                            </p:childTnLst>
-                          </p:cTn>
-                        </p:par>
-                      </p:childTnLst>
-                    </p:cTn>
-                  </p:par>
-                  <p:par>
-                    <p:cTn id="27" fill="hold">
-                      <p:stCondLst>
-                        <p:cond delay="indefinite"/>
-                      </p:stCondLst>
-                      <p:childTnLst>
-                        <p:par>
-                          <p:cTn id="28" fill="hold">
-                            <p:stCondLst>
-                              <p:cond delay="0"/>
-                            </p:stCondLst>
-                            <p:childTnLst>
                               <p:par>
-                                <p:cTn id="29" presetID="1" presetClass="entr" presetSubtype="0" fill="hold" grpId="0" nodeType="clickEffect">
+                                <p:cTn id="27" presetID="1" presetClass="entr" presetSubtype="0" fill="hold" nodeType="withEffect">
                                   <p:stCondLst>
                                     <p:cond delay="0"/>
                                   </p:stCondLst>
                                   <p:childTnLst>
                                     <p:set>
                                       <p:cBhvr>
-                                        <p:cTn id="30" dur="1" fill="hold">
+                                        <p:cTn id="28" dur="1" fill="hold">
                                           <p:stCondLst>
                                             <p:cond delay="0"/>
                                           </p:stCondLst>
@@ -20140,7 +21211,7 @@
       </p:par>
     </p:tnLst>
     <p:bldLst>
-      <p:bldP spid="3" grpId="0" build="p"/>
+      <p:bldP spid="3" grpId="0" uiExpand="1" build="p"/>
     </p:bldLst>
   </p:timing>
 </p:sld>
@@ -20249,26 +21320,6 @@
             <a:r>
               <a:rPr lang="en-US" dirty="0"/>
               <a:t>Adopt a Bayesian approach, where every parameter has a prior probability distribution whose effect is incorporated into overall likelihood figure</a:t>
-            </a:r>
-          </a:p>
-          <a:p>
-            <a:r>
-              <a:rPr lang="en-US" dirty="0" err="1"/>
-              <a:t>AutoClass</a:t>
-            </a:r>
-            <a:r>
-              <a:rPr lang="en-US" dirty="0"/>
-              <a:t> is a comprehensive Bayesian clustering scheme that uses the finite mixture model with prior distributions on all parameters</a:t>
-            </a:r>
-          </a:p>
-          <a:p>
-            <a:r>
-              <a:rPr lang="en-US" dirty="0" err="1"/>
-              <a:t>AutoClass</a:t>
-            </a:r>
-            <a:r>
-              <a:rPr lang="en-US" dirty="0"/>
-              <a:t> allows both numeric and nominal attributes, uses the EM algorithm to estimate parameters of probability distribution to best fit data</a:t>
             </a:r>
           </a:p>
           <a:p>
@@ -20595,33 +21646,15 @@
                                   </p:childTnLst>
                                 </p:cTn>
                               </p:par>
-                            </p:childTnLst>
-                          </p:cTn>
-                        </p:par>
-                      </p:childTnLst>
-                    </p:cTn>
-                  </p:par>
-                  <p:par>
-                    <p:cTn id="27" fill="hold">
-                      <p:stCondLst>
-                        <p:cond delay="indefinite"/>
-                      </p:stCondLst>
-                      <p:childTnLst>
-                        <p:par>
-                          <p:cTn id="28" fill="hold">
-                            <p:stCondLst>
-                              <p:cond delay="0"/>
-                            </p:stCondLst>
-                            <p:childTnLst>
                               <p:par>
-                                <p:cTn id="29" presetID="1" presetClass="entr" presetSubtype="0" fill="hold" grpId="0" nodeType="clickEffect">
+                                <p:cTn id="27" presetID="1" presetClass="entr" presetSubtype="0" fill="hold" grpId="0" nodeType="withEffect">
                                   <p:stCondLst>
                                     <p:cond delay="0"/>
                                   </p:stCondLst>
                                   <p:childTnLst>
                                     <p:set>
                                       <p:cBhvr>
-                                        <p:cTn id="30" dur="1" fill="hold">
+                                        <p:cTn id="28" dur="1" fill="hold">
                                           <p:stCondLst>
                                             <p:cond delay="0"/>
                                           </p:stCondLst>
@@ -20630,86 +21663,6 @@
                                           <p:spTgt spid="3">
                                             <p:txEl>
                                               <p:pRg st="6" end="6"/>
-                                            </p:txEl>
-                                          </p:spTgt>
-                                        </p:tgtEl>
-                                        <p:attrNameLst>
-                                          <p:attrName>style.visibility</p:attrName>
-                                        </p:attrNameLst>
-                                      </p:cBhvr>
-                                      <p:to>
-                                        <p:strVal val="visible"/>
-                                      </p:to>
-                                    </p:set>
-                                  </p:childTnLst>
-                                </p:cTn>
-                              </p:par>
-                            </p:childTnLst>
-                          </p:cTn>
-                        </p:par>
-                      </p:childTnLst>
-                    </p:cTn>
-                  </p:par>
-                  <p:par>
-                    <p:cTn id="31" fill="hold">
-                      <p:stCondLst>
-                        <p:cond delay="indefinite"/>
-                      </p:stCondLst>
-                      <p:childTnLst>
-                        <p:par>
-                          <p:cTn id="32" fill="hold">
-                            <p:stCondLst>
-                              <p:cond delay="0"/>
-                            </p:stCondLst>
-                            <p:childTnLst>
-                              <p:par>
-                                <p:cTn id="33" presetID="1" presetClass="entr" presetSubtype="0" fill="hold" grpId="0" nodeType="clickEffect">
-                                  <p:stCondLst>
-                                    <p:cond delay="0"/>
-                                  </p:stCondLst>
-                                  <p:childTnLst>
-                                    <p:set>
-                                      <p:cBhvr>
-                                        <p:cTn id="34" dur="1" fill="hold">
-                                          <p:stCondLst>
-                                            <p:cond delay="0"/>
-                                          </p:stCondLst>
-                                        </p:cTn>
-                                        <p:tgtEl>
-                                          <p:spTgt spid="3">
-                                            <p:txEl>
-                                              <p:pRg st="7" end="7"/>
-                                            </p:txEl>
-                                          </p:spTgt>
-                                        </p:tgtEl>
-                                        <p:attrNameLst>
-                                          <p:attrName>style.visibility</p:attrName>
-                                        </p:attrNameLst>
-                                      </p:cBhvr>
-                                      <p:to>
-                                        <p:strVal val="visible"/>
-                                      </p:to>
-                                    </p:set>
-                                  </p:childTnLst>
-                                </p:cTn>
-                              </p:par>
-                              <p:par>
-                                <p:cTn id="35" presetID="1" presetClass="entr" presetSubtype="0" fill="hold" grpId="0" nodeType="withEffect">
-                                  <p:stCondLst>
-                                    <p:cond delay="0"/>
-                                  </p:stCondLst>
-                                  <p:childTnLst>
-                                    <p:set>
-                                      <p:cBhvr>
-                                        <p:cTn id="36" dur="1" fill="hold">
-                                          <p:stCondLst>
-                                            <p:cond delay="0"/>
-                                          </p:stCondLst>
-                                        </p:cTn>
-                                        <p:tgtEl>
-                                          <p:spTgt spid="3">
-                                            <p:txEl>
-                                              <p:pRg st="8" end="8"/>
                                             </p:txEl>
                                           </p:spTgt>
                                         </p:tgtEl>
@@ -20802,14 +21755,14 @@
           <a:lstStyle/>
           <a:p>
             <a:r>
-              <a:rPr lang="en-US" dirty="0"/>
+              <a:rPr lang="en-US" b="1" dirty="0"/>
               <a:t>Kernel density estimation</a:t>
             </a:r>
           </a:p>
         </p:txBody>
       </p:sp>
-      <mc:AlternateContent xmlns:mc="http://schemas.openxmlformats.org/markup-compatibility/2006" xmlns:a14="http://schemas.microsoft.com/office/drawing/2010/main">
-        <mc:Choice Requires="a14">
+      <mc:AlternateContent xmlns:mc="http://schemas.openxmlformats.org/markup-compatibility/2006">
+        <mc:Choice xmlns:a14="http://schemas.microsoft.com/office/drawing/2010/main" Requires="a14">
           <p:sp>
             <p:nvSpPr>
               <p:cNvPr id="3" name="Content Placeholder 2">
@@ -20846,7 +21799,7 @@
               <a:p>
                 <a:r>
                   <a:rPr lang="en-US" dirty="0"/>
-                  <a:t>However, they do no necessarily fit the data well</a:t>
+                  <a:t>However, they do not necessarily fit the data well</a:t>
                 </a:r>
               </a:p>
               <a:p>
@@ -21512,7 +22465,7 @@
               <a:p>
                 <a:r>
                   <a:rPr lang="en-US" dirty="0"/>
-                  <a:t>Kernel density estimation closely related to k-nearest neighbor density estimation, and can show both techniques converge to true distr. </a:t>
+                  <a:t>Kernel density estimation closely related to k-nearest neighbor density estimation, and can show both techniques converge to true distribution </a:t>
                 </a:r>
                 <a14:m>
                   <m:oMath xmlns:m="http://schemas.openxmlformats.org/officeDocument/2006/math">
@@ -21549,7 +22502,7 @@
             </p:txBody>
           </p:sp>
         </mc:Choice>
-        <mc:Fallback xmlns="">
+        <mc:Fallback>
           <p:sp>
             <p:nvSpPr>
               <p:cNvPr id="3" name="Content Placeholder 2">
@@ -22130,6 +23083,1573 @@
 </file>
 
 <file path=ppt/slides/slide8.xml><?xml version="1.0" encoding="utf-8"?>
+<p:sld xmlns:a="http://schemas.openxmlformats.org/drawingml/2006/main" xmlns:r="http://schemas.openxmlformats.org/officeDocument/2006/relationships" xmlns:p="http://schemas.openxmlformats.org/presentationml/2006/main">
+  <p:cSld>
+    <p:spTree>
+      <p:nvGrpSpPr>
+        <p:cNvPr id="1" name=""/>
+        <p:cNvGrpSpPr/>
+        <p:nvPr/>
+      </p:nvGrpSpPr>
+      <p:grpSpPr>
+        <a:xfrm>
+          <a:off x="0" y="0"/>
+          <a:ext cx="0" cy="0"/>
+          <a:chOff x="0" y="0"/>
+          <a:chExt cx="0" cy="0"/>
+        </a:xfrm>
+      </p:grpSpPr>
+      <p:sp>
+        <p:nvSpPr>
+          <p:cNvPr id="2" name="Title 1">
+            <a:extLst>
+              <a:ext uri="{FF2B5EF4-FFF2-40B4-BE49-F238E27FC236}">
+                <a16:creationId xmlns:a16="http://schemas.microsoft.com/office/drawing/2014/main" id="{598EC461-6BE9-41AA-A90A-7F3B066EC213}"/>
+              </a:ext>
+            </a:extLst>
+          </p:cNvPr>
+          <p:cNvSpPr>
+            <a:spLocks noGrp="1"/>
+          </p:cNvSpPr>
+          <p:nvPr>
+            <p:ph type="title"/>
+          </p:nvPr>
+        </p:nvSpPr>
+        <p:spPr>
+          <a:xfrm>
+            <a:off x="283395" y="158530"/>
+            <a:ext cx="10515600" cy="908871"/>
+          </a:xfrm>
+        </p:spPr>
+        <p:txBody>
+          <a:bodyPr/>
+          <a:lstStyle/>
+          <a:p>
+            <a:r>
+              <a:rPr lang="en-US" dirty="0"/>
+              <a:t>Kernel density estimation</a:t>
+            </a:r>
+          </a:p>
+        </p:txBody>
+      </p:sp>
+      <p:pic>
+        <p:nvPicPr>
+          <p:cNvPr id="2050" name="Picture 2" descr="Comparison of the histogram (left) and kernel density estimate (right) constructed using the same data. The 6 individual kernels are the red dashed curves, the kernel density estimate the blue curves. The data points are the rug plot on the horizontal axis.">
+            <a:extLst>
+              <a:ext uri="{FF2B5EF4-FFF2-40B4-BE49-F238E27FC236}">
+                <a16:creationId xmlns:a16="http://schemas.microsoft.com/office/drawing/2014/main" id="{9EBE529C-494B-45C2-B299-3D78DD08DCE8}"/>
+              </a:ext>
+            </a:extLst>
+          </p:cNvPr>
+          <p:cNvPicPr>
+            <a:picLocks noChangeAspect="1" noChangeArrowheads="1"/>
+          </p:cNvPicPr>
+          <p:nvPr/>
+        </p:nvPicPr>
+        <p:blipFill>
+          <a:blip r:embed="rId2">
+            <a:extLst>
+              <a:ext uri="{28A0092B-C50C-407E-A947-70E740481C1C}">
+                <a14:useLocalDpi xmlns:a14="http://schemas.microsoft.com/office/drawing/2010/main" val="0"/>
+              </a:ext>
+            </a:extLst>
+          </a:blip>
+          <a:srcRect/>
+          <a:stretch>
+            <a:fillRect/>
+          </a:stretch>
+        </p:blipFill>
+        <p:spPr bwMode="auto">
+          <a:xfrm>
+            <a:off x="130923" y="1872660"/>
+            <a:ext cx="7334964" cy="3667482"/>
+          </a:xfrm>
+          <a:prstGeom prst="rect">
+            <a:avLst/>
+          </a:prstGeom>
+          <a:noFill/>
+          <a:extLst>
+            <a:ext uri="{909E8E84-426E-40DD-AFC4-6F175D3DCCD1}">
+              <a14:hiddenFill xmlns:a14="http://schemas.microsoft.com/office/drawing/2010/main">
+                <a:solidFill>
+                  <a:srgbClr val="FFFFFF"/>
+                </a:solidFill>
+              </a14:hiddenFill>
+            </a:ext>
+          </a:extLst>
+        </p:spPr>
+      </p:pic>
+      <p:pic>
+        <p:nvPicPr>
+          <p:cNvPr id="2054" name="Picture 6">
+            <a:extLst>
+              <a:ext uri="{FF2B5EF4-FFF2-40B4-BE49-F238E27FC236}">
+                <a16:creationId xmlns:a16="http://schemas.microsoft.com/office/drawing/2014/main" id="{6DAD6B17-4462-40CA-95EA-5BD392470A3A}"/>
+              </a:ext>
+            </a:extLst>
+          </p:cNvPr>
+          <p:cNvPicPr>
+            <a:picLocks noChangeAspect="1" noChangeArrowheads="1"/>
+          </p:cNvPicPr>
+          <p:nvPr/>
+        </p:nvPicPr>
+        <p:blipFill>
+          <a:blip r:embed="rId3">
+            <a:extLst>
+              <a:ext uri="{28A0092B-C50C-407E-A947-70E740481C1C}">
+                <a14:useLocalDpi xmlns:a14="http://schemas.microsoft.com/office/drawing/2010/main" val="0"/>
+              </a:ext>
+            </a:extLst>
+          </a:blip>
+          <a:srcRect/>
+          <a:stretch>
+            <a:fillRect/>
+          </a:stretch>
+        </p:blipFill>
+        <p:spPr bwMode="auto">
+          <a:xfrm>
+            <a:off x="7809609" y="1595259"/>
+            <a:ext cx="4098996" cy="4098996"/>
+          </a:xfrm>
+          <a:prstGeom prst="rect">
+            <a:avLst/>
+          </a:prstGeom>
+          <a:noFill/>
+          <a:extLst>
+            <a:ext uri="{909E8E84-426E-40DD-AFC4-6F175D3DCCD1}">
+              <a14:hiddenFill xmlns:a14="http://schemas.microsoft.com/office/drawing/2010/main">
+                <a:solidFill>
+                  <a:srgbClr val="FFFFFF"/>
+                </a:solidFill>
+              </a14:hiddenFill>
+            </a:ext>
+          </a:extLst>
+        </p:spPr>
+      </p:pic>
+      <p:sp>
+        <p:nvSpPr>
+          <p:cNvPr id="4" name="TextBox 3">
+            <a:extLst>
+              <a:ext uri="{FF2B5EF4-FFF2-40B4-BE49-F238E27FC236}">
+                <a16:creationId xmlns:a16="http://schemas.microsoft.com/office/drawing/2014/main" id="{111243BA-9F94-4FCA-A9E3-76A4442811A2}"/>
+              </a:ext>
+            </a:extLst>
+          </p:cNvPr>
+          <p:cNvSpPr txBox="1"/>
+          <p:nvPr/>
+        </p:nvSpPr>
+        <p:spPr>
+          <a:xfrm>
+            <a:off x="283395" y="5486400"/>
+            <a:ext cx="6846870" cy="1200329"/>
+          </a:xfrm>
+          <a:prstGeom prst="rect">
+            <a:avLst/>
+          </a:prstGeom>
+          <a:noFill/>
+        </p:spPr>
+        <p:txBody>
+          <a:bodyPr wrap="square" rtlCol="0">
+            <a:spAutoFit/>
+          </a:bodyPr>
+          <a:lstStyle/>
+          <a:p>
+            <a:r>
+              <a:rPr lang="en-US" dirty="0"/>
+              <a:t>Comparison of histogram (left) and kernel density estimate (Right) constructed using the same data. 6 individual kernels are the red dashed curve, kernel density estimate is the blue curve. Data points are the black bars on horizontal axis.</a:t>
+            </a:r>
+          </a:p>
+        </p:txBody>
+      </p:sp>
+      <p:sp>
+        <p:nvSpPr>
+          <p:cNvPr id="5" name="TextBox 4">
+            <a:extLst>
+              <a:ext uri="{FF2B5EF4-FFF2-40B4-BE49-F238E27FC236}">
+                <a16:creationId xmlns:a16="http://schemas.microsoft.com/office/drawing/2014/main" id="{0510BCE9-1FC6-4813-9F22-DC4611F6CA40}"/>
+              </a:ext>
+            </a:extLst>
+          </p:cNvPr>
+          <p:cNvSpPr txBox="1"/>
+          <p:nvPr/>
+        </p:nvSpPr>
+        <p:spPr>
+          <a:xfrm>
+            <a:off x="8220182" y="5431643"/>
+            <a:ext cx="3688423" cy="1200329"/>
+          </a:xfrm>
+          <a:prstGeom prst="rect">
+            <a:avLst/>
+          </a:prstGeom>
+          <a:noFill/>
+        </p:spPr>
+        <p:txBody>
+          <a:bodyPr wrap="square" rtlCol="0">
+            <a:spAutoFit/>
+          </a:bodyPr>
+          <a:lstStyle/>
+          <a:p>
+            <a:r>
+              <a:rPr lang="en-US" dirty="0"/>
+              <a:t>Kernel density estimate with different bandwidths and 100 points (blue) from a standard normal distribution</a:t>
+            </a:r>
+          </a:p>
+        </p:txBody>
+      </p:sp>
+      <p:sp>
+        <p:nvSpPr>
+          <p:cNvPr id="6" name="Rectangle 5">
+            <a:extLst>
+              <a:ext uri="{FF2B5EF4-FFF2-40B4-BE49-F238E27FC236}">
+                <a16:creationId xmlns:a16="http://schemas.microsoft.com/office/drawing/2014/main" id="{B7FB6F75-DE04-416F-8EF6-063479C54A00}"/>
+              </a:ext>
+            </a:extLst>
+          </p:cNvPr>
+          <p:cNvSpPr/>
+          <p:nvPr/>
+        </p:nvSpPr>
+        <p:spPr>
+          <a:xfrm>
+            <a:off x="8220182" y="102742"/>
+            <a:ext cx="749157" cy="267128"/>
+          </a:xfrm>
+          <a:prstGeom prst="rect">
+            <a:avLst/>
+          </a:prstGeom>
+          <a:solidFill>
+            <a:schemeClr val="bg1">
+              <a:lumMod val="65000"/>
+            </a:schemeClr>
+          </a:solidFill>
+        </p:spPr>
+        <p:style>
+          <a:lnRef idx="2">
+            <a:schemeClr val="accent1">
+              <a:shade val="50000"/>
+            </a:schemeClr>
+          </a:lnRef>
+          <a:fillRef idx="1">
+            <a:schemeClr val="accent1"/>
+          </a:fillRef>
+          <a:effectRef idx="0">
+            <a:schemeClr val="accent1"/>
+          </a:effectRef>
+          <a:fontRef idx="minor">
+            <a:schemeClr val="lt1"/>
+          </a:fontRef>
+        </p:style>
+        <p:txBody>
+          <a:bodyPr rtlCol="0" anchor="ctr"/>
+          <a:lstStyle/>
+          <a:p>
+            <a:pPr algn="ctr"/>
+            <a:endParaRPr lang="en-US"/>
+          </a:p>
+        </p:txBody>
+      </p:sp>
+      <p:sp>
+        <p:nvSpPr>
+          <p:cNvPr id="10" name="Rectangle 9">
+            <a:extLst>
+              <a:ext uri="{FF2B5EF4-FFF2-40B4-BE49-F238E27FC236}">
+                <a16:creationId xmlns:a16="http://schemas.microsoft.com/office/drawing/2014/main" id="{76E20E0A-84F4-4EB5-A7FA-200EB5B1E2BE}"/>
+              </a:ext>
+            </a:extLst>
+          </p:cNvPr>
+          <p:cNvSpPr/>
+          <p:nvPr/>
+        </p:nvSpPr>
+        <p:spPr>
+          <a:xfrm>
+            <a:off x="8220182" y="449691"/>
+            <a:ext cx="749157" cy="267128"/>
+          </a:xfrm>
+          <a:prstGeom prst="rect">
+            <a:avLst/>
+          </a:prstGeom>
+          <a:solidFill>
+            <a:srgbClr val="00B050"/>
+          </a:solidFill>
+        </p:spPr>
+        <p:style>
+          <a:lnRef idx="2">
+            <a:schemeClr val="accent1">
+              <a:shade val="50000"/>
+            </a:schemeClr>
+          </a:lnRef>
+          <a:fillRef idx="1">
+            <a:schemeClr val="accent1"/>
+          </a:fillRef>
+          <a:effectRef idx="0">
+            <a:schemeClr val="accent1"/>
+          </a:effectRef>
+          <a:fontRef idx="minor">
+            <a:schemeClr val="lt1"/>
+          </a:fontRef>
+        </p:style>
+        <p:txBody>
+          <a:bodyPr rtlCol="0" anchor="ctr"/>
+          <a:lstStyle/>
+          <a:p>
+            <a:pPr algn="ctr"/>
+            <a:endParaRPr lang="en-US" dirty="0"/>
+          </a:p>
+        </p:txBody>
+      </p:sp>
+      <p:sp>
+        <p:nvSpPr>
+          <p:cNvPr id="11" name="Rectangle 10">
+            <a:extLst>
+              <a:ext uri="{FF2B5EF4-FFF2-40B4-BE49-F238E27FC236}">
+                <a16:creationId xmlns:a16="http://schemas.microsoft.com/office/drawing/2014/main" id="{0FF3CE12-C32A-48E1-BB69-0CD8739CA312}"/>
+              </a:ext>
+            </a:extLst>
+          </p:cNvPr>
+          <p:cNvSpPr/>
+          <p:nvPr/>
+        </p:nvSpPr>
+        <p:spPr>
+          <a:xfrm>
+            <a:off x="8220182" y="840110"/>
+            <a:ext cx="749157" cy="267128"/>
+          </a:xfrm>
+          <a:prstGeom prst="rect">
+            <a:avLst/>
+          </a:prstGeom>
+          <a:solidFill>
+            <a:schemeClr val="tx1"/>
+          </a:solidFill>
+        </p:spPr>
+        <p:style>
+          <a:lnRef idx="2">
+            <a:schemeClr val="accent1">
+              <a:shade val="50000"/>
+            </a:schemeClr>
+          </a:lnRef>
+          <a:fillRef idx="1">
+            <a:schemeClr val="accent1"/>
+          </a:fillRef>
+          <a:effectRef idx="0">
+            <a:schemeClr val="accent1"/>
+          </a:effectRef>
+          <a:fontRef idx="minor">
+            <a:schemeClr val="lt1"/>
+          </a:fontRef>
+        </p:style>
+        <p:txBody>
+          <a:bodyPr rtlCol="0" anchor="ctr"/>
+          <a:lstStyle/>
+          <a:p>
+            <a:pPr algn="ctr"/>
+            <a:endParaRPr lang="en-US"/>
+          </a:p>
+        </p:txBody>
+      </p:sp>
+      <p:sp>
+        <p:nvSpPr>
+          <p:cNvPr id="12" name="Rectangle 11">
+            <a:extLst>
+              <a:ext uri="{FF2B5EF4-FFF2-40B4-BE49-F238E27FC236}">
+                <a16:creationId xmlns:a16="http://schemas.microsoft.com/office/drawing/2014/main" id="{6FF3569F-B30D-43F2-BFD8-A40F5BC460F8}"/>
+              </a:ext>
+            </a:extLst>
+          </p:cNvPr>
+          <p:cNvSpPr/>
+          <p:nvPr/>
+        </p:nvSpPr>
+        <p:spPr>
+          <a:xfrm>
+            <a:off x="8220182" y="1212742"/>
+            <a:ext cx="749157" cy="267128"/>
+          </a:xfrm>
+          <a:prstGeom prst="rect">
+            <a:avLst/>
+          </a:prstGeom>
+          <a:solidFill>
+            <a:srgbClr val="FF0000"/>
+          </a:solidFill>
+        </p:spPr>
+        <p:style>
+          <a:lnRef idx="2">
+            <a:schemeClr val="accent1">
+              <a:shade val="50000"/>
+            </a:schemeClr>
+          </a:lnRef>
+          <a:fillRef idx="1">
+            <a:schemeClr val="accent1"/>
+          </a:fillRef>
+          <a:effectRef idx="0">
+            <a:schemeClr val="accent1"/>
+          </a:effectRef>
+          <a:fontRef idx="minor">
+            <a:schemeClr val="lt1"/>
+          </a:fontRef>
+        </p:style>
+        <p:txBody>
+          <a:bodyPr rtlCol="0" anchor="ctr"/>
+          <a:lstStyle/>
+          <a:p>
+            <a:pPr algn="ctr"/>
+            <a:endParaRPr lang="en-US"/>
+          </a:p>
+        </p:txBody>
+      </p:sp>
+      <mc:AlternateContent xmlns:mc="http://schemas.openxmlformats.org/markup-compatibility/2006">
+        <mc:Choice xmlns:a14="http://schemas.microsoft.com/office/drawing/2010/main" Requires="a14">
+          <p:sp>
+            <p:nvSpPr>
+              <p:cNvPr id="7" name="TextBox 6">
+                <a:extLst>
+                  <a:ext uri="{FF2B5EF4-FFF2-40B4-BE49-F238E27FC236}">
+                    <a16:creationId xmlns:a16="http://schemas.microsoft.com/office/drawing/2014/main" id="{B087E278-2527-4C9F-B826-6FAD19C22A4B}"/>
+                  </a:ext>
+                </a:extLst>
+              </p:cNvPr>
+              <p:cNvSpPr txBox="1"/>
+              <p:nvPr/>
+            </p:nvSpPr>
+            <p:spPr>
+              <a:xfrm>
+                <a:off x="9209496" y="836625"/>
+                <a:ext cx="2763749" cy="369332"/>
+              </a:xfrm>
+              <a:prstGeom prst="rect">
+                <a:avLst/>
+              </a:prstGeom>
+              <a:noFill/>
+            </p:spPr>
+            <p:txBody>
+              <a:bodyPr wrap="square" rtlCol="0">
+                <a:spAutoFit/>
+              </a:bodyPr>
+              <a:lstStyle/>
+              <a:p>
+                <a14:m>
+                  <m:oMath xmlns:m="http://schemas.openxmlformats.org/officeDocument/2006/math">
+                    <m:r>
+                      <a:rPr lang="en-US" i="1">
+                        <a:latin typeface="Cambria Math" panose="02040503050406030204" pitchFamily="18" charset="0"/>
+                        <a:ea typeface="Cambria Math" panose="02040503050406030204" pitchFamily="18" charset="0"/>
+                      </a:rPr>
+                      <m:t>𝜎</m:t>
+                    </m:r>
+                    <m:r>
+                      <a:rPr lang="en-US" i="1">
+                        <a:latin typeface="Cambria Math" panose="02040503050406030204" pitchFamily="18" charset="0"/>
+                        <a:ea typeface="Cambria Math" panose="02040503050406030204" pitchFamily="18" charset="0"/>
+                      </a:rPr>
+                      <m:t> </m:t>
+                    </m:r>
+                  </m:oMath>
+                </a14:m>
+                <a:r>
+                  <a:rPr lang="en-US" dirty="0"/>
+                  <a:t>= 0.337</a:t>
+                </a:r>
+              </a:p>
+            </p:txBody>
+          </p:sp>
+        </mc:Choice>
+        <mc:Fallback>
+          <p:sp>
+            <p:nvSpPr>
+              <p:cNvPr id="7" name="TextBox 6">
+                <a:extLst>
+                  <a:ext uri="{FF2B5EF4-FFF2-40B4-BE49-F238E27FC236}">
+                    <a16:creationId xmlns:a16="http://schemas.microsoft.com/office/drawing/2014/main" id="{B087E278-2527-4C9F-B826-6FAD19C22A4B}"/>
+                  </a:ext>
+                </a:extLst>
+              </p:cNvPr>
+              <p:cNvSpPr txBox="1">
+                <a:spLocks noRot="1" noChangeAspect="1" noMove="1" noResize="1" noEditPoints="1" noAdjustHandles="1" noChangeArrowheads="1" noChangeShapeType="1" noTextEdit="1"/>
+              </p:cNvSpPr>
+              <p:nvPr/>
+            </p:nvSpPr>
+            <p:spPr>
+              <a:xfrm>
+                <a:off x="9209496" y="836625"/>
+                <a:ext cx="2763749" cy="369332"/>
+              </a:xfrm>
+              <a:prstGeom prst="rect">
+                <a:avLst/>
+              </a:prstGeom>
+              <a:blipFill>
+                <a:blip r:embed="rId4"/>
+                <a:stretch>
+                  <a:fillRect t="-8197" b="-24590"/>
+                </a:stretch>
+              </a:blipFill>
+            </p:spPr>
+            <p:txBody>
+              <a:bodyPr/>
+              <a:lstStyle/>
+              <a:p>
+                <a:r>
+                  <a:rPr lang="en-US">
+                    <a:noFill/>
+                  </a:rPr>
+                  <a:t> </a:t>
+                </a:r>
+              </a:p>
+            </p:txBody>
+          </p:sp>
+        </mc:Fallback>
+      </mc:AlternateContent>
+      <mc:AlternateContent xmlns:mc="http://schemas.openxmlformats.org/markup-compatibility/2006">
+        <mc:Choice xmlns:a14="http://schemas.microsoft.com/office/drawing/2010/main" Requires="a14">
+          <p:sp>
+            <p:nvSpPr>
+              <p:cNvPr id="14" name="TextBox 13">
+                <a:extLst>
+                  <a:ext uri="{FF2B5EF4-FFF2-40B4-BE49-F238E27FC236}">
+                    <a16:creationId xmlns:a16="http://schemas.microsoft.com/office/drawing/2014/main" id="{20713F0C-E229-45FD-ACCA-0E824FFBDD58}"/>
+                  </a:ext>
+                </a:extLst>
+              </p:cNvPr>
+              <p:cNvSpPr txBox="1"/>
+              <p:nvPr/>
+            </p:nvSpPr>
+            <p:spPr>
+              <a:xfrm>
+                <a:off x="9209497" y="1159930"/>
+                <a:ext cx="2763749" cy="369332"/>
+              </a:xfrm>
+              <a:prstGeom prst="rect">
+                <a:avLst/>
+              </a:prstGeom>
+              <a:noFill/>
+            </p:spPr>
+            <p:txBody>
+              <a:bodyPr wrap="square" rtlCol="0">
+                <a:spAutoFit/>
+              </a:bodyPr>
+              <a:lstStyle/>
+              <a:p>
+                <a14:m>
+                  <m:oMath xmlns:m="http://schemas.openxmlformats.org/officeDocument/2006/math">
+                    <m:r>
+                      <a:rPr lang="en-US" i="1">
+                        <a:latin typeface="Cambria Math" panose="02040503050406030204" pitchFamily="18" charset="0"/>
+                        <a:ea typeface="Cambria Math" panose="02040503050406030204" pitchFamily="18" charset="0"/>
+                      </a:rPr>
+                      <m:t>𝜎</m:t>
+                    </m:r>
+                    <m:r>
+                      <a:rPr lang="en-US" i="1">
+                        <a:latin typeface="Cambria Math" panose="02040503050406030204" pitchFamily="18" charset="0"/>
+                        <a:ea typeface="Cambria Math" panose="02040503050406030204" pitchFamily="18" charset="0"/>
+                      </a:rPr>
+                      <m:t> </m:t>
+                    </m:r>
+                  </m:oMath>
+                </a14:m>
+                <a:r>
+                  <a:rPr lang="en-US" dirty="0"/>
+                  <a:t>= 0.05</a:t>
+                </a:r>
+              </a:p>
+            </p:txBody>
+          </p:sp>
+        </mc:Choice>
+        <mc:Fallback>
+          <p:sp>
+            <p:nvSpPr>
+              <p:cNvPr id="14" name="TextBox 13">
+                <a:extLst>
+                  <a:ext uri="{FF2B5EF4-FFF2-40B4-BE49-F238E27FC236}">
+                    <a16:creationId xmlns:a16="http://schemas.microsoft.com/office/drawing/2014/main" id="{20713F0C-E229-45FD-ACCA-0E824FFBDD58}"/>
+                  </a:ext>
+                </a:extLst>
+              </p:cNvPr>
+              <p:cNvSpPr txBox="1">
+                <a:spLocks noRot="1" noChangeAspect="1" noMove="1" noResize="1" noEditPoints="1" noAdjustHandles="1" noChangeArrowheads="1" noChangeShapeType="1" noTextEdit="1"/>
+              </p:cNvSpPr>
+              <p:nvPr/>
+            </p:nvSpPr>
+            <p:spPr>
+              <a:xfrm>
+                <a:off x="9209497" y="1159930"/>
+                <a:ext cx="2763749" cy="369332"/>
+              </a:xfrm>
+              <a:prstGeom prst="rect">
+                <a:avLst/>
+              </a:prstGeom>
+              <a:blipFill>
+                <a:blip r:embed="rId5"/>
+                <a:stretch>
+                  <a:fillRect t="-8197" b="-24590"/>
+                </a:stretch>
+              </a:blipFill>
+            </p:spPr>
+            <p:txBody>
+              <a:bodyPr/>
+              <a:lstStyle/>
+              <a:p>
+                <a:r>
+                  <a:rPr lang="en-US">
+                    <a:noFill/>
+                  </a:rPr>
+                  <a:t> </a:t>
+                </a:r>
+              </a:p>
+            </p:txBody>
+          </p:sp>
+        </mc:Fallback>
+      </mc:AlternateContent>
+      <mc:AlternateContent xmlns:mc="http://schemas.openxmlformats.org/markup-compatibility/2006">
+        <mc:Choice xmlns:a14="http://schemas.microsoft.com/office/drawing/2010/main" Requires="a14">
+          <p:sp>
+            <p:nvSpPr>
+              <p:cNvPr id="15" name="TextBox 14">
+                <a:extLst>
+                  <a:ext uri="{FF2B5EF4-FFF2-40B4-BE49-F238E27FC236}">
+                    <a16:creationId xmlns:a16="http://schemas.microsoft.com/office/drawing/2014/main" id="{CB4E293A-24EB-43AF-BCC8-DEB4408C7591}"/>
+                  </a:ext>
+                </a:extLst>
+              </p:cNvPr>
+              <p:cNvSpPr txBox="1"/>
+              <p:nvPr/>
+            </p:nvSpPr>
+            <p:spPr>
+              <a:xfrm>
+                <a:off x="9209496" y="467293"/>
+                <a:ext cx="2763749" cy="369332"/>
+              </a:xfrm>
+              <a:prstGeom prst="rect">
+                <a:avLst/>
+              </a:prstGeom>
+              <a:noFill/>
+            </p:spPr>
+            <p:txBody>
+              <a:bodyPr wrap="square" rtlCol="0">
+                <a:spAutoFit/>
+              </a:bodyPr>
+              <a:lstStyle/>
+              <a:p>
+                <a14:m>
+                  <m:oMath xmlns:m="http://schemas.openxmlformats.org/officeDocument/2006/math">
+                    <m:r>
+                      <a:rPr lang="en-US" i="1">
+                        <a:latin typeface="Cambria Math" panose="02040503050406030204" pitchFamily="18" charset="0"/>
+                        <a:ea typeface="Cambria Math" panose="02040503050406030204" pitchFamily="18" charset="0"/>
+                      </a:rPr>
+                      <m:t>𝜎</m:t>
+                    </m:r>
+                    <m:r>
+                      <a:rPr lang="en-US" i="1">
+                        <a:latin typeface="Cambria Math" panose="02040503050406030204" pitchFamily="18" charset="0"/>
+                        <a:ea typeface="Cambria Math" panose="02040503050406030204" pitchFamily="18" charset="0"/>
+                      </a:rPr>
+                      <m:t> </m:t>
+                    </m:r>
+                  </m:oMath>
+                </a14:m>
+                <a:r>
+                  <a:rPr lang="en-US" dirty="0"/>
+                  <a:t>= 2</a:t>
+                </a:r>
+              </a:p>
+            </p:txBody>
+          </p:sp>
+        </mc:Choice>
+        <mc:Fallback>
+          <p:sp>
+            <p:nvSpPr>
+              <p:cNvPr id="15" name="TextBox 14">
+                <a:extLst>
+                  <a:ext uri="{FF2B5EF4-FFF2-40B4-BE49-F238E27FC236}">
+                    <a16:creationId xmlns:a16="http://schemas.microsoft.com/office/drawing/2014/main" id="{CB4E293A-24EB-43AF-BCC8-DEB4408C7591}"/>
+                  </a:ext>
+                </a:extLst>
+              </p:cNvPr>
+              <p:cNvSpPr txBox="1">
+                <a:spLocks noRot="1" noChangeAspect="1" noMove="1" noResize="1" noEditPoints="1" noAdjustHandles="1" noChangeArrowheads="1" noChangeShapeType="1" noTextEdit="1"/>
+              </p:cNvSpPr>
+              <p:nvPr/>
+            </p:nvSpPr>
+            <p:spPr>
+              <a:xfrm>
+                <a:off x="9209496" y="467293"/>
+                <a:ext cx="2763749" cy="369332"/>
+              </a:xfrm>
+              <a:prstGeom prst="rect">
+                <a:avLst/>
+              </a:prstGeom>
+              <a:blipFill>
+                <a:blip r:embed="rId6"/>
+                <a:stretch>
+                  <a:fillRect t="-10000" b="-26667"/>
+                </a:stretch>
+              </a:blipFill>
+            </p:spPr>
+            <p:txBody>
+              <a:bodyPr/>
+              <a:lstStyle/>
+              <a:p>
+                <a:r>
+                  <a:rPr lang="en-US">
+                    <a:noFill/>
+                  </a:rPr>
+                  <a:t> </a:t>
+                </a:r>
+              </a:p>
+            </p:txBody>
+          </p:sp>
+        </mc:Fallback>
+      </mc:AlternateContent>
+      <p:sp>
+        <p:nvSpPr>
+          <p:cNvPr id="16" name="TextBox 15">
+            <a:extLst>
+              <a:ext uri="{FF2B5EF4-FFF2-40B4-BE49-F238E27FC236}">
+                <a16:creationId xmlns:a16="http://schemas.microsoft.com/office/drawing/2014/main" id="{E0A213B6-2682-4D26-B181-F811DFEC6EE6}"/>
+              </a:ext>
+            </a:extLst>
+          </p:cNvPr>
+          <p:cNvSpPr txBox="1"/>
+          <p:nvPr/>
+        </p:nvSpPr>
+        <p:spPr>
+          <a:xfrm>
+            <a:off x="9209496" y="70420"/>
+            <a:ext cx="2763749" cy="369332"/>
+          </a:xfrm>
+          <a:prstGeom prst="rect">
+            <a:avLst/>
+          </a:prstGeom>
+          <a:noFill/>
+        </p:spPr>
+        <p:txBody>
+          <a:bodyPr wrap="square" rtlCol="0">
+            <a:spAutoFit/>
+          </a:bodyPr>
+          <a:lstStyle/>
+          <a:p>
+            <a:r>
+              <a:rPr lang="en-US" dirty="0"/>
+              <a:t>True distribution</a:t>
+            </a:r>
+          </a:p>
+        </p:txBody>
+      </p:sp>
+      <mc:AlternateContent xmlns:mc="http://schemas.openxmlformats.org/markup-compatibility/2006">
+        <mc:Choice xmlns:a14="http://schemas.microsoft.com/office/drawing/2010/main" Requires="a14">
+          <p:sp>
+            <p:nvSpPr>
+              <p:cNvPr id="9" name="Rectangle 8">
+                <a:extLst>
+                  <a:ext uri="{FF2B5EF4-FFF2-40B4-BE49-F238E27FC236}">
+                    <a16:creationId xmlns:a16="http://schemas.microsoft.com/office/drawing/2014/main" id="{13A74886-AF37-4DDB-8926-F4EFDF6D1CDC}"/>
+                  </a:ext>
+                </a:extLst>
+              </p:cNvPr>
+              <p:cNvSpPr/>
+              <p:nvPr/>
+            </p:nvSpPr>
+            <p:spPr>
+              <a:xfrm>
+                <a:off x="1836071" y="973674"/>
+                <a:ext cx="2679901" cy="848566"/>
+              </a:xfrm>
+              <a:prstGeom prst="rect">
+                <a:avLst/>
+              </a:prstGeom>
+            </p:spPr>
+            <p:txBody>
+              <a:bodyPr wrap="none">
+                <a:spAutoFit/>
+              </a:bodyPr>
+              <a:lstStyle/>
+              <a:p>
+                <a14:m>
+                  <m:oMathPara xmlns:m="http://schemas.openxmlformats.org/officeDocument/2006/math">
+                    <m:oMathParaPr>
+                      <m:jc m:val="centerGroup"/>
+                    </m:oMathParaPr>
+                    <m:oMath xmlns:m="http://schemas.openxmlformats.org/officeDocument/2006/math">
+                      <m:acc>
+                        <m:accPr>
+                          <m:chr m:val="̂"/>
+                          <m:ctrlPr>
+                            <a:rPr lang="en-US" i="1">
+                              <a:latin typeface="Cambria Math" panose="02040503050406030204" pitchFamily="18" charset="0"/>
+                            </a:rPr>
+                          </m:ctrlPr>
+                        </m:accPr>
+                        <m:e>
+                          <m:r>
+                            <a:rPr lang="en-US" i="1">
+                              <a:latin typeface="Cambria Math" panose="02040503050406030204" pitchFamily="18" charset="0"/>
+                            </a:rPr>
+                            <m:t>𝑝</m:t>
+                          </m:r>
+                        </m:e>
+                      </m:acc>
+                      <m:d>
+                        <m:dPr>
+                          <m:ctrlPr>
+                            <a:rPr lang="en-US" i="1">
+                              <a:latin typeface="Cambria Math" panose="02040503050406030204" pitchFamily="18" charset="0"/>
+                            </a:rPr>
+                          </m:ctrlPr>
+                        </m:dPr>
+                        <m:e>
+                          <m:r>
+                            <a:rPr lang="en-US" b="1" i="1">
+                              <a:latin typeface="Cambria Math" panose="02040503050406030204" pitchFamily="18" charset="0"/>
+                            </a:rPr>
+                            <m:t>𝒙</m:t>
+                          </m:r>
+                        </m:e>
+                      </m:d>
+                      <m:r>
+                        <a:rPr lang="en-US" i="1">
+                          <a:latin typeface="Cambria Math" panose="02040503050406030204" pitchFamily="18" charset="0"/>
+                        </a:rPr>
+                        <m:t> </m:t>
+                      </m:r>
+                      <m:r>
+                        <a:rPr lang="en-US" b="1" i="1">
+                          <a:latin typeface="Cambria Math" panose="02040503050406030204" pitchFamily="18" charset="0"/>
+                        </a:rPr>
+                        <m:t>=</m:t>
+                      </m:r>
+                      <m:f>
+                        <m:fPr>
+                          <m:ctrlPr>
+                            <a:rPr lang="en-US" i="1">
+                              <a:latin typeface="Cambria Math" panose="02040503050406030204" pitchFamily="18" charset="0"/>
+                            </a:rPr>
+                          </m:ctrlPr>
+                        </m:fPr>
+                        <m:num>
+                          <m:r>
+                            <a:rPr lang="en-US" i="1">
+                              <a:latin typeface="Cambria Math" panose="02040503050406030204" pitchFamily="18" charset="0"/>
+                            </a:rPr>
+                            <m:t>1</m:t>
+                          </m:r>
+                        </m:num>
+                        <m:den>
+                          <m:r>
+                            <a:rPr lang="en-US" i="1">
+                              <a:latin typeface="Cambria Math" panose="02040503050406030204" pitchFamily="18" charset="0"/>
+                            </a:rPr>
+                            <m:t>𝑛</m:t>
+                          </m:r>
+                          <m:r>
+                            <a:rPr lang="en-US" i="1">
+                              <a:latin typeface="Cambria Math" panose="02040503050406030204" pitchFamily="18" charset="0"/>
+                              <a:ea typeface="Cambria Math" panose="02040503050406030204" pitchFamily="18" charset="0"/>
+                            </a:rPr>
+                            <m:t>𝜎</m:t>
+                          </m:r>
+                        </m:den>
+                      </m:f>
+                      <m:nary>
+                        <m:naryPr>
+                          <m:chr m:val="∑"/>
+                          <m:ctrlPr>
+                            <a:rPr lang="en-US" i="1">
+                              <a:latin typeface="Cambria Math" panose="02040503050406030204" pitchFamily="18" charset="0"/>
+                              <a:ea typeface="Cambria Math" panose="02040503050406030204" pitchFamily="18" charset="0"/>
+                            </a:rPr>
+                          </m:ctrlPr>
+                        </m:naryPr>
+                        <m:sub>
+                          <m:r>
+                            <m:rPr>
+                              <m:brk m:alnAt="23"/>
+                            </m:rPr>
+                            <a:rPr lang="en-US" i="1">
+                              <a:latin typeface="Cambria Math" panose="02040503050406030204" pitchFamily="18" charset="0"/>
+                              <a:ea typeface="Cambria Math" panose="02040503050406030204" pitchFamily="18" charset="0"/>
+                            </a:rPr>
+                            <m:t>𝑖</m:t>
+                          </m:r>
+                          <m:r>
+                            <a:rPr lang="en-US" i="1">
+                              <a:latin typeface="Cambria Math" panose="02040503050406030204" pitchFamily="18" charset="0"/>
+                              <a:ea typeface="Cambria Math" panose="02040503050406030204" pitchFamily="18" charset="0"/>
+                            </a:rPr>
+                            <m:t>=1</m:t>
+                          </m:r>
+                        </m:sub>
+                        <m:sup>
+                          <m:r>
+                            <a:rPr lang="en-US" i="1">
+                              <a:latin typeface="Cambria Math" panose="02040503050406030204" pitchFamily="18" charset="0"/>
+                              <a:ea typeface="Cambria Math" panose="02040503050406030204" pitchFamily="18" charset="0"/>
+                            </a:rPr>
+                            <m:t>𝑛</m:t>
+                          </m:r>
+                        </m:sup>
+                        <m:e>
+                          <m:r>
+                            <a:rPr lang="en-US" i="1">
+                              <a:latin typeface="Cambria Math" panose="02040503050406030204" pitchFamily="18" charset="0"/>
+                              <a:ea typeface="Cambria Math" panose="02040503050406030204" pitchFamily="18" charset="0"/>
+                            </a:rPr>
+                            <m:t>𝐾</m:t>
+                          </m:r>
+                          <m:r>
+                            <a:rPr lang="en-US" i="1">
+                              <a:latin typeface="Cambria Math" panose="02040503050406030204" pitchFamily="18" charset="0"/>
+                              <a:ea typeface="Cambria Math" panose="02040503050406030204" pitchFamily="18" charset="0"/>
+                            </a:rPr>
+                            <m:t>(</m:t>
+                          </m:r>
+                          <m:f>
+                            <m:fPr>
+                              <m:ctrlPr>
+                                <a:rPr lang="en-US" i="1">
+                                  <a:latin typeface="Cambria Math" panose="02040503050406030204" pitchFamily="18" charset="0"/>
+                                  <a:ea typeface="Cambria Math" panose="02040503050406030204" pitchFamily="18" charset="0"/>
+                                </a:rPr>
+                              </m:ctrlPr>
+                            </m:fPr>
+                            <m:num>
+                              <m:r>
+                                <a:rPr lang="en-US" b="1" i="1">
+                                  <a:latin typeface="Cambria Math" panose="02040503050406030204" pitchFamily="18" charset="0"/>
+                                  <a:ea typeface="Cambria Math" panose="02040503050406030204" pitchFamily="18" charset="0"/>
+                                </a:rPr>
+                                <m:t>𝒙</m:t>
+                              </m:r>
+                              <m:r>
+                                <a:rPr lang="en-US" b="1" i="1">
+                                  <a:latin typeface="Cambria Math" panose="02040503050406030204" pitchFamily="18" charset="0"/>
+                                  <a:ea typeface="Cambria Math" panose="02040503050406030204" pitchFamily="18" charset="0"/>
+                                </a:rPr>
+                                <m:t>−</m:t>
+                              </m:r>
+                              <m:sSub>
+                                <m:sSubPr>
+                                  <m:ctrlPr>
+                                    <a:rPr lang="en-US" b="1" i="1">
+                                      <a:latin typeface="Cambria Math" panose="02040503050406030204" pitchFamily="18" charset="0"/>
+                                      <a:ea typeface="Cambria Math" panose="02040503050406030204" pitchFamily="18" charset="0"/>
+                                    </a:rPr>
+                                  </m:ctrlPr>
+                                </m:sSubPr>
+                                <m:e>
+                                  <m:r>
+                                    <a:rPr lang="en-US" b="1" i="1">
+                                      <a:latin typeface="Cambria Math" panose="02040503050406030204" pitchFamily="18" charset="0"/>
+                                      <a:ea typeface="Cambria Math" panose="02040503050406030204" pitchFamily="18" charset="0"/>
+                                    </a:rPr>
+                                    <m:t>𝒙</m:t>
+                                  </m:r>
+                                </m:e>
+                                <m:sub>
+                                  <m:r>
+                                    <a:rPr lang="en-US" i="1">
+                                      <a:latin typeface="Cambria Math" panose="02040503050406030204" pitchFamily="18" charset="0"/>
+                                      <a:ea typeface="Cambria Math" panose="02040503050406030204" pitchFamily="18" charset="0"/>
+                                    </a:rPr>
+                                    <m:t>𝑖</m:t>
+                                  </m:r>
+                                </m:sub>
+                              </m:sSub>
+                            </m:num>
+                            <m:den>
+                              <m:r>
+                                <a:rPr lang="en-US" i="1">
+                                  <a:latin typeface="Cambria Math" panose="02040503050406030204" pitchFamily="18" charset="0"/>
+                                  <a:ea typeface="Cambria Math" panose="02040503050406030204" pitchFamily="18" charset="0"/>
+                                </a:rPr>
+                                <m:t>𝜎</m:t>
+                              </m:r>
+                            </m:den>
+                          </m:f>
+                          <m:r>
+                            <a:rPr lang="en-US" i="1">
+                              <a:latin typeface="Cambria Math" panose="02040503050406030204" pitchFamily="18" charset="0"/>
+                              <a:ea typeface="Cambria Math" panose="02040503050406030204" pitchFamily="18" charset="0"/>
+                            </a:rPr>
+                            <m:t>)</m:t>
+                          </m:r>
+                        </m:e>
+                      </m:nary>
+                    </m:oMath>
+                  </m:oMathPara>
+                </a14:m>
+                <a:endParaRPr lang="en-US" dirty="0"/>
+              </a:p>
+            </p:txBody>
+          </p:sp>
+        </mc:Choice>
+        <mc:Fallback>
+          <p:sp>
+            <p:nvSpPr>
+              <p:cNvPr id="9" name="Rectangle 8">
+                <a:extLst>
+                  <a:ext uri="{FF2B5EF4-FFF2-40B4-BE49-F238E27FC236}">
+                    <a16:creationId xmlns:a16="http://schemas.microsoft.com/office/drawing/2014/main" id="{13A74886-AF37-4DDB-8926-F4EFDF6D1CDC}"/>
+                  </a:ext>
+                </a:extLst>
+              </p:cNvPr>
+              <p:cNvSpPr>
+                <a:spLocks noRot="1" noChangeAspect="1" noMove="1" noResize="1" noEditPoints="1" noAdjustHandles="1" noChangeArrowheads="1" noChangeShapeType="1" noTextEdit="1"/>
+              </p:cNvSpPr>
+              <p:nvPr/>
+            </p:nvSpPr>
+            <p:spPr>
+              <a:xfrm>
+                <a:off x="1836071" y="973674"/>
+                <a:ext cx="2679901" cy="848566"/>
+              </a:xfrm>
+              <a:prstGeom prst="rect">
+                <a:avLst/>
+              </a:prstGeom>
+              <a:blipFill>
+                <a:blip r:embed="rId7"/>
+                <a:stretch>
+                  <a:fillRect/>
+                </a:stretch>
+              </a:blipFill>
+            </p:spPr>
+            <p:txBody>
+              <a:bodyPr/>
+              <a:lstStyle/>
+              <a:p>
+                <a:r>
+                  <a:rPr lang="en-US">
+                    <a:noFill/>
+                  </a:rPr>
+                  <a:t> </a:t>
+                </a:r>
+              </a:p>
+            </p:txBody>
+          </p:sp>
+        </mc:Fallback>
+      </mc:AlternateContent>
+      <p:sp>
+        <p:nvSpPr>
+          <p:cNvPr id="13" name="TextBox 12">
+            <a:extLst>
+              <a:ext uri="{FF2B5EF4-FFF2-40B4-BE49-F238E27FC236}">
+                <a16:creationId xmlns:a16="http://schemas.microsoft.com/office/drawing/2014/main" id="{BEDF9EAC-60C9-40C0-B1FF-6E9AD966BF84}"/>
+              </a:ext>
+            </a:extLst>
+          </p:cNvPr>
+          <p:cNvSpPr txBox="1"/>
+          <p:nvPr/>
+        </p:nvSpPr>
+        <p:spPr>
+          <a:xfrm>
+            <a:off x="3455111" y="6560970"/>
+            <a:ext cx="5754385" cy="276999"/>
+          </a:xfrm>
+          <a:prstGeom prst="rect">
+            <a:avLst/>
+          </a:prstGeom>
+          <a:noFill/>
+        </p:spPr>
+        <p:txBody>
+          <a:bodyPr wrap="square" rtlCol="0">
+            <a:spAutoFit/>
+          </a:bodyPr>
+          <a:lstStyle/>
+          <a:p>
+            <a:r>
+              <a:rPr lang="en-US" sz="1200" dirty="0">
+                <a:hlinkClick r:id="rId8"/>
+              </a:rPr>
+              <a:t>https://en.wikipedia.org/wiki/Kernel_density_estimation</a:t>
+            </a:r>
+            <a:endParaRPr lang="en-US" sz="1200" dirty="0"/>
+          </a:p>
+        </p:txBody>
+      </p:sp>
+    </p:spTree>
+    <p:extLst>
+      <p:ext uri="{BB962C8B-B14F-4D97-AF65-F5344CB8AC3E}">
+        <p14:creationId xmlns:p14="http://schemas.microsoft.com/office/powerpoint/2010/main" val="1849713606"/>
+      </p:ext>
+    </p:extLst>
+  </p:cSld>
+  <p:clrMapOvr>
+    <a:masterClrMapping/>
+  </p:clrMapOvr>
+  <p:timing>
+    <p:tnLst>
+      <p:par>
+        <p:cTn id="1" dur="indefinite" restart="never" nodeType="tmRoot">
+          <p:childTnLst>
+            <p:seq concurrent="1" nextAc="seek">
+              <p:cTn id="2" dur="indefinite" nodeType="mainSeq">
+                <p:childTnLst>
+                  <p:par>
+                    <p:cTn id="3" fill="hold">
+                      <p:stCondLst>
+                        <p:cond delay="indefinite"/>
+                      </p:stCondLst>
+                      <p:childTnLst>
+                        <p:par>
+                          <p:cTn id="4" fill="hold">
+                            <p:stCondLst>
+                              <p:cond delay="0"/>
+                            </p:stCondLst>
+                            <p:childTnLst>
+                              <p:par>
+                                <p:cTn id="5" presetID="1" presetClass="entr" presetSubtype="0" fill="hold" nodeType="clickEffect">
+                                  <p:stCondLst>
+                                    <p:cond delay="0"/>
+                                  </p:stCondLst>
+                                  <p:childTnLst>
+                                    <p:set>
+                                      <p:cBhvr>
+                                        <p:cTn id="6" dur="1" fill="hold">
+                                          <p:stCondLst>
+                                            <p:cond delay="0"/>
+                                          </p:stCondLst>
+                                        </p:cTn>
+                                        <p:tgtEl>
+                                          <p:spTgt spid="2050"/>
+                                        </p:tgtEl>
+                                        <p:attrNameLst>
+                                          <p:attrName>style.visibility</p:attrName>
+                                        </p:attrNameLst>
+                                      </p:cBhvr>
+                                      <p:to>
+                                        <p:strVal val="visible"/>
+                                      </p:to>
+                                    </p:set>
+                                  </p:childTnLst>
+                                </p:cTn>
+                              </p:par>
+                              <p:par>
+                                <p:cTn id="7" presetID="1" presetClass="entr" presetSubtype="0" fill="hold" grpId="0" nodeType="withEffect">
+                                  <p:stCondLst>
+                                    <p:cond delay="0"/>
+                                  </p:stCondLst>
+                                  <p:childTnLst>
+                                    <p:set>
+                                      <p:cBhvr>
+                                        <p:cTn id="8" dur="1" fill="hold">
+                                          <p:stCondLst>
+                                            <p:cond delay="0"/>
+                                          </p:stCondLst>
+                                        </p:cTn>
+                                        <p:tgtEl>
+                                          <p:spTgt spid="4"/>
+                                        </p:tgtEl>
+                                        <p:attrNameLst>
+                                          <p:attrName>style.visibility</p:attrName>
+                                        </p:attrNameLst>
+                                      </p:cBhvr>
+                                      <p:to>
+                                        <p:strVal val="visible"/>
+                                      </p:to>
+                                    </p:set>
+                                  </p:childTnLst>
+                                </p:cTn>
+                              </p:par>
+                            </p:childTnLst>
+                          </p:cTn>
+                        </p:par>
+                      </p:childTnLst>
+                    </p:cTn>
+                  </p:par>
+                  <p:par>
+                    <p:cTn id="9" fill="hold">
+                      <p:stCondLst>
+                        <p:cond delay="indefinite"/>
+                      </p:stCondLst>
+                      <p:childTnLst>
+                        <p:par>
+                          <p:cTn id="10" fill="hold">
+                            <p:stCondLst>
+                              <p:cond delay="0"/>
+                            </p:stCondLst>
+                            <p:childTnLst>
+                              <p:par>
+                                <p:cTn id="11" presetID="1" presetClass="entr" presetSubtype="0" fill="hold" nodeType="clickEffect">
+                                  <p:stCondLst>
+                                    <p:cond delay="0"/>
+                                  </p:stCondLst>
+                                  <p:childTnLst>
+                                    <p:set>
+                                      <p:cBhvr>
+                                        <p:cTn id="12" dur="1" fill="hold">
+                                          <p:stCondLst>
+                                            <p:cond delay="0"/>
+                                          </p:stCondLst>
+                                        </p:cTn>
+                                        <p:tgtEl>
+                                          <p:spTgt spid="2054"/>
+                                        </p:tgtEl>
+                                        <p:attrNameLst>
+                                          <p:attrName>style.visibility</p:attrName>
+                                        </p:attrNameLst>
+                                      </p:cBhvr>
+                                      <p:to>
+                                        <p:strVal val="visible"/>
+                                      </p:to>
+                                    </p:set>
+                                  </p:childTnLst>
+                                </p:cTn>
+                              </p:par>
+                              <p:par>
+                                <p:cTn id="13" presetID="1" presetClass="entr" presetSubtype="0" fill="hold" grpId="0" nodeType="withEffect">
+                                  <p:stCondLst>
+                                    <p:cond delay="0"/>
+                                  </p:stCondLst>
+                                  <p:childTnLst>
+                                    <p:set>
+                                      <p:cBhvr>
+                                        <p:cTn id="14" dur="1" fill="hold">
+                                          <p:stCondLst>
+                                            <p:cond delay="0"/>
+                                          </p:stCondLst>
+                                        </p:cTn>
+                                        <p:tgtEl>
+                                          <p:spTgt spid="5"/>
+                                        </p:tgtEl>
+                                        <p:attrNameLst>
+                                          <p:attrName>style.visibility</p:attrName>
+                                        </p:attrNameLst>
+                                      </p:cBhvr>
+                                      <p:to>
+                                        <p:strVal val="visible"/>
+                                      </p:to>
+                                    </p:set>
+                                  </p:childTnLst>
+                                </p:cTn>
+                              </p:par>
+                            </p:childTnLst>
+                          </p:cTn>
+                        </p:par>
+                      </p:childTnLst>
+                    </p:cTn>
+                  </p:par>
+                  <p:par>
+                    <p:cTn id="15" fill="hold">
+                      <p:stCondLst>
+                        <p:cond delay="indefinite"/>
+                      </p:stCondLst>
+                      <p:childTnLst>
+                        <p:par>
+                          <p:cTn id="16" fill="hold">
+                            <p:stCondLst>
+                              <p:cond delay="0"/>
+                            </p:stCondLst>
+                            <p:childTnLst>
+                              <p:par>
+                                <p:cTn id="17" presetID="1" presetClass="entr" presetSubtype="0" fill="hold" grpId="0" nodeType="clickEffect">
+                                  <p:stCondLst>
+                                    <p:cond delay="0"/>
+                                  </p:stCondLst>
+                                  <p:childTnLst>
+                                    <p:set>
+                                      <p:cBhvr>
+                                        <p:cTn id="18" dur="1" fill="hold">
+                                          <p:stCondLst>
+                                            <p:cond delay="0"/>
+                                          </p:stCondLst>
+                                        </p:cTn>
+                                        <p:tgtEl>
+                                          <p:spTgt spid="6"/>
+                                        </p:tgtEl>
+                                        <p:attrNameLst>
+                                          <p:attrName>style.visibility</p:attrName>
+                                        </p:attrNameLst>
+                                      </p:cBhvr>
+                                      <p:to>
+                                        <p:strVal val="visible"/>
+                                      </p:to>
+                                    </p:set>
+                                  </p:childTnLst>
+                                </p:cTn>
+                              </p:par>
+                              <p:par>
+                                <p:cTn id="19" presetID="1" presetClass="entr" presetSubtype="0" fill="hold" grpId="0" nodeType="withEffect">
+                                  <p:stCondLst>
+                                    <p:cond delay="0"/>
+                                  </p:stCondLst>
+                                  <p:childTnLst>
+                                    <p:set>
+                                      <p:cBhvr>
+                                        <p:cTn id="20" dur="1" fill="hold">
+                                          <p:stCondLst>
+                                            <p:cond delay="0"/>
+                                          </p:stCondLst>
+                                        </p:cTn>
+                                        <p:tgtEl>
+                                          <p:spTgt spid="16"/>
+                                        </p:tgtEl>
+                                        <p:attrNameLst>
+                                          <p:attrName>style.visibility</p:attrName>
+                                        </p:attrNameLst>
+                                      </p:cBhvr>
+                                      <p:to>
+                                        <p:strVal val="visible"/>
+                                      </p:to>
+                                    </p:set>
+                                  </p:childTnLst>
+                                </p:cTn>
+                              </p:par>
+                            </p:childTnLst>
+                          </p:cTn>
+                        </p:par>
+                      </p:childTnLst>
+                    </p:cTn>
+                  </p:par>
+                  <p:par>
+                    <p:cTn id="21" fill="hold">
+                      <p:stCondLst>
+                        <p:cond delay="indefinite"/>
+                      </p:stCondLst>
+                      <p:childTnLst>
+                        <p:par>
+                          <p:cTn id="22" fill="hold">
+                            <p:stCondLst>
+                              <p:cond delay="0"/>
+                            </p:stCondLst>
+                            <p:childTnLst>
+                              <p:par>
+                                <p:cTn id="23" presetID="1" presetClass="entr" presetSubtype="0" fill="hold" grpId="0" nodeType="clickEffect">
+                                  <p:stCondLst>
+                                    <p:cond delay="0"/>
+                                  </p:stCondLst>
+                                  <p:childTnLst>
+                                    <p:set>
+                                      <p:cBhvr>
+                                        <p:cTn id="24" dur="1" fill="hold">
+                                          <p:stCondLst>
+                                            <p:cond delay="0"/>
+                                          </p:stCondLst>
+                                        </p:cTn>
+                                        <p:tgtEl>
+                                          <p:spTgt spid="10"/>
+                                        </p:tgtEl>
+                                        <p:attrNameLst>
+                                          <p:attrName>style.visibility</p:attrName>
+                                        </p:attrNameLst>
+                                      </p:cBhvr>
+                                      <p:to>
+                                        <p:strVal val="visible"/>
+                                      </p:to>
+                                    </p:set>
+                                  </p:childTnLst>
+                                </p:cTn>
+                              </p:par>
+                              <p:par>
+                                <p:cTn id="25" presetID="1" presetClass="entr" presetSubtype="0" fill="hold" grpId="0" nodeType="withEffect">
+                                  <p:stCondLst>
+                                    <p:cond delay="0"/>
+                                  </p:stCondLst>
+                                  <p:childTnLst>
+                                    <p:set>
+                                      <p:cBhvr>
+                                        <p:cTn id="26" dur="1" fill="hold">
+                                          <p:stCondLst>
+                                            <p:cond delay="0"/>
+                                          </p:stCondLst>
+                                        </p:cTn>
+                                        <p:tgtEl>
+                                          <p:spTgt spid="15"/>
+                                        </p:tgtEl>
+                                        <p:attrNameLst>
+                                          <p:attrName>style.visibility</p:attrName>
+                                        </p:attrNameLst>
+                                      </p:cBhvr>
+                                      <p:to>
+                                        <p:strVal val="visible"/>
+                                      </p:to>
+                                    </p:set>
+                                  </p:childTnLst>
+                                </p:cTn>
+                              </p:par>
+                            </p:childTnLst>
+                          </p:cTn>
+                        </p:par>
+                      </p:childTnLst>
+                    </p:cTn>
+                  </p:par>
+                  <p:par>
+                    <p:cTn id="27" fill="hold">
+                      <p:stCondLst>
+                        <p:cond delay="indefinite"/>
+                      </p:stCondLst>
+                      <p:childTnLst>
+                        <p:par>
+                          <p:cTn id="28" fill="hold">
+                            <p:stCondLst>
+                              <p:cond delay="0"/>
+                            </p:stCondLst>
+                            <p:childTnLst>
+                              <p:par>
+                                <p:cTn id="29" presetID="1" presetClass="entr" presetSubtype="0" fill="hold" grpId="0" nodeType="clickEffect">
+                                  <p:stCondLst>
+                                    <p:cond delay="0"/>
+                                  </p:stCondLst>
+                                  <p:childTnLst>
+                                    <p:set>
+                                      <p:cBhvr>
+                                        <p:cTn id="30" dur="1" fill="hold">
+                                          <p:stCondLst>
+                                            <p:cond delay="0"/>
+                                          </p:stCondLst>
+                                        </p:cTn>
+                                        <p:tgtEl>
+                                          <p:spTgt spid="11"/>
+                                        </p:tgtEl>
+                                        <p:attrNameLst>
+                                          <p:attrName>style.visibility</p:attrName>
+                                        </p:attrNameLst>
+                                      </p:cBhvr>
+                                      <p:to>
+                                        <p:strVal val="visible"/>
+                                      </p:to>
+                                    </p:set>
+                                  </p:childTnLst>
+                                </p:cTn>
+                              </p:par>
+                              <p:par>
+                                <p:cTn id="31" presetID="1" presetClass="entr" presetSubtype="0" fill="hold" grpId="0" nodeType="withEffect">
+                                  <p:stCondLst>
+                                    <p:cond delay="0"/>
+                                  </p:stCondLst>
+                                  <p:childTnLst>
+                                    <p:set>
+                                      <p:cBhvr>
+                                        <p:cTn id="32" dur="1" fill="hold">
+                                          <p:stCondLst>
+                                            <p:cond delay="0"/>
+                                          </p:stCondLst>
+                                        </p:cTn>
+                                        <p:tgtEl>
+                                          <p:spTgt spid="7"/>
+                                        </p:tgtEl>
+                                        <p:attrNameLst>
+                                          <p:attrName>style.visibility</p:attrName>
+                                        </p:attrNameLst>
+                                      </p:cBhvr>
+                                      <p:to>
+                                        <p:strVal val="visible"/>
+                                      </p:to>
+                                    </p:set>
+                                  </p:childTnLst>
+                                </p:cTn>
+                              </p:par>
+                            </p:childTnLst>
+                          </p:cTn>
+                        </p:par>
+                      </p:childTnLst>
+                    </p:cTn>
+                  </p:par>
+                  <p:par>
+                    <p:cTn id="33" fill="hold">
+                      <p:stCondLst>
+                        <p:cond delay="indefinite"/>
+                      </p:stCondLst>
+                      <p:childTnLst>
+                        <p:par>
+                          <p:cTn id="34" fill="hold">
+                            <p:stCondLst>
+                              <p:cond delay="0"/>
+                            </p:stCondLst>
+                            <p:childTnLst>
+                              <p:par>
+                                <p:cTn id="35" presetID="1" presetClass="entr" presetSubtype="0" fill="hold" grpId="0" nodeType="clickEffect">
+                                  <p:stCondLst>
+                                    <p:cond delay="0"/>
+                                  </p:stCondLst>
+                                  <p:childTnLst>
+                                    <p:set>
+                                      <p:cBhvr>
+                                        <p:cTn id="36" dur="1" fill="hold">
+                                          <p:stCondLst>
+                                            <p:cond delay="0"/>
+                                          </p:stCondLst>
+                                        </p:cTn>
+                                        <p:tgtEl>
+                                          <p:spTgt spid="14"/>
+                                        </p:tgtEl>
+                                        <p:attrNameLst>
+                                          <p:attrName>style.visibility</p:attrName>
+                                        </p:attrNameLst>
+                                      </p:cBhvr>
+                                      <p:to>
+                                        <p:strVal val="visible"/>
+                                      </p:to>
+                                    </p:set>
+                                  </p:childTnLst>
+                                </p:cTn>
+                              </p:par>
+                              <p:par>
+                                <p:cTn id="37" presetID="1" presetClass="entr" presetSubtype="0" fill="hold" grpId="0" nodeType="withEffect">
+                                  <p:stCondLst>
+                                    <p:cond delay="0"/>
+                                  </p:stCondLst>
+                                  <p:childTnLst>
+                                    <p:set>
+                                      <p:cBhvr>
+                                        <p:cTn id="38" dur="1" fill="hold">
+                                          <p:stCondLst>
+                                            <p:cond delay="0"/>
+                                          </p:stCondLst>
+                                        </p:cTn>
+                                        <p:tgtEl>
+                                          <p:spTgt spid="12"/>
+                                        </p:tgtEl>
+                                        <p:attrNameLst>
+                                          <p:attrName>style.visibility</p:attrName>
+                                        </p:attrNameLst>
+                                      </p:cBhvr>
+                                      <p:to>
+                                        <p:strVal val="visible"/>
+                                      </p:to>
+                                    </p:set>
+                                  </p:childTnLst>
+                                </p:cTn>
+                              </p:par>
+                            </p:childTnLst>
+                          </p:cTn>
+                        </p:par>
+                      </p:childTnLst>
+                    </p:cTn>
+                  </p:par>
+                </p:childTnLst>
+              </p:cTn>
+              <p:prevCondLst>
+                <p:cond evt="onPrev" delay="0">
+                  <p:tgtEl>
+                    <p:sldTgt/>
+                  </p:tgtEl>
+                </p:cond>
+              </p:prevCondLst>
+              <p:nextCondLst>
+                <p:cond evt="onNext" delay="0">
+                  <p:tgtEl>
+                    <p:sldTgt/>
+                  </p:tgtEl>
+                </p:cond>
+              </p:nextCondLst>
+            </p:seq>
+          </p:childTnLst>
+        </p:cTn>
+      </p:par>
+    </p:tnLst>
+    <p:bldLst>
+      <p:bldP spid="4" grpId="0"/>
+      <p:bldP spid="5" grpId="0"/>
+      <p:bldP spid="6" grpId="0" animBg="1"/>
+      <p:bldP spid="10" grpId="0" animBg="1"/>
+      <p:bldP spid="11" grpId="0" animBg="1"/>
+      <p:bldP spid="12" grpId="0" animBg="1"/>
+      <p:bldP spid="7" grpId="0"/>
+      <p:bldP spid="14" grpId="0"/>
+      <p:bldP spid="15" grpId="0"/>
+      <p:bldP spid="16" grpId="0"/>
+    </p:bldLst>
+  </p:timing>
+</p:sld>
+</file>
+
+<file path=ppt/slides/slide9.xml><?xml version="1.0" encoding="utf-8"?>
 <p:sld xmlns:a="http://schemas.openxmlformats.org/drawingml/2006/main" xmlns:r="http://schemas.openxmlformats.org/officeDocument/2006/relationships" xmlns:p="http://schemas.openxmlformats.org/presentationml/2006/main">
   <p:cSld>
     <p:spTree>
@@ -23048,459 +25568,6 @@
 </p:sld>
 </file>
 
-<file path=ppt/slides/slide9.xml><?xml version="1.0" encoding="utf-8"?>
-<p:sld xmlns:a="http://schemas.openxmlformats.org/drawingml/2006/main" xmlns:r="http://schemas.openxmlformats.org/officeDocument/2006/relationships" xmlns:p="http://schemas.openxmlformats.org/presentationml/2006/main">
-  <p:cSld>
-    <p:spTree>
-      <p:nvGrpSpPr>
-        <p:cNvPr id="1" name=""/>
-        <p:cNvGrpSpPr/>
-        <p:nvPr/>
-      </p:nvGrpSpPr>
-      <p:grpSpPr>
-        <a:xfrm>
-          <a:off x="0" y="0"/>
-          <a:ext cx="0" cy="0"/>
-          <a:chOff x="0" y="0"/>
-          <a:chExt cx="0" cy="0"/>
-        </a:xfrm>
-      </p:grpSpPr>
-      <p:sp>
-        <p:nvSpPr>
-          <p:cNvPr id="2" name="Title 1">
-            <a:extLst>
-              <a:ext uri="{FF2B5EF4-FFF2-40B4-BE49-F238E27FC236}">
-                <a16:creationId xmlns:a16="http://schemas.microsoft.com/office/drawing/2014/main" id="{C58FDB14-83CD-4400-8BFB-C6686055B5EB}"/>
-              </a:ext>
-            </a:extLst>
-          </p:cNvPr>
-          <p:cNvSpPr>
-            <a:spLocks noGrp="1"/>
-          </p:cNvSpPr>
-          <p:nvPr>
-            <p:ph type="title"/>
-          </p:nvPr>
-        </p:nvSpPr>
-        <p:spPr>
-          <a:xfrm>
-            <a:off x="0" y="18255"/>
-            <a:ext cx="12192000" cy="916693"/>
-          </a:xfrm>
-        </p:spPr>
-        <p:txBody>
-          <a:bodyPr/>
-          <a:lstStyle/>
-          <a:p>
-            <a:r>
-              <a:rPr lang="en-US" dirty="0" err="1"/>
-              <a:t>Sklearn’s</a:t>
-            </a:r>
-            <a:r>
-              <a:rPr lang="en-US" dirty="0"/>
-              <a:t> density estimation module</a:t>
-            </a:r>
-          </a:p>
-        </p:txBody>
-      </p:sp>
-      <p:sp>
-        <p:nvSpPr>
-          <p:cNvPr id="3" name="Content Placeholder 2">
-            <a:extLst>
-              <a:ext uri="{FF2B5EF4-FFF2-40B4-BE49-F238E27FC236}">
-                <a16:creationId xmlns:a16="http://schemas.microsoft.com/office/drawing/2014/main" id="{B0A39F28-4F26-4D74-86B8-189AD7996564}"/>
-              </a:ext>
-            </a:extLst>
-          </p:cNvPr>
-          <p:cNvSpPr>
-            <a:spLocks noGrp="1"/>
-          </p:cNvSpPr>
-          <p:nvPr>
-            <p:ph idx="1"/>
-          </p:nvPr>
-        </p:nvSpPr>
-        <p:spPr>
-          <a:xfrm>
-            <a:off x="0" y="934947"/>
-            <a:ext cx="12192000" cy="534257"/>
-          </a:xfrm>
-        </p:spPr>
-        <p:txBody>
-          <a:bodyPr/>
-          <a:lstStyle/>
-          <a:p>
-            <a:r>
-              <a:rPr lang="en-US" dirty="0">
-                <a:hlinkClick r:id="rId2"/>
-              </a:rPr>
-              <a:t>https://scikit-learn.org/stable/modules/density.html</a:t>
-            </a:r>
-            <a:endParaRPr lang="en-US" dirty="0"/>
-          </a:p>
-        </p:txBody>
-      </p:sp>
-      <p:pic>
-        <p:nvPicPr>
-          <p:cNvPr id="1026" name="Picture 2" descr="digits_kde">
-            <a:extLst>
-              <a:ext uri="{FF2B5EF4-FFF2-40B4-BE49-F238E27FC236}">
-                <a16:creationId xmlns:a16="http://schemas.microsoft.com/office/drawing/2014/main" id="{08BBCC8C-82B8-4926-A6DB-B773A70E1513}"/>
-              </a:ext>
-            </a:extLst>
-          </p:cNvPr>
-          <p:cNvPicPr>
-            <a:picLocks noChangeAspect="1" noChangeArrowheads="1"/>
-          </p:cNvPicPr>
-          <p:nvPr/>
-        </p:nvPicPr>
-        <p:blipFill>
-          <a:blip r:embed="rId3">
-            <a:extLst>
-              <a:ext uri="{28A0092B-C50C-407E-A947-70E740481C1C}">
-                <a14:useLocalDpi xmlns:a14="http://schemas.microsoft.com/office/drawing/2010/main" val="0"/>
-              </a:ext>
-            </a:extLst>
-          </a:blip>
-          <a:srcRect/>
-          <a:stretch>
-            <a:fillRect/>
-          </a:stretch>
-        </p:blipFill>
-        <p:spPr bwMode="auto">
-          <a:xfrm>
-            <a:off x="6472719" y="2474512"/>
-            <a:ext cx="5544620" cy="4158465"/>
-          </a:xfrm>
-          <a:prstGeom prst="rect">
-            <a:avLst/>
-          </a:prstGeom>
-          <a:noFill/>
-          <a:extLst>
-            <a:ext uri="{909E8E84-426E-40DD-AFC4-6F175D3DCCD1}">
-              <a14:hiddenFill xmlns:a14="http://schemas.microsoft.com/office/drawing/2010/main">
-                <a:solidFill>
-                  <a:srgbClr val="FFFFFF"/>
-                </a:solidFill>
-              </a14:hiddenFill>
-            </a:ext>
-          </a:extLst>
-        </p:spPr>
-      </p:pic>
-      <p:pic>
-        <p:nvPicPr>
-          <p:cNvPr id="1028" name="Picture 4" descr="species_kde">
-            <a:extLst>
-              <a:ext uri="{FF2B5EF4-FFF2-40B4-BE49-F238E27FC236}">
-                <a16:creationId xmlns:a16="http://schemas.microsoft.com/office/drawing/2014/main" id="{E103D7DF-30B9-4568-8484-4CD28D4222E4}"/>
-              </a:ext>
-            </a:extLst>
-          </p:cNvPr>
-          <p:cNvPicPr>
-            <a:picLocks noChangeAspect="1" noChangeArrowheads="1"/>
-          </p:cNvPicPr>
-          <p:nvPr/>
-        </p:nvPicPr>
-        <p:blipFill>
-          <a:blip r:embed="rId4">
-            <a:extLst>
-              <a:ext uri="{28A0092B-C50C-407E-A947-70E740481C1C}">
-                <a14:useLocalDpi xmlns:a14="http://schemas.microsoft.com/office/drawing/2010/main" val="0"/>
-              </a:ext>
-            </a:extLst>
-          </a:blip>
-          <a:srcRect/>
-          <a:stretch>
-            <a:fillRect/>
-          </a:stretch>
-        </p:blipFill>
-        <p:spPr bwMode="auto">
-          <a:xfrm>
-            <a:off x="263703" y="2267745"/>
-            <a:ext cx="6096000" cy="4572000"/>
-          </a:xfrm>
-          <a:prstGeom prst="rect">
-            <a:avLst/>
-          </a:prstGeom>
-          <a:noFill/>
-          <a:extLst>
-            <a:ext uri="{909E8E84-426E-40DD-AFC4-6F175D3DCCD1}">
-              <a14:hiddenFill xmlns:a14="http://schemas.microsoft.com/office/drawing/2010/main">
-                <a:solidFill>
-                  <a:srgbClr val="FFFFFF"/>
-                </a:solidFill>
-              </a14:hiddenFill>
-            </a:ext>
-          </a:extLst>
-        </p:spPr>
-      </p:pic>
-      <p:sp>
-        <p:nvSpPr>
-          <p:cNvPr id="4" name="TextBox 3">
-            <a:extLst>
-              <a:ext uri="{FF2B5EF4-FFF2-40B4-BE49-F238E27FC236}">
-                <a16:creationId xmlns:a16="http://schemas.microsoft.com/office/drawing/2014/main" id="{57AA2F7E-454D-4347-977A-A37BB5A0424F}"/>
-              </a:ext>
-            </a:extLst>
-          </p:cNvPr>
-          <p:cNvSpPr txBox="1"/>
-          <p:nvPr/>
-        </p:nvSpPr>
-        <p:spPr>
-          <a:xfrm>
-            <a:off x="263703" y="1839074"/>
-            <a:ext cx="5832297" cy="369332"/>
-          </a:xfrm>
-          <a:prstGeom prst="rect">
-            <a:avLst/>
-          </a:prstGeom>
-          <a:noFill/>
-        </p:spPr>
-        <p:txBody>
-          <a:bodyPr wrap="square" rtlCol="0">
-            <a:spAutoFit/>
-          </a:bodyPr>
-          <a:lstStyle/>
-          <a:p>
-            <a:r>
-              <a:rPr lang="en-US" dirty="0"/>
-              <a:t>Kernel density estimation for visualization of geospatial data</a:t>
-            </a:r>
-          </a:p>
-        </p:txBody>
-      </p:sp>
-      <p:sp>
-        <p:nvSpPr>
-          <p:cNvPr id="7" name="TextBox 6">
-            <a:extLst>
-              <a:ext uri="{FF2B5EF4-FFF2-40B4-BE49-F238E27FC236}">
-                <a16:creationId xmlns:a16="http://schemas.microsoft.com/office/drawing/2014/main" id="{4AF122E6-2834-47D7-BC0D-2EB21971E6BB}"/>
-              </a:ext>
-            </a:extLst>
-          </p:cNvPr>
-          <p:cNvSpPr txBox="1"/>
-          <p:nvPr/>
-        </p:nvSpPr>
-        <p:spPr>
-          <a:xfrm>
-            <a:off x="6647380" y="1664413"/>
-            <a:ext cx="5832297" cy="923330"/>
-          </a:xfrm>
-          <a:prstGeom prst="rect">
-            <a:avLst/>
-          </a:prstGeom>
-          <a:noFill/>
-        </p:spPr>
-        <p:txBody>
-          <a:bodyPr wrap="square" rtlCol="0">
-            <a:spAutoFit/>
-          </a:bodyPr>
-          <a:lstStyle/>
-          <a:p>
-            <a:r>
-              <a:rPr lang="en-US" dirty="0"/>
-              <a:t>Kernel density estimation for non-parametric generative models, here, a new set of handwritten digits has been </a:t>
-            </a:r>
-            <a:r>
-              <a:rPr lang="en-US" i="1" dirty="0"/>
-              <a:t>generated </a:t>
-            </a:r>
-            <a:r>
-              <a:rPr lang="en-US" dirty="0"/>
-              <a:t>using a gaussian kernel </a:t>
-            </a:r>
-          </a:p>
-        </p:txBody>
-      </p:sp>
-    </p:spTree>
-    <p:extLst>
-      <p:ext uri="{BB962C8B-B14F-4D97-AF65-F5344CB8AC3E}">
-        <p14:creationId xmlns:p14="http://schemas.microsoft.com/office/powerpoint/2010/main" val="1103981743"/>
-      </p:ext>
-    </p:extLst>
-  </p:cSld>
-  <p:clrMapOvr>
-    <a:masterClrMapping/>
-  </p:clrMapOvr>
-  <p:timing>
-    <p:tnLst>
-      <p:par>
-        <p:cTn id="1" dur="indefinite" restart="never" nodeType="tmRoot">
-          <p:childTnLst>
-            <p:seq concurrent="1" nextAc="seek">
-              <p:cTn id="2" dur="indefinite" nodeType="mainSeq">
-                <p:childTnLst>
-                  <p:par>
-                    <p:cTn id="3" fill="hold">
-                      <p:stCondLst>
-                        <p:cond delay="indefinite"/>
-                      </p:stCondLst>
-                      <p:childTnLst>
-                        <p:par>
-                          <p:cTn id="4" fill="hold">
-                            <p:stCondLst>
-                              <p:cond delay="0"/>
-                            </p:stCondLst>
-                            <p:childTnLst>
-                              <p:par>
-                                <p:cTn id="5" presetID="1" presetClass="entr" presetSubtype="0" fill="hold" grpId="0" nodeType="clickEffect">
-                                  <p:stCondLst>
-                                    <p:cond delay="0"/>
-                                  </p:stCondLst>
-                                  <p:childTnLst>
-                                    <p:set>
-                                      <p:cBhvr>
-                                        <p:cTn id="6" dur="1" fill="hold">
-                                          <p:stCondLst>
-                                            <p:cond delay="0"/>
-                                          </p:stCondLst>
-                                        </p:cTn>
-                                        <p:tgtEl>
-                                          <p:spTgt spid="4"/>
-                                        </p:tgtEl>
-                                        <p:attrNameLst>
-                                          <p:attrName>style.visibility</p:attrName>
-                                        </p:attrNameLst>
-                                      </p:cBhvr>
-                                      <p:to>
-                                        <p:strVal val="visible"/>
-                                      </p:to>
-                                    </p:set>
-                                  </p:childTnLst>
-                                </p:cTn>
-                              </p:par>
-                              <p:par>
-                                <p:cTn id="7" presetID="1" presetClass="entr" presetSubtype="0" fill="hold" nodeType="withEffect">
-                                  <p:stCondLst>
-                                    <p:cond delay="0"/>
-                                  </p:stCondLst>
-                                  <p:childTnLst>
-                                    <p:set>
-                                      <p:cBhvr>
-                                        <p:cTn id="8" dur="1" fill="hold">
-                                          <p:stCondLst>
-                                            <p:cond delay="0"/>
-                                          </p:stCondLst>
-                                        </p:cTn>
-                                        <p:tgtEl>
-                                          <p:spTgt spid="1028"/>
-                                        </p:tgtEl>
-                                        <p:attrNameLst>
-                                          <p:attrName>style.visibility</p:attrName>
-                                        </p:attrNameLst>
-                                      </p:cBhvr>
-                                      <p:to>
-                                        <p:strVal val="visible"/>
-                                      </p:to>
-                                    </p:set>
-                                  </p:childTnLst>
-                                </p:cTn>
-                              </p:par>
-                            </p:childTnLst>
-                          </p:cTn>
-                        </p:par>
-                      </p:childTnLst>
-                    </p:cTn>
-                  </p:par>
-                  <p:par>
-                    <p:cTn id="9" fill="hold">
-                      <p:stCondLst>
-                        <p:cond delay="indefinite"/>
-                      </p:stCondLst>
-                      <p:childTnLst>
-                        <p:par>
-                          <p:cTn id="10" fill="hold">
-                            <p:stCondLst>
-                              <p:cond delay="0"/>
-                            </p:stCondLst>
-                            <p:childTnLst>
-                              <p:par>
-                                <p:cTn id="11" presetID="1" presetClass="entr" presetSubtype="0" fill="hold" grpId="0" nodeType="clickEffect">
-                                  <p:stCondLst>
-                                    <p:cond delay="0"/>
-                                  </p:stCondLst>
-                                  <p:childTnLst>
-                                    <p:set>
-                                      <p:cBhvr>
-                                        <p:cTn id="12" dur="1" fill="hold">
-                                          <p:stCondLst>
-                                            <p:cond delay="0"/>
-                                          </p:stCondLst>
-                                        </p:cTn>
-                                        <p:tgtEl>
-                                          <p:spTgt spid="7"/>
-                                        </p:tgtEl>
-                                        <p:attrNameLst>
-                                          <p:attrName>style.visibility</p:attrName>
-                                        </p:attrNameLst>
-                                      </p:cBhvr>
-                                      <p:to>
-                                        <p:strVal val="visible"/>
-                                      </p:to>
-                                    </p:set>
-                                  </p:childTnLst>
-                                </p:cTn>
-                              </p:par>
-                              <p:par>
-                                <p:cTn id="13" presetID="1" presetClass="entr" presetSubtype="0" fill="hold" nodeType="withEffect">
-                                  <p:stCondLst>
-                                    <p:cond delay="0"/>
-                                  </p:stCondLst>
-                                  <p:childTnLst>
-                                    <p:set>
-                                      <p:cBhvr>
-                                        <p:cTn id="14" dur="1" fill="hold">
-                                          <p:stCondLst>
-                                            <p:cond delay="0"/>
-                                          </p:stCondLst>
-                                        </p:cTn>
-                                        <p:tgtEl>
-                                          <p:spTgt spid="1026"/>
-                                        </p:tgtEl>
-                                        <p:attrNameLst>
-                                          <p:attrName>style.visibility</p:attrName>
-                                        </p:attrNameLst>
-                                      </p:cBhvr>
-                                      <p:to>
-                                        <p:strVal val="visible"/>
-                                      </p:to>
-                                    </p:set>
-                                  </p:childTnLst>
-                                </p:cTn>
-                              </p:par>
-                            </p:childTnLst>
-                          </p:cTn>
-                        </p:par>
-                      </p:childTnLst>
-                    </p:cTn>
-                  </p:par>
-                </p:childTnLst>
-              </p:cTn>
-              <p:prevCondLst>
-                <p:cond evt="onPrev" delay="0">
-                  <p:tgtEl>
-                    <p:sldTgt/>
-                  </p:tgtEl>
-                </p:cond>
-              </p:prevCondLst>
-              <p:nextCondLst>
-                <p:cond evt="onNext" delay="0">
-                  <p:tgtEl>
-                    <p:sldTgt/>
-                  </p:tgtEl>
-                </p:cond>
-              </p:nextCondLst>
-            </p:seq>
-          </p:childTnLst>
-        </p:cTn>
-      </p:par>
-    </p:tnLst>
-    <p:bldLst>
-      <p:bldP spid="4" grpId="0"/>
-      <p:bldP spid="7" grpId="0"/>
-    </p:bldLst>
-  </p:timing>
-</p:sld>
-</file>
-
 <file path=ppt/theme/theme1.xml><?xml version="1.0" encoding="utf-8"?>
 <a:theme xmlns:a="http://schemas.openxmlformats.org/drawingml/2006/main" name="Office Theme">
   <a:themeElements>
